--- a/02_Requirement/Hackathon20161211.pptx
+++ b/02_Requirement/Hackathon20161211.pptx
@@ -17,7 +17,12 @@
     <p:sldId id="269" r:id="rId11"/>
     <p:sldId id="270" r:id="rId12"/>
     <p:sldId id="265" r:id="rId13"/>
-    <p:sldId id="263" r:id="rId14"/>
+    <p:sldId id="274" r:id="rId14"/>
+    <p:sldId id="275" r:id="rId15"/>
+    <p:sldId id="276" r:id="rId16"/>
+    <p:sldId id="277" r:id="rId17"/>
+    <p:sldId id="278" r:id="rId18"/>
+    <p:sldId id="263" r:id="rId19"/>
   </p:sldIdLst>
   <p:sldSz cx="9144000" cy="6858000" type="screen4x3"/>
   <p:notesSz cx="6858000" cy="9144000"/>
@@ -4391,15 +4396,7 @@
                 <a:ea typeface="メイリオ"/>
                 <a:cs typeface="メイリオ"/>
               </a:rPr>
-              <a:t>クリスマス</a:t>
-            </a:r>
-            <a:r>
-              <a:rPr lang="ja-JP" altLang="en-US" b="1" u="sng" dirty="0" smtClean="0">
-                <a:latin typeface="メイリオ"/>
-                <a:ea typeface="メイリオ"/>
-                <a:cs typeface="メイリオ"/>
-              </a:rPr>
-              <a:t>当日</a:t>
+              <a:t>クリスマス当日</a:t>
             </a:r>
             <a:endParaRPr lang="en-US" b="1" u="sng" dirty="0">
               <a:latin typeface="メイリオ"/>
@@ -4723,6 +4720,1859 @@
 </file>
 
 <file path=ppt/slides/slide13.xml><?xml version="1.0" encoding="utf-8"?>
+<p:sld xmlns:a="http://schemas.openxmlformats.org/drawingml/2006/main" xmlns:r="http://schemas.openxmlformats.org/officeDocument/2006/relationships" xmlns:p="http://schemas.openxmlformats.org/presentationml/2006/main">
+  <p:cSld>
+    <p:spTree>
+      <p:nvGrpSpPr>
+        <p:cNvPr id="1" name=""/>
+        <p:cNvGrpSpPr/>
+        <p:nvPr/>
+      </p:nvGrpSpPr>
+      <p:grpSpPr>
+        <a:xfrm>
+          <a:off x="0" y="0"/>
+          <a:ext cx="0" cy="0"/>
+          <a:chOff x="0" y="0"/>
+          <a:chExt cx="0" cy="0"/>
+        </a:xfrm>
+      </p:grpSpPr>
+      <p:sp>
+        <p:nvSpPr>
+          <p:cNvPr id="5" name="Rounded Rectangle 4"/>
+          <p:cNvSpPr/>
+          <p:nvPr/>
+        </p:nvSpPr>
+        <p:spPr>
+          <a:xfrm>
+            <a:off x="679947" y="500280"/>
+            <a:ext cx="3309929" cy="5900734"/>
+          </a:xfrm>
+          <a:prstGeom prst="roundRect">
+            <a:avLst/>
+          </a:prstGeom>
+          <a:noFill/>
+          <a:ln w="28575" cmpd="sng">
+            <a:solidFill>
+              <a:schemeClr val="tx1"/>
+            </a:solidFill>
+          </a:ln>
+        </p:spPr>
+        <p:style>
+          <a:lnRef idx="1">
+            <a:schemeClr val="accent1"/>
+          </a:lnRef>
+          <a:fillRef idx="3">
+            <a:schemeClr val="accent1"/>
+          </a:fillRef>
+          <a:effectRef idx="2">
+            <a:schemeClr val="accent1"/>
+          </a:effectRef>
+          <a:fontRef idx="minor">
+            <a:schemeClr val="lt1"/>
+          </a:fontRef>
+        </p:style>
+        <p:txBody>
+          <a:bodyPr rtlCol="0" anchor="ctr"/>
+          <a:lstStyle/>
+          <a:p>
+            <a:pPr algn="ctr"/>
+            <a:endParaRPr lang="en-US"/>
+          </a:p>
+        </p:txBody>
+      </p:sp>
+      <p:sp>
+        <p:nvSpPr>
+          <p:cNvPr id="10" name="Oval 9"/>
+          <p:cNvSpPr/>
+          <p:nvPr/>
+        </p:nvSpPr>
+        <p:spPr>
+          <a:xfrm>
+            <a:off x="2016757" y="5705556"/>
+            <a:ext cx="560785" cy="580944"/>
+          </a:xfrm>
+          <a:prstGeom prst="ellipse">
+            <a:avLst/>
+          </a:prstGeom>
+          <a:solidFill>
+            <a:srgbClr val="FFFFFF"/>
+          </a:solidFill>
+          <a:ln>
+            <a:solidFill>
+              <a:schemeClr val="tx1"/>
+            </a:solidFill>
+          </a:ln>
+          <a:effectLst/>
+        </p:spPr>
+        <p:style>
+          <a:lnRef idx="1">
+            <a:schemeClr val="accent1"/>
+          </a:lnRef>
+          <a:fillRef idx="3">
+            <a:schemeClr val="accent1"/>
+          </a:fillRef>
+          <a:effectRef idx="2">
+            <a:schemeClr val="accent1"/>
+          </a:effectRef>
+          <a:fontRef idx="minor">
+            <a:schemeClr val="lt1"/>
+          </a:fontRef>
+        </p:style>
+        <p:txBody>
+          <a:bodyPr rtlCol="0" anchor="ctr"/>
+          <a:lstStyle/>
+          <a:p>
+            <a:pPr algn="ctr"/>
+            <a:endParaRPr lang="en-US" dirty="0"/>
+          </a:p>
+        </p:txBody>
+      </p:sp>
+      <p:sp>
+        <p:nvSpPr>
+          <p:cNvPr id="16" name="Rectangle 15"/>
+          <p:cNvSpPr/>
+          <p:nvPr/>
+        </p:nvSpPr>
+        <p:spPr>
+          <a:xfrm>
+            <a:off x="782580" y="1093133"/>
+            <a:ext cx="3079004" cy="4399895"/>
+          </a:xfrm>
+          <a:prstGeom prst="rect">
+            <a:avLst/>
+          </a:prstGeom>
+          <a:solidFill>
+            <a:srgbClr val="FFFFFF"/>
+          </a:solidFill>
+          <a:ln>
+            <a:solidFill>
+              <a:srgbClr val="000000"/>
+            </a:solidFill>
+          </a:ln>
+        </p:spPr>
+        <p:style>
+          <a:lnRef idx="1">
+            <a:schemeClr val="accent1"/>
+          </a:lnRef>
+          <a:fillRef idx="3">
+            <a:schemeClr val="accent1"/>
+          </a:fillRef>
+          <a:effectRef idx="2">
+            <a:schemeClr val="accent1"/>
+          </a:effectRef>
+          <a:fontRef idx="minor">
+            <a:schemeClr val="lt1"/>
+          </a:fontRef>
+        </p:style>
+        <p:txBody>
+          <a:bodyPr rtlCol="0" anchor="ctr"/>
+          <a:lstStyle/>
+          <a:p>
+            <a:pPr algn="ctr"/>
+            <a:endParaRPr lang="en-US" dirty="0"/>
+          </a:p>
+        </p:txBody>
+      </p:sp>
+      <p:pic>
+        <p:nvPicPr>
+          <p:cNvPr id="3" name="Picture 2"/>
+          <p:cNvPicPr>
+            <a:picLocks noChangeAspect="1"/>
+          </p:cNvPicPr>
+          <p:nvPr/>
+        </p:nvPicPr>
+        <p:blipFill>
+          <a:blip r:embed="rId2"/>
+          <a:stretch>
+            <a:fillRect/>
+          </a:stretch>
+        </p:blipFill>
+        <p:spPr>
+          <a:xfrm>
+            <a:off x="4614435" y="474253"/>
+            <a:ext cx="3963800" cy="3389733"/>
+          </a:xfrm>
+          <a:prstGeom prst="rect">
+            <a:avLst/>
+          </a:prstGeom>
+        </p:spPr>
+      </p:pic>
+      <p:sp>
+        <p:nvSpPr>
+          <p:cNvPr id="18" name="Rectangle 17"/>
+          <p:cNvSpPr/>
+          <p:nvPr/>
+        </p:nvSpPr>
+        <p:spPr>
+          <a:xfrm>
+            <a:off x="4322121" y="4606501"/>
+            <a:ext cx="4051758" cy="1999399"/>
+          </a:xfrm>
+          <a:prstGeom prst="rect">
+            <a:avLst/>
+          </a:prstGeom>
+          <a:solidFill>
+            <a:srgbClr val="FFFFFF"/>
+          </a:solidFill>
+          <a:ln w="9525" cmpd="sng">
+            <a:solidFill>
+              <a:srgbClr val="000000"/>
+            </a:solidFill>
+          </a:ln>
+        </p:spPr>
+        <p:style>
+          <a:lnRef idx="1">
+            <a:schemeClr val="accent1"/>
+          </a:lnRef>
+          <a:fillRef idx="3">
+            <a:schemeClr val="accent1"/>
+          </a:fillRef>
+          <a:effectRef idx="2">
+            <a:schemeClr val="accent1"/>
+          </a:effectRef>
+          <a:fontRef idx="minor">
+            <a:schemeClr val="lt1"/>
+          </a:fontRef>
+        </p:style>
+        <p:txBody>
+          <a:bodyPr rtlCol="0" anchor="ctr"/>
+          <a:lstStyle/>
+          <a:p>
+            <a:endParaRPr lang="en-US" altLang="ja-JP" sz="1400" dirty="0">
+              <a:solidFill>
+                <a:schemeClr val="tx1"/>
+              </a:solidFill>
+            </a:endParaRPr>
+          </a:p>
+          <a:p>
+            <a:pPr marL="285750" indent="-285750">
+              <a:buFont typeface="Wingdings" charset="2"/>
+              <a:buChar char="ü"/>
+            </a:pPr>
+            <a:r>
+              <a:rPr lang="ja-JP" altLang="en-US" sz="1400" dirty="0" smtClean="0">
+                <a:solidFill>
+                  <a:schemeClr val="tx1"/>
+                </a:solidFill>
+                <a:latin typeface="メイリオ"/>
+                <a:ea typeface="メイリオ"/>
+                <a:cs typeface="メイリオ"/>
+              </a:rPr>
+              <a:t>ユーザーのログイン時の情報により、子供もしくは親の画面が表示される</a:t>
+            </a:r>
+            <a:endParaRPr lang="en-US" altLang="ja-JP" sz="1400" dirty="0" smtClean="0">
+              <a:solidFill>
+                <a:schemeClr val="tx1"/>
+              </a:solidFill>
+              <a:latin typeface="メイリオ"/>
+              <a:ea typeface="メイリオ"/>
+              <a:cs typeface="メイリオ"/>
+            </a:endParaRPr>
+          </a:p>
+          <a:p>
+            <a:pPr marL="285750" indent="-285750">
+              <a:buFont typeface="Wingdings" charset="2"/>
+              <a:buChar char="ü"/>
+            </a:pPr>
+            <a:endParaRPr lang="en-US" altLang="ja-JP" sz="1400" dirty="0">
+              <a:solidFill>
+                <a:schemeClr val="tx1"/>
+              </a:solidFill>
+              <a:latin typeface="メイリオ"/>
+              <a:ea typeface="メイリオ"/>
+              <a:cs typeface="メイリオ"/>
+            </a:endParaRPr>
+          </a:p>
+          <a:p>
+            <a:pPr marL="285750" indent="-285750">
+              <a:buFont typeface="Wingdings" charset="2"/>
+              <a:buChar char="ü"/>
+            </a:pPr>
+            <a:r>
+              <a:rPr lang="ja-JP" altLang="en-US" sz="1400" dirty="0" smtClean="0">
+                <a:solidFill>
+                  <a:schemeClr val="tx1"/>
+                </a:solidFill>
+                <a:latin typeface="メイリオ"/>
+                <a:ea typeface="メイリオ"/>
+                <a:cs typeface="メイリオ"/>
+              </a:rPr>
+              <a:t>親画面：複数名子供がいる場合は、一覧表示される。</a:t>
+            </a:r>
+            <a:endParaRPr lang="en-US" altLang="ja-JP" dirty="0">
+              <a:solidFill>
+                <a:schemeClr val="tx1"/>
+              </a:solidFill>
+              <a:latin typeface="メイリオ"/>
+              <a:ea typeface="メイリオ"/>
+              <a:cs typeface="メイリオ"/>
+            </a:endParaRPr>
+          </a:p>
+          <a:p>
+            <a:pPr marL="285750" indent="-285750">
+              <a:buFont typeface="Wingdings" charset="2"/>
+              <a:buChar char="ü"/>
+            </a:pPr>
+            <a:endParaRPr lang="en-US" altLang="ja-JP" dirty="0" smtClean="0">
+              <a:solidFill>
+                <a:schemeClr val="tx1"/>
+              </a:solidFill>
+              <a:latin typeface="メイリオ"/>
+              <a:ea typeface="メイリオ"/>
+              <a:cs typeface="メイリオ"/>
+            </a:endParaRPr>
+          </a:p>
+        </p:txBody>
+      </p:sp>
+      <p:sp>
+        <p:nvSpPr>
+          <p:cNvPr id="19" name="Rectangle 18"/>
+          <p:cNvSpPr/>
+          <p:nvPr/>
+        </p:nvSpPr>
+        <p:spPr>
+          <a:xfrm>
+            <a:off x="5016784" y="591017"/>
+            <a:ext cx="3181068" cy="574880"/>
+          </a:xfrm>
+          <a:prstGeom prst="rect">
+            <a:avLst/>
+          </a:prstGeom>
+          <a:noFill/>
+          <a:ln>
+            <a:solidFill>
+              <a:srgbClr val="FF0000"/>
+            </a:solidFill>
+            <a:prstDash val="sysDash"/>
+          </a:ln>
+          <a:effectLst/>
+        </p:spPr>
+        <p:style>
+          <a:lnRef idx="1">
+            <a:schemeClr val="accent1"/>
+          </a:lnRef>
+          <a:fillRef idx="3">
+            <a:schemeClr val="accent1"/>
+          </a:fillRef>
+          <a:effectRef idx="2">
+            <a:schemeClr val="accent1"/>
+          </a:effectRef>
+          <a:fontRef idx="minor">
+            <a:schemeClr val="lt1"/>
+          </a:fontRef>
+        </p:style>
+        <p:txBody>
+          <a:bodyPr rtlCol="0" anchor="ctr"/>
+          <a:lstStyle/>
+          <a:p>
+            <a:pPr algn="ctr"/>
+            <a:endParaRPr lang="en-US" dirty="0"/>
+          </a:p>
+        </p:txBody>
+      </p:sp>
+    </p:spTree>
+    <p:extLst>
+      <p:ext uri="{BB962C8B-B14F-4D97-AF65-F5344CB8AC3E}">
+        <p14:creationId xmlns:p14="http://schemas.microsoft.com/office/powerpoint/2010/main" val="2167401693"/>
+      </p:ext>
+    </p:extLst>
+  </p:cSld>
+  <p:clrMapOvr>
+    <a:masterClrMapping/>
+  </p:clrMapOvr>
+  <p:timing>
+    <p:tnLst>
+      <p:par>
+        <p:cTn xmlns:p14="http://schemas.microsoft.com/office/powerpoint/2010/main" id="1" dur="indefinite" restart="never" nodeType="tmRoot"/>
+      </p:par>
+    </p:tnLst>
+  </p:timing>
+</p:sld>
+</file>
+
+<file path=ppt/slides/slide14.xml><?xml version="1.0" encoding="utf-8"?>
+<p:sld xmlns:a="http://schemas.openxmlformats.org/drawingml/2006/main" xmlns:r="http://schemas.openxmlformats.org/officeDocument/2006/relationships" xmlns:p="http://schemas.openxmlformats.org/presentationml/2006/main">
+  <p:cSld>
+    <p:spTree>
+      <p:nvGrpSpPr>
+        <p:cNvPr id="1" name=""/>
+        <p:cNvGrpSpPr/>
+        <p:nvPr/>
+      </p:nvGrpSpPr>
+      <p:grpSpPr>
+        <a:xfrm>
+          <a:off x="0" y="0"/>
+          <a:ext cx="0" cy="0"/>
+          <a:chOff x="0" y="0"/>
+          <a:chExt cx="0" cy="0"/>
+        </a:xfrm>
+      </p:grpSpPr>
+      <p:sp>
+        <p:nvSpPr>
+          <p:cNvPr id="4" name="Rounded Rectangle 3"/>
+          <p:cNvSpPr/>
+          <p:nvPr/>
+        </p:nvSpPr>
+        <p:spPr>
+          <a:xfrm>
+            <a:off x="679947" y="500280"/>
+            <a:ext cx="3309929" cy="5900734"/>
+          </a:xfrm>
+          <a:prstGeom prst="roundRect">
+            <a:avLst/>
+          </a:prstGeom>
+          <a:noFill/>
+          <a:ln w="28575" cmpd="sng">
+            <a:solidFill>
+              <a:schemeClr val="tx1"/>
+            </a:solidFill>
+          </a:ln>
+        </p:spPr>
+        <p:style>
+          <a:lnRef idx="1">
+            <a:schemeClr val="accent1"/>
+          </a:lnRef>
+          <a:fillRef idx="3">
+            <a:schemeClr val="accent1"/>
+          </a:fillRef>
+          <a:effectRef idx="2">
+            <a:schemeClr val="accent1"/>
+          </a:effectRef>
+          <a:fontRef idx="minor">
+            <a:schemeClr val="lt1"/>
+          </a:fontRef>
+        </p:style>
+        <p:txBody>
+          <a:bodyPr rtlCol="0" anchor="ctr"/>
+          <a:lstStyle/>
+          <a:p>
+            <a:pPr algn="ctr"/>
+            <a:endParaRPr lang="en-US"/>
+          </a:p>
+        </p:txBody>
+      </p:sp>
+      <p:sp>
+        <p:nvSpPr>
+          <p:cNvPr id="5" name="Oval 4"/>
+          <p:cNvSpPr/>
+          <p:nvPr/>
+        </p:nvSpPr>
+        <p:spPr>
+          <a:xfrm>
+            <a:off x="2016757" y="5705556"/>
+            <a:ext cx="560785" cy="580944"/>
+          </a:xfrm>
+          <a:prstGeom prst="ellipse">
+            <a:avLst/>
+          </a:prstGeom>
+          <a:solidFill>
+            <a:srgbClr val="FFFFFF"/>
+          </a:solidFill>
+          <a:ln>
+            <a:solidFill>
+              <a:schemeClr val="tx1"/>
+            </a:solidFill>
+          </a:ln>
+          <a:effectLst/>
+        </p:spPr>
+        <p:style>
+          <a:lnRef idx="1">
+            <a:schemeClr val="accent1"/>
+          </a:lnRef>
+          <a:fillRef idx="3">
+            <a:schemeClr val="accent1"/>
+          </a:fillRef>
+          <a:effectRef idx="2">
+            <a:schemeClr val="accent1"/>
+          </a:effectRef>
+          <a:fontRef idx="minor">
+            <a:schemeClr val="lt1"/>
+          </a:fontRef>
+        </p:style>
+        <p:txBody>
+          <a:bodyPr rtlCol="0" anchor="ctr"/>
+          <a:lstStyle/>
+          <a:p>
+            <a:pPr algn="ctr"/>
+            <a:endParaRPr lang="en-US" dirty="0"/>
+          </a:p>
+        </p:txBody>
+      </p:sp>
+      <p:sp>
+        <p:nvSpPr>
+          <p:cNvPr id="6" name="Rectangle 5"/>
+          <p:cNvSpPr/>
+          <p:nvPr/>
+        </p:nvSpPr>
+        <p:spPr>
+          <a:xfrm>
+            <a:off x="782580" y="1093133"/>
+            <a:ext cx="3079004" cy="4399895"/>
+          </a:xfrm>
+          <a:prstGeom prst="rect">
+            <a:avLst/>
+          </a:prstGeom>
+          <a:solidFill>
+            <a:srgbClr val="FFFFFF"/>
+          </a:solidFill>
+          <a:ln>
+            <a:solidFill>
+              <a:srgbClr val="000000"/>
+            </a:solidFill>
+          </a:ln>
+        </p:spPr>
+        <p:style>
+          <a:lnRef idx="1">
+            <a:schemeClr val="accent1"/>
+          </a:lnRef>
+          <a:fillRef idx="3">
+            <a:schemeClr val="accent1"/>
+          </a:fillRef>
+          <a:effectRef idx="2">
+            <a:schemeClr val="accent1"/>
+          </a:effectRef>
+          <a:fontRef idx="minor">
+            <a:schemeClr val="lt1"/>
+          </a:fontRef>
+        </p:style>
+        <p:txBody>
+          <a:bodyPr rtlCol="0" anchor="ctr"/>
+          <a:lstStyle/>
+          <a:p>
+            <a:pPr algn="ctr"/>
+            <a:endParaRPr lang="en-US" dirty="0"/>
+          </a:p>
+        </p:txBody>
+      </p:sp>
+      <p:sp>
+        <p:nvSpPr>
+          <p:cNvPr id="7" name="Rectangle 6"/>
+          <p:cNvSpPr/>
+          <p:nvPr/>
+        </p:nvSpPr>
+        <p:spPr>
+          <a:xfrm>
+            <a:off x="4322120" y="4606501"/>
+            <a:ext cx="4617561" cy="1999399"/>
+          </a:xfrm>
+          <a:prstGeom prst="rect">
+            <a:avLst/>
+          </a:prstGeom>
+          <a:solidFill>
+            <a:srgbClr val="FFFFFF"/>
+          </a:solidFill>
+          <a:ln w="9525" cmpd="sng">
+            <a:solidFill>
+              <a:srgbClr val="000000"/>
+            </a:solidFill>
+          </a:ln>
+        </p:spPr>
+        <p:style>
+          <a:lnRef idx="1">
+            <a:schemeClr val="accent1"/>
+          </a:lnRef>
+          <a:fillRef idx="3">
+            <a:schemeClr val="accent1"/>
+          </a:fillRef>
+          <a:effectRef idx="2">
+            <a:schemeClr val="accent1"/>
+          </a:effectRef>
+          <a:fontRef idx="minor">
+            <a:schemeClr val="lt1"/>
+          </a:fontRef>
+        </p:style>
+        <p:txBody>
+          <a:bodyPr rtlCol="0" anchor="ctr"/>
+          <a:lstStyle/>
+          <a:p>
+            <a:endParaRPr lang="en-US" altLang="ja-JP" sz="1400" dirty="0">
+              <a:solidFill>
+                <a:schemeClr val="tx1"/>
+              </a:solidFill>
+            </a:endParaRPr>
+          </a:p>
+          <a:p>
+            <a:pPr marL="285750" indent="-285750">
+              <a:buFont typeface="Wingdings" charset="2"/>
+              <a:buChar char="ü"/>
+            </a:pPr>
+            <a:r>
+              <a:rPr lang="ja-JP" altLang="en-US" sz="1400" dirty="0" smtClean="0">
+                <a:solidFill>
+                  <a:schemeClr val="tx1"/>
+                </a:solidFill>
+                <a:latin typeface="メイリオ"/>
+                <a:ea typeface="メイリオ"/>
+                <a:cs typeface="メイリオ"/>
+              </a:rPr>
+              <a:t>ユーザーのログイン時の情報により、子供もしくは親の画面が表示される</a:t>
+            </a:r>
+            <a:endParaRPr lang="en-US" altLang="ja-JP" sz="1400" dirty="0" smtClean="0">
+              <a:solidFill>
+                <a:schemeClr val="tx1"/>
+              </a:solidFill>
+              <a:latin typeface="メイリオ"/>
+              <a:ea typeface="メイリオ"/>
+              <a:cs typeface="メイリオ"/>
+            </a:endParaRPr>
+          </a:p>
+          <a:p>
+            <a:pPr marL="285750" indent="-285750">
+              <a:buFont typeface="Wingdings" charset="2"/>
+              <a:buChar char="ü"/>
+            </a:pPr>
+            <a:endParaRPr lang="en-US" altLang="ja-JP" sz="1400" dirty="0">
+              <a:solidFill>
+                <a:schemeClr val="tx1"/>
+              </a:solidFill>
+              <a:latin typeface="メイリオ"/>
+              <a:ea typeface="メイリオ"/>
+              <a:cs typeface="メイリオ"/>
+            </a:endParaRPr>
+          </a:p>
+          <a:p>
+            <a:pPr marL="285750" indent="-285750">
+              <a:buFont typeface="Wingdings" charset="2"/>
+              <a:buChar char="ü"/>
+            </a:pPr>
+            <a:r>
+              <a:rPr lang="ja-JP" altLang="en-US" sz="1400" dirty="0" smtClean="0">
+                <a:solidFill>
+                  <a:schemeClr val="tx1"/>
+                </a:solidFill>
+                <a:latin typeface="メイリオ"/>
+                <a:ea typeface="メイリオ"/>
+                <a:cs typeface="メイリオ"/>
+              </a:rPr>
+              <a:t>親画面：複数名子供がいる場合は、一覧表示される。</a:t>
+            </a:r>
+            <a:endParaRPr lang="en-US" altLang="ja-JP" dirty="0">
+              <a:solidFill>
+                <a:schemeClr val="tx1"/>
+              </a:solidFill>
+              <a:latin typeface="メイリオ"/>
+              <a:ea typeface="メイリオ"/>
+              <a:cs typeface="メイリオ"/>
+            </a:endParaRPr>
+          </a:p>
+          <a:p>
+            <a:pPr marL="285750" indent="-285750">
+              <a:buFont typeface="Wingdings" charset="2"/>
+              <a:buChar char="ü"/>
+            </a:pPr>
+            <a:endParaRPr lang="en-US" altLang="ja-JP" dirty="0" smtClean="0">
+              <a:solidFill>
+                <a:schemeClr val="tx1"/>
+              </a:solidFill>
+              <a:latin typeface="メイリオ"/>
+              <a:ea typeface="メイリオ"/>
+              <a:cs typeface="メイリオ"/>
+            </a:endParaRPr>
+          </a:p>
+        </p:txBody>
+      </p:sp>
+      <p:pic>
+        <p:nvPicPr>
+          <p:cNvPr id="3" name="Picture 2"/>
+          <p:cNvPicPr>
+            <a:picLocks noChangeAspect="1"/>
+          </p:cNvPicPr>
+          <p:nvPr/>
+        </p:nvPicPr>
+        <p:blipFill rotWithShape="1">
+          <a:blip r:embed="rId2"/>
+          <a:srcRect t="4282"/>
+          <a:stretch/>
+        </p:blipFill>
+        <p:spPr>
+          <a:xfrm>
+            <a:off x="4322121" y="500279"/>
+            <a:ext cx="4617560" cy="3816543"/>
+          </a:xfrm>
+          <a:prstGeom prst="rect">
+            <a:avLst/>
+          </a:prstGeom>
+        </p:spPr>
+      </p:pic>
+      <p:sp>
+        <p:nvSpPr>
+          <p:cNvPr id="10" name="Rectangle 9"/>
+          <p:cNvSpPr/>
+          <p:nvPr/>
+        </p:nvSpPr>
+        <p:spPr>
+          <a:xfrm>
+            <a:off x="5796335" y="1420956"/>
+            <a:ext cx="2640412" cy="574880"/>
+          </a:xfrm>
+          <a:prstGeom prst="rect">
+            <a:avLst/>
+          </a:prstGeom>
+          <a:noFill/>
+          <a:ln>
+            <a:solidFill>
+              <a:srgbClr val="FF0000"/>
+            </a:solidFill>
+            <a:prstDash val="sysDash"/>
+          </a:ln>
+          <a:effectLst/>
+        </p:spPr>
+        <p:style>
+          <a:lnRef idx="1">
+            <a:schemeClr val="accent1"/>
+          </a:lnRef>
+          <a:fillRef idx="3">
+            <a:schemeClr val="accent1"/>
+          </a:fillRef>
+          <a:effectRef idx="2">
+            <a:schemeClr val="accent1"/>
+          </a:effectRef>
+          <a:fontRef idx="minor">
+            <a:schemeClr val="lt1"/>
+          </a:fontRef>
+        </p:style>
+        <p:txBody>
+          <a:bodyPr rtlCol="0" anchor="ctr"/>
+          <a:lstStyle/>
+          <a:p>
+            <a:pPr algn="ctr"/>
+            <a:endParaRPr lang="en-US" dirty="0"/>
+          </a:p>
+        </p:txBody>
+      </p:sp>
+    </p:spTree>
+    <p:extLst>
+      <p:ext uri="{BB962C8B-B14F-4D97-AF65-F5344CB8AC3E}">
+        <p14:creationId xmlns:p14="http://schemas.microsoft.com/office/powerpoint/2010/main" val="2991087700"/>
+      </p:ext>
+    </p:extLst>
+  </p:cSld>
+  <p:clrMapOvr>
+    <a:masterClrMapping/>
+  </p:clrMapOvr>
+  <p:timing>
+    <p:tnLst>
+      <p:par>
+        <p:cTn xmlns:p14="http://schemas.microsoft.com/office/powerpoint/2010/main" id="1" dur="indefinite" restart="never" nodeType="tmRoot"/>
+      </p:par>
+    </p:tnLst>
+  </p:timing>
+</p:sld>
+</file>
+
+<file path=ppt/slides/slide15.xml><?xml version="1.0" encoding="utf-8"?>
+<p:sld xmlns:a="http://schemas.openxmlformats.org/drawingml/2006/main" xmlns:r="http://schemas.openxmlformats.org/officeDocument/2006/relationships" xmlns:p="http://schemas.openxmlformats.org/presentationml/2006/main">
+  <p:cSld>
+    <p:spTree>
+      <p:nvGrpSpPr>
+        <p:cNvPr id="1" name=""/>
+        <p:cNvGrpSpPr/>
+        <p:nvPr/>
+      </p:nvGrpSpPr>
+      <p:grpSpPr>
+        <a:xfrm>
+          <a:off x="0" y="0"/>
+          <a:ext cx="0" cy="0"/>
+          <a:chOff x="0" y="0"/>
+          <a:chExt cx="0" cy="0"/>
+        </a:xfrm>
+      </p:grpSpPr>
+      <p:sp>
+        <p:nvSpPr>
+          <p:cNvPr id="4" name="Rounded Rectangle 3"/>
+          <p:cNvSpPr/>
+          <p:nvPr/>
+        </p:nvSpPr>
+        <p:spPr>
+          <a:xfrm>
+            <a:off x="679947" y="500280"/>
+            <a:ext cx="3309929" cy="5900734"/>
+          </a:xfrm>
+          <a:prstGeom prst="roundRect">
+            <a:avLst/>
+          </a:prstGeom>
+          <a:noFill/>
+          <a:ln w="28575" cmpd="sng">
+            <a:solidFill>
+              <a:schemeClr val="tx1"/>
+            </a:solidFill>
+          </a:ln>
+        </p:spPr>
+        <p:style>
+          <a:lnRef idx="1">
+            <a:schemeClr val="accent1"/>
+          </a:lnRef>
+          <a:fillRef idx="3">
+            <a:schemeClr val="accent1"/>
+          </a:fillRef>
+          <a:effectRef idx="2">
+            <a:schemeClr val="accent1"/>
+          </a:effectRef>
+          <a:fontRef idx="minor">
+            <a:schemeClr val="lt1"/>
+          </a:fontRef>
+        </p:style>
+        <p:txBody>
+          <a:bodyPr rtlCol="0" anchor="ctr"/>
+          <a:lstStyle/>
+          <a:p>
+            <a:pPr algn="ctr"/>
+            <a:endParaRPr lang="en-US" dirty="0"/>
+          </a:p>
+        </p:txBody>
+      </p:sp>
+      <p:sp>
+        <p:nvSpPr>
+          <p:cNvPr id="5" name="Oval 4"/>
+          <p:cNvSpPr/>
+          <p:nvPr/>
+        </p:nvSpPr>
+        <p:spPr>
+          <a:xfrm>
+            <a:off x="2016757" y="5705556"/>
+            <a:ext cx="560785" cy="580944"/>
+          </a:xfrm>
+          <a:prstGeom prst="ellipse">
+            <a:avLst/>
+          </a:prstGeom>
+          <a:solidFill>
+            <a:srgbClr val="FFFFFF"/>
+          </a:solidFill>
+          <a:ln>
+            <a:solidFill>
+              <a:schemeClr val="tx1"/>
+            </a:solidFill>
+          </a:ln>
+          <a:effectLst/>
+        </p:spPr>
+        <p:style>
+          <a:lnRef idx="1">
+            <a:schemeClr val="accent1"/>
+          </a:lnRef>
+          <a:fillRef idx="3">
+            <a:schemeClr val="accent1"/>
+          </a:fillRef>
+          <a:effectRef idx="2">
+            <a:schemeClr val="accent1"/>
+          </a:effectRef>
+          <a:fontRef idx="minor">
+            <a:schemeClr val="lt1"/>
+          </a:fontRef>
+        </p:style>
+        <p:txBody>
+          <a:bodyPr rtlCol="0" anchor="ctr"/>
+          <a:lstStyle/>
+          <a:p>
+            <a:pPr algn="ctr"/>
+            <a:endParaRPr lang="en-US" dirty="0"/>
+          </a:p>
+        </p:txBody>
+      </p:sp>
+      <p:sp>
+        <p:nvSpPr>
+          <p:cNvPr id="6" name="Rectangle 5"/>
+          <p:cNvSpPr/>
+          <p:nvPr/>
+        </p:nvSpPr>
+        <p:spPr>
+          <a:xfrm>
+            <a:off x="782580" y="1093133"/>
+            <a:ext cx="3079004" cy="4399895"/>
+          </a:xfrm>
+          <a:prstGeom prst="rect">
+            <a:avLst/>
+          </a:prstGeom>
+          <a:solidFill>
+            <a:srgbClr val="FFFFFF"/>
+          </a:solidFill>
+          <a:ln>
+            <a:solidFill>
+              <a:srgbClr val="000000"/>
+            </a:solidFill>
+          </a:ln>
+        </p:spPr>
+        <p:style>
+          <a:lnRef idx="1">
+            <a:schemeClr val="accent1"/>
+          </a:lnRef>
+          <a:fillRef idx="3">
+            <a:schemeClr val="accent1"/>
+          </a:fillRef>
+          <a:effectRef idx="2">
+            <a:schemeClr val="accent1"/>
+          </a:effectRef>
+          <a:fontRef idx="minor">
+            <a:schemeClr val="lt1"/>
+          </a:fontRef>
+        </p:style>
+        <p:txBody>
+          <a:bodyPr rtlCol="0" anchor="ctr"/>
+          <a:lstStyle/>
+          <a:p>
+            <a:pPr algn="ctr"/>
+            <a:endParaRPr lang="en-US" dirty="0"/>
+          </a:p>
+        </p:txBody>
+      </p:sp>
+      <p:sp>
+        <p:nvSpPr>
+          <p:cNvPr id="7" name="Rectangle 6"/>
+          <p:cNvSpPr/>
+          <p:nvPr/>
+        </p:nvSpPr>
+        <p:spPr>
+          <a:xfrm>
+            <a:off x="4322121" y="4606501"/>
+            <a:ext cx="4051758" cy="1999399"/>
+          </a:xfrm>
+          <a:prstGeom prst="rect">
+            <a:avLst/>
+          </a:prstGeom>
+          <a:solidFill>
+            <a:srgbClr val="FFFFFF"/>
+          </a:solidFill>
+          <a:ln w="9525" cmpd="sng">
+            <a:solidFill>
+              <a:srgbClr val="000000"/>
+            </a:solidFill>
+          </a:ln>
+        </p:spPr>
+        <p:style>
+          <a:lnRef idx="1">
+            <a:schemeClr val="accent1"/>
+          </a:lnRef>
+          <a:fillRef idx="3">
+            <a:schemeClr val="accent1"/>
+          </a:fillRef>
+          <a:effectRef idx="2">
+            <a:schemeClr val="accent1"/>
+          </a:effectRef>
+          <a:fontRef idx="minor">
+            <a:schemeClr val="lt1"/>
+          </a:fontRef>
+        </p:style>
+        <p:txBody>
+          <a:bodyPr rtlCol="0" anchor="ctr"/>
+          <a:lstStyle/>
+          <a:p>
+            <a:endParaRPr lang="en-US" altLang="ja-JP" sz="1400" dirty="0">
+              <a:solidFill>
+                <a:schemeClr val="tx1"/>
+              </a:solidFill>
+            </a:endParaRPr>
+          </a:p>
+          <a:p>
+            <a:pPr marL="285750" indent="-285750">
+              <a:buFont typeface="Wingdings" charset="2"/>
+              <a:buChar char="ü"/>
+            </a:pPr>
+            <a:r>
+              <a:rPr lang="ja-JP" altLang="en-US" sz="1400" dirty="0" smtClean="0">
+                <a:solidFill>
+                  <a:schemeClr val="tx1"/>
+                </a:solidFill>
+                <a:latin typeface="メイリオ"/>
+                <a:ea typeface="メイリオ"/>
+                <a:cs typeface="メイリオ"/>
+              </a:rPr>
+              <a:t>ユーザーのログイン時の情報により、子供もしくは親の画面が表示される</a:t>
+            </a:r>
+            <a:endParaRPr lang="en-US" altLang="ja-JP" sz="1400" dirty="0" smtClean="0">
+              <a:solidFill>
+                <a:schemeClr val="tx1"/>
+              </a:solidFill>
+              <a:latin typeface="メイリオ"/>
+              <a:ea typeface="メイリオ"/>
+              <a:cs typeface="メイリオ"/>
+            </a:endParaRPr>
+          </a:p>
+          <a:p>
+            <a:pPr marL="285750" indent="-285750">
+              <a:buFont typeface="Wingdings" charset="2"/>
+              <a:buChar char="ü"/>
+            </a:pPr>
+            <a:endParaRPr lang="en-US" altLang="ja-JP" sz="1400" dirty="0">
+              <a:solidFill>
+                <a:schemeClr val="tx1"/>
+              </a:solidFill>
+              <a:latin typeface="メイリオ"/>
+              <a:ea typeface="メイリオ"/>
+              <a:cs typeface="メイリオ"/>
+            </a:endParaRPr>
+          </a:p>
+          <a:p>
+            <a:pPr marL="285750" indent="-285750">
+              <a:buFont typeface="Wingdings" charset="2"/>
+              <a:buChar char="ü"/>
+            </a:pPr>
+            <a:r>
+              <a:rPr lang="ja-JP" altLang="en-US" sz="1400" dirty="0" smtClean="0">
+                <a:solidFill>
+                  <a:schemeClr val="tx1"/>
+                </a:solidFill>
+                <a:latin typeface="メイリオ"/>
+                <a:ea typeface="メイリオ"/>
+                <a:cs typeface="メイリオ"/>
+              </a:rPr>
+              <a:t>親画面：複数名子供がいる場合は、一覧表示される。</a:t>
+            </a:r>
+            <a:endParaRPr lang="en-US" altLang="ja-JP" dirty="0">
+              <a:solidFill>
+                <a:schemeClr val="tx1"/>
+              </a:solidFill>
+              <a:latin typeface="メイリオ"/>
+              <a:ea typeface="メイリオ"/>
+              <a:cs typeface="メイリオ"/>
+            </a:endParaRPr>
+          </a:p>
+          <a:p>
+            <a:pPr marL="285750" indent="-285750">
+              <a:buFont typeface="Wingdings" charset="2"/>
+              <a:buChar char="ü"/>
+            </a:pPr>
+            <a:endParaRPr lang="en-US" altLang="ja-JP" dirty="0" smtClean="0">
+              <a:solidFill>
+                <a:schemeClr val="tx1"/>
+              </a:solidFill>
+              <a:latin typeface="メイリオ"/>
+              <a:ea typeface="メイリオ"/>
+              <a:cs typeface="メイリオ"/>
+            </a:endParaRPr>
+          </a:p>
+        </p:txBody>
+      </p:sp>
+      <p:pic>
+        <p:nvPicPr>
+          <p:cNvPr id="3" name="Picture 2"/>
+          <p:cNvPicPr>
+            <a:picLocks noChangeAspect="1"/>
+          </p:cNvPicPr>
+          <p:nvPr/>
+        </p:nvPicPr>
+        <p:blipFill rotWithShape="1">
+          <a:blip r:embed="rId2"/>
+          <a:srcRect t="3709"/>
+          <a:stretch/>
+        </p:blipFill>
+        <p:spPr>
+          <a:xfrm>
+            <a:off x="4322121" y="500280"/>
+            <a:ext cx="4738560" cy="3940035"/>
+          </a:xfrm>
+          <a:prstGeom prst="rect">
+            <a:avLst/>
+          </a:prstGeom>
+        </p:spPr>
+      </p:pic>
+      <p:sp>
+        <p:nvSpPr>
+          <p:cNvPr id="8" name="Rectangle 7"/>
+          <p:cNvSpPr/>
+          <p:nvPr/>
+        </p:nvSpPr>
+        <p:spPr>
+          <a:xfrm>
+            <a:off x="6890220" y="2929936"/>
+            <a:ext cx="1320206" cy="314371"/>
+          </a:xfrm>
+          <a:prstGeom prst="rect">
+            <a:avLst/>
+          </a:prstGeom>
+          <a:noFill/>
+          <a:ln>
+            <a:solidFill>
+              <a:srgbClr val="FF0000"/>
+            </a:solidFill>
+            <a:prstDash val="sysDash"/>
+          </a:ln>
+          <a:effectLst/>
+        </p:spPr>
+        <p:style>
+          <a:lnRef idx="1">
+            <a:schemeClr val="accent1"/>
+          </a:lnRef>
+          <a:fillRef idx="3">
+            <a:schemeClr val="accent1"/>
+          </a:fillRef>
+          <a:effectRef idx="2">
+            <a:schemeClr val="accent1"/>
+          </a:effectRef>
+          <a:fontRef idx="minor">
+            <a:schemeClr val="lt1"/>
+          </a:fontRef>
+        </p:style>
+        <p:txBody>
+          <a:bodyPr rtlCol="0" anchor="ctr"/>
+          <a:lstStyle/>
+          <a:p>
+            <a:pPr algn="ctr"/>
+            <a:endParaRPr lang="en-US" dirty="0"/>
+          </a:p>
+        </p:txBody>
+      </p:sp>
+    </p:spTree>
+    <p:extLst>
+      <p:ext uri="{BB962C8B-B14F-4D97-AF65-F5344CB8AC3E}">
+        <p14:creationId xmlns:p14="http://schemas.microsoft.com/office/powerpoint/2010/main" val="1241896913"/>
+      </p:ext>
+    </p:extLst>
+  </p:cSld>
+  <p:clrMapOvr>
+    <a:masterClrMapping/>
+  </p:clrMapOvr>
+  <p:timing>
+    <p:tnLst>
+      <p:par>
+        <p:cTn xmlns:p14="http://schemas.microsoft.com/office/powerpoint/2010/main" id="1" dur="indefinite" restart="never" nodeType="tmRoot"/>
+      </p:par>
+    </p:tnLst>
+  </p:timing>
+</p:sld>
+</file>
+
+<file path=ppt/slides/slide16.xml><?xml version="1.0" encoding="utf-8"?>
+<p:sld xmlns:a="http://schemas.openxmlformats.org/drawingml/2006/main" xmlns:r="http://schemas.openxmlformats.org/officeDocument/2006/relationships" xmlns:p="http://schemas.openxmlformats.org/presentationml/2006/main">
+  <p:cSld>
+    <p:spTree>
+      <p:nvGrpSpPr>
+        <p:cNvPr id="1" name=""/>
+        <p:cNvGrpSpPr/>
+        <p:nvPr/>
+      </p:nvGrpSpPr>
+      <p:grpSpPr>
+        <a:xfrm>
+          <a:off x="0" y="0"/>
+          <a:ext cx="0" cy="0"/>
+          <a:chOff x="0" y="0"/>
+          <a:chExt cx="0" cy="0"/>
+        </a:xfrm>
+      </p:grpSpPr>
+      <p:sp>
+        <p:nvSpPr>
+          <p:cNvPr id="4" name="Rounded Rectangle 3"/>
+          <p:cNvSpPr/>
+          <p:nvPr/>
+        </p:nvSpPr>
+        <p:spPr>
+          <a:xfrm>
+            <a:off x="679947" y="500280"/>
+            <a:ext cx="3309929" cy="5900734"/>
+          </a:xfrm>
+          <a:prstGeom prst="roundRect">
+            <a:avLst/>
+          </a:prstGeom>
+          <a:noFill/>
+          <a:ln w="28575" cmpd="sng">
+            <a:solidFill>
+              <a:schemeClr val="tx1"/>
+            </a:solidFill>
+          </a:ln>
+        </p:spPr>
+        <p:style>
+          <a:lnRef idx="1">
+            <a:schemeClr val="accent1"/>
+          </a:lnRef>
+          <a:fillRef idx="3">
+            <a:schemeClr val="accent1"/>
+          </a:fillRef>
+          <a:effectRef idx="2">
+            <a:schemeClr val="accent1"/>
+          </a:effectRef>
+          <a:fontRef idx="minor">
+            <a:schemeClr val="lt1"/>
+          </a:fontRef>
+        </p:style>
+        <p:txBody>
+          <a:bodyPr rtlCol="0" anchor="ctr"/>
+          <a:lstStyle/>
+          <a:p>
+            <a:pPr algn="ctr"/>
+            <a:endParaRPr lang="en-US"/>
+          </a:p>
+        </p:txBody>
+      </p:sp>
+      <p:sp>
+        <p:nvSpPr>
+          <p:cNvPr id="5" name="Oval 4"/>
+          <p:cNvSpPr/>
+          <p:nvPr/>
+        </p:nvSpPr>
+        <p:spPr>
+          <a:xfrm>
+            <a:off x="2016757" y="5705556"/>
+            <a:ext cx="560785" cy="580944"/>
+          </a:xfrm>
+          <a:prstGeom prst="ellipse">
+            <a:avLst/>
+          </a:prstGeom>
+          <a:solidFill>
+            <a:srgbClr val="FFFFFF"/>
+          </a:solidFill>
+          <a:ln>
+            <a:solidFill>
+              <a:schemeClr val="tx1"/>
+            </a:solidFill>
+          </a:ln>
+          <a:effectLst/>
+        </p:spPr>
+        <p:style>
+          <a:lnRef idx="1">
+            <a:schemeClr val="accent1"/>
+          </a:lnRef>
+          <a:fillRef idx="3">
+            <a:schemeClr val="accent1"/>
+          </a:fillRef>
+          <a:effectRef idx="2">
+            <a:schemeClr val="accent1"/>
+          </a:effectRef>
+          <a:fontRef idx="minor">
+            <a:schemeClr val="lt1"/>
+          </a:fontRef>
+        </p:style>
+        <p:txBody>
+          <a:bodyPr rtlCol="0" anchor="ctr"/>
+          <a:lstStyle/>
+          <a:p>
+            <a:pPr algn="ctr"/>
+            <a:endParaRPr lang="en-US" dirty="0"/>
+          </a:p>
+        </p:txBody>
+      </p:sp>
+      <p:sp>
+        <p:nvSpPr>
+          <p:cNvPr id="6" name="Rectangle 5"/>
+          <p:cNvSpPr/>
+          <p:nvPr/>
+        </p:nvSpPr>
+        <p:spPr>
+          <a:xfrm>
+            <a:off x="782580" y="1093133"/>
+            <a:ext cx="3079004" cy="4399895"/>
+          </a:xfrm>
+          <a:prstGeom prst="rect">
+            <a:avLst/>
+          </a:prstGeom>
+          <a:solidFill>
+            <a:srgbClr val="FFFFFF"/>
+          </a:solidFill>
+          <a:ln>
+            <a:solidFill>
+              <a:srgbClr val="000000"/>
+            </a:solidFill>
+          </a:ln>
+        </p:spPr>
+        <p:style>
+          <a:lnRef idx="1">
+            <a:schemeClr val="accent1"/>
+          </a:lnRef>
+          <a:fillRef idx="3">
+            <a:schemeClr val="accent1"/>
+          </a:fillRef>
+          <a:effectRef idx="2">
+            <a:schemeClr val="accent1"/>
+          </a:effectRef>
+          <a:fontRef idx="minor">
+            <a:schemeClr val="lt1"/>
+          </a:fontRef>
+        </p:style>
+        <p:txBody>
+          <a:bodyPr rtlCol="0" anchor="ctr"/>
+          <a:lstStyle/>
+          <a:p>
+            <a:pPr algn="ctr"/>
+            <a:endParaRPr lang="en-US" dirty="0"/>
+          </a:p>
+        </p:txBody>
+      </p:sp>
+      <p:sp>
+        <p:nvSpPr>
+          <p:cNvPr id="7" name="Rectangle 6"/>
+          <p:cNvSpPr/>
+          <p:nvPr/>
+        </p:nvSpPr>
+        <p:spPr>
+          <a:xfrm>
+            <a:off x="4322121" y="4606501"/>
+            <a:ext cx="4051758" cy="1999399"/>
+          </a:xfrm>
+          <a:prstGeom prst="rect">
+            <a:avLst/>
+          </a:prstGeom>
+          <a:solidFill>
+            <a:srgbClr val="FFFFFF"/>
+          </a:solidFill>
+          <a:ln w="9525" cmpd="sng">
+            <a:solidFill>
+              <a:srgbClr val="000000"/>
+            </a:solidFill>
+          </a:ln>
+        </p:spPr>
+        <p:style>
+          <a:lnRef idx="1">
+            <a:schemeClr val="accent1"/>
+          </a:lnRef>
+          <a:fillRef idx="3">
+            <a:schemeClr val="accent1"/>
+          </a:fillRef>
+          <a:effectRef idx="2">
+            <a:schemeClr val="accent1"/>
+          </a:effectRef>
+          <a:fontRef idx="minor">
+            <a:schemeClr val="lt1"/>
+          </a:fontRef>
+        </p:style>
+        <p:txBody>
+          <a:bodyPr rtlCol="0" anchor="ctr"/>
+          <a:lstStyle/>
+          <a:p>
+            <a:endParaRPr lang="en-US" altLang="ja-JP" sz="1400" dirty="0">
+              <a:solidFill>
+                <a:schemeClr val="tx1"/>
+              </a:solidFill>
+            </a:endParaRPr>
+          </a:p>
+          <a:p>
+            <a:pPr marL="285750" indent="-285750">
+              <a:buFont typeface="Wingdings" charset="2"/>
+              <a:buChar char="ü"/>
+            </a:pPr>
+            <a:r>
+              <a:rPr lang="ja-JP" altLang="en-US" sz="1400" dirty="0" smtClean="0">
+                <a:solidFill>
+                  <a:schemeClr val="tx1"/>
+                </a:solidFill>
+                <a:latin typeface="メイリオ"/>
+                <a:ea typeface="メイリオ"/>
+                <a:cs typeface="メイリオ"/>
+              </a:rPr>
+              <a:t>ユーザーのログイン時の情報により、子供もしくは親の画面が表示される</a:t>
+            </a:r>
+            <a:endParaRPr lang="en-US" altLang="ja-JP" sz="1400" dirty="0" smtClean="0">
+              <a:solidFill>
+                <a:schemeClr val="tx1"/>
+              </a:solidFill>
+              <a:latin typeface="メイリオ"/>
+              <a:ea typeface="メイリオ"/>
+              <a:cs typeface="メイリオ"/>
+            </a:endParaRPr>
+          </a:p>
+          <a:p>
+            <a:pPr marL="285750" indent="-285750">
+              <a:buFont typeface="Wingdings" charset="2"/>
+              <a:buChar char="ü"/>
+            </a:pPr>
+            <a:endParaRPr lang="en-US" altLang="ja-JP" sz="1400" dirty="0">
+              <a:solidFill>
+                <a:schemeClr val="tx1"/>
+              </a:solidFill>
+              <a:latin typeface="メイリオ"/>
+              <a:ea typeface="メイリオ"/>
+              <a:cs typeface="メイリオ"/>
+            </a:endParaRPr>
+          </a:p>
+          <a:p>
+            <a:pPr marL="285750" indent="-285750">
+              <a:buFont typeface="Wingdings" charset="2"/>
+              <a:buChar char="ü"/>
+            </a:pPr>
+            <a:r>
+              <a:rPr lang="ja-JP" altLang="en-US" sz="1400" dirty="0" smtClean="0">
+                <a:solidFill>
+                  <a:schemeClr val="tx1"/>
+                </a:solidFill>
+                <a:latin typeface="メイリオ"/>
+                <a:ea typeface="メイリオ"/>
+                <a:cs typeface="メイリオ"/>
+              </a:rPr>
+              <a:t>親画面：複数名子供がいる場合は、一覧表示される。</a:t>
+            </a:r>
+            <a:endParaRPr lang="en-US" altLang="ja-JP" dirty="0">
+              <a:solidFill>
+                <a:schemeClr val="tx1"/>
+              </a:solidFill>
+              <a:latin typeface="メイリオ"/>
+              <a:ea typeface="メイリオ"/>
+              <a:cs typeface="メイリオ"/>
+            </a:endParaRPr>
+          </a:p>
+          <a:p>
+            <a:pPr marL="285750" indent="-285750">
+              <a:buFont typeface="Wingdings" charset="2"/>
+              <a:buChar char="ü"/>
+            </a:pPr>
+            <a:endParaRPr lang="en-US" altLang="ja-JP" dirty="0" smtClean="0">
+              <a:solidFill>
+                <a:schemeClr val="tx1"/>
+              </a:solidFill>
+              <a:latin typeface="メイリオ"/>
+              <a:ea typeface="メイリオ"/>
+              <a:cs typeface="メイリオ"/>
+            </a:endParaRPr>
+          </a:p>
+        </p:txBody>
+      </p:sp>
+      <p:pic>
+        <p:nvPicPr>
+          <p:cNvPr id="2" name="Picture 1"/>
+          <p:cNvPicPr>
+            <a:picLocks noChangeAspect="1"/>
+          </p:cNvPicPr>
+          <p:nvPr/>
+        </p:nvPicPr>
+        <p:blipFill>
+          <a:blip r:embed="rId2"/>
+          <a:stretch>
+            <a:fillRect/>
+          </a:stretch>
+        </p:blipFill>
+        <p:spPr>
+          <a:xfrm>
+            <a:off x="4322121" y="500280"/>
+            <a:ext cx="4340947" cy="3748432"/>
+          </a:xfrm>
+          <a:prstGeom prst="rect">
+            <a:avLst/>
+          </a:prstGeom>
+        </p:spPr>
+      </p:pic>
+      <p:sp>
+        <p:nvSpPr>
+          <p:cNvPr id="8" name="Rectangle 7"/>
+          <p:cNvSpPr/>
+          <p:nvPr/>
+        </p:nvSpPr>
+        <p:spPr>
+          <a:xfrm>
+            <a:off x="7217129" y="3244307"/>
+            <a:ext cx="880136" cy="314371"/>
+          </a:xfrm>
+          <a:prstGeom prst="rect">
+            <a:avLst/>
+          </a:prstGeom>
+          <a:noFill/>
+          <a:ln>
+            <a:solidFill>
+              <a:srgbClr val="FF0000"/>
+            </a:solidFill>
+            <a:prstDash val="sysDash"/>
+          </a:ln>
+          <a:effectLst/>
+        </p:spPr>
+        <p:style>
+          <a:lnRef idx="1">
+            <a:schemeClr val="accent1"/>
+          </a:lnRef>
+          <a:fillRef idx="3">
+            <a:schemeClr val="accent1"/>
+          </a:fillRef>
+          <a:effectRef idx="2">
+            <a:schemeClr val="accent1"/>
+          </a:effectRef>
+          <a:fontRef idx="minor">
+            <a:schemeClr val="lt1"/>
+          </a:fontRef>
+        </p:style>
+        <p:txBody>
+          <a:bodyPr rtlCol="0" anchor="ctr"/>
+          <a:lstStyle/>
+          <a:p>
+            <a:pPr algn="ctr"/>
+            <a:endParaRPr lang="en-US" dirty="0"/>
+          </a:p>
+        </p:txBody>
+      </p:sp>
+    </p:spTree>
+    <p:extLst>
+      <p:ext uri="{BB962C8B-B14F-4D97-AF65-F5344CB8AC3E}">
+        <p14:creationId xmlns:p14="http://schemas.microsoft.com/office/powerpoint/2010/main" val="1241896913"/>
+      </p:ext>
+    </p:extLst>
+  </p:cSld>
+  <p:clrMapOvr>
+    <a:masterClrMapping/>
+  </p:clrMapOvr>
+  <p:timing>
+    <p:tnLst>
+      <p:par>
+        <p:cTn xmlns:p14="http://schemas.microsoft.com/office/powerpoint/2010/main" id="1" dur="indefinite" restart="never" nodeType="tmRoot"/>
+      </p:par>
+    </p:tnLst>
+  </p:timing>
+</p:sld>
+</file>
+
+<file path=ppt/slides/slide17.xml><?xml version="1.0" encoding="utf-8"?>
+<p:sld xmlns:a="http://schemas.openxmlformats.org/drawingml/2006/main" xmlns:r="http://schemas.openxmlformats.org/officeDocument/2006/relationships" xmlns:p="http://schemas.openxmlformats.org/presentationml/2006/main">
+  <p:cSld>
+    <p:spTree>
+      <p:nvGrpSpPr>
+        <p:cNvPr id="1" name=""/>
+        <p:cNvGrpSpPr/>
+        <p:nvPr/>
+      </p:nvGrpSpPr>
+      <p:grpSpPr>
+        <a:xfrm>
+          <a:off x="0" y="0"/>
+          <a:ext cx="0" cy="0"/>
+          <a:chOff x="0" y="0"/>
+          <a:chExt cx="0" cy="0"/>
+        </a:xfrm>
+      </p:grpSpPr>
+      <p:sp>
+        <p:nvSpPr>
+          <p:cNvPr id="4" name="Rounded Rectangle 3"/>
+          <p:cNvSpPr/>
+          <p:nvPr/>
+        </p:nvSpPr>
+        <p:spPr>
+          <a:xfrm>
+            <a:off x="679947" y="500280"/>
+            <a:ext cx="3309929" cy="5900734"/>
+          </a:xfrm>
+          <a:prstGeom prst="roundRect">
+            <a:avLst/>
+          </a:prstGeom>
+          <a:noFill/>
+          <a:ln w="28575" cmpd="sng">
+            <a:solidFill>
+              <a:schemeClr val="tx1"/>
+            </a:solidFill>
+          </a:ln>
+        </p:spPr>
+        <p:style>
+          <a:lnRef idx="1">
+            <a:schemeClr val="accent1"/>
+          </a:lnRef>
+          <a:fillRef idx="3">
+            <a:schemeClr val="accent1"/>
+          </a:fillRef>
+          <a:effectRef idx="2">
+            <a:schemeClr val="accent1"/>
+          </a:effectRef>
+          <a:fontRef idx="minor">
+            <a:schemeClr val="lt1"/>
+          </a:fontRef>
+        </p:style>
+        <p:txBody>
+          <a:bodyPr rtlCol="0" anchor="ctr"/>
+          <a:lstStyle/>
+          <a:p>
+            <a:pPr algn="ctr"/>
+            <a:endParaRPr lang="en-US"/>
+          </a:p>
+        </p:txBody>
+      </p:sp>
+      <p:sp>
+        <p:nvSpPr>
+          <p:cNvPr id="5" name="Oval 4"/>
+          <p:cNvSpPr/>
+          <p:nvPr/>
+        </p:nvSpPr>
+        <p:spPr>
+          <a:xfrm>
+            <a:off x="2016757" y="5705556"/>
+            <a:ext cx="560785" cy="580944"/>
+          </a:xfrm>
+          <a:prstGeom prst="ellipse">
+            <a:avLst/>
+          </a:prstGeom>
+          <a:solidFill>
+            <a:srgbClr val="FFFFFF"/>
+          </a:solidFill>
+          <a:ln>
+            <a:solidFill>
+              <a:schemeClr val="tx1"/>
+            </a:solidFill>
+          </a:ln>
+          <a:effectLst/>
+        </p:spPr>
+        <p:style>
+          <a:lnRef idx="1">
+            <a:schemeClr val="accent1"/>
+          </a:lnRef>
+          <a:fillRef idx="3">
+            <a:schemeClr val="accent1"/>
+          </a:fillRef>
+          <a:effectRef idx="2">
+            <a:schemeClr val="accent1"/>
+          </a:effectRef>
+          <a:fontRef idx="minor">
+            <a:schemeClr val="lt1"/>
+          </a:fontRef>
+        </p:style>
+        <p:txBody>
+          <a:bodyPr rtlCol="0" anchor="ctr"/>
+          <a:lstStyle/>
+          <a:p>
+            <a:pPr algn="ctr"/>
+            <a:endParaRPr lang="en-US" dirty="0"/>
+          </a:p>
+        </p:txBody>
+      </p:sp>
+      <p:sp>
+        <p:nvSpPr>
+          <p:cNvPr id="6" name="Rectangle 5"/>
+          <p:cNvSpPr/>
+          <p:nvPr/>
+        </p:nvSpPr>
+        <p:spPr>
+          <a:xfrm>
+            <a:off x="782580" y="1093133"/>
+            <a:ext cx="3079004" cy="4399895"/>
+          </a:xfrm>
+          <a:prstGeom prst="rect">
+            <a:avLst/>
+          </a:prstGeom>
+          <a:solidFill>
+            <a:srgbClr val="FFFFFF"/>
+          </a:solidFill>
+          <a:ln>
+            <a:solidFill>
+              <a:srgbClr val="000000"/>
+            </a:solidFill>
+          </a:ln>
+        </p:spPr>
+        <p:style>
+          <a:lnRef idx="1">
+            <a:schemeClr val="accent1"/>
+          </a:lnRef>
+          <a:fillRef idx="3">
+            <a:schemeClr val="accent1"/>
+          </a:fillRef>
+          <a:effectRef idx="2">
+            <a:schemeClr val="accent1"/>
+          </a:effectRef>
+          <a:fontRef idx="minor">
+            <a:schemeClr val="lt1"/>
+          </a:fontRef>
+        </p:style>
+        <p:txBody>
+          <a:bodyPr rtlCol="0" anchor="ctr"/>
+          <a:lstStyle/>
+          <a:p>
+            <a:pPr algn="ctr"/>
+            <a:endParaRPr lang="en-US" dirty="0"/>
+          </a:p>
+        </p:txBody>
+      </p:sp>
+      <p:sp>
+        <p:nvSpPr>
+          <p:cNvPr id="7" name="Rectangle 6"/>
+          <p:cNvSpPr/>
+          <p:nvPr/>
+        </p:nvSpPr>
+        <p:spPr>
+          <a:xfrm>
+            <a:off x="4322121" y="4606501"/>
+            <a:ext cx="4051758" cy="1999399"/>
+          </a:xfrm>
+          <a:prstGeom prst="rect">
+            <a:avLst/>
+          </a:prstGeom>
+          <a:solidFill>
+            <a:srgbClr val="FFFFFF"/>
+          </a:solidFill>
+          <a:ln w="9525" cmpd="sng">
+            <a:solidFill>
+              <a:srgbClr val="000000"/>
+            </a:solidFill>
+          </a:ln>
+        </p:spPr>
+        <p:style>
+          <a:lnRef idx="1">
+            <a:schemeClr val="accent1"/>
+          </a:lnRef>
+          <a:fillRef idx="3">
+            <a:schemeClr val="accent1"/>
+          </a:fillRef>
+          <a:effectRef idx="2">
+            <a:schemeClr val="accent1"/>
+          </a:effectRef>
+          <a:fontRef idx="minor">
+            <a:schemeClr val="lt1"/>
+          </a:fontRef>
+        </p:style>
+        <p:txBody>
+          <a:bodyPr rtlCol="0" anchor="ctr"/>
+          <a:lstStyle/>
+          <a:p>
+            <a:endParaRPr lang="en-US" altLang="ja-JP" sz="1400" dirty="0">
+              <a:solidFill>
+                <a:schemeClr val="tx1"/>
+              </a:solidFill>
+            </a:endParaRPr>
+          </a:p>
+          <a:p>
+            <a:pPr marL="285750" indent="-285750">
+              <a:buFont typeface="Wingdings" charset="2"/>
+              <a:buChar char="ü"/>
+            </a:pPr>
+            <a:r>
+              <a:rPr lang="ja-JP" altLang="en-US" sz="1400" dirty="0" smtClean="0">
+                <a:solidFill>
+                  <a:schemeClr val="tx1"/>
+                </a:solidFill>
+                <a:latin typeface="メイリオ"/>
+                <a:ea typeface="メイリオ"/>
+                <a:cs typeface="メイリオ"/>
+              </a:rPr>
+              <a:t>ユーザーのログイン時の情報により、子供もしくは親の画面が表示される</a:t>
+            </a:r>
+            <a:endParaRPr lang="en-US" altLang="ja-JP" sz="1400" dirty="0" smtClean="0">
+              <a:solidFill>
+                <a:schemeClr val="tx1"/>
+              </a:solidFill>
+              <a:latin typeface="メイリオ"/>
+              <a:ea typeface="メイリオ"/>
+              <a:cs typeface="メイリオ"/>
+            </a:endParaRPr>
+          </a:p>
+          <a:p>
+            <a:pPr marL="285750" indent="-285750">
+              <a:buFont typeface="Wingdings" charset="2"/>
+              <a:buChar char="ü"/>
+            </a:pPr>
+            <a:endParaRPr lang="en-US" altLang="ja-JP" sz="1400" dirty="0">
+              <a:solidFill>
+                <a:schemeClr val="tx1"/>
+              </a:solidFill>
+              <a:latin typeface="メイリオ"/>
+              <a:ea typeface="メイリオ"/>
+              <a:cs typeface="メイリオ"/>
+            </a:endParaRPr>
+          </a:p>
+          <a:p>
+            <a:pPr marL="285750" indent="-285750">
+              <a:buFont typeface="Wingdings" charset="2"/>
+              <a:buChar char="ü"/>
+            </a:pPr>
+            <a:r>
+              <a:rPr lang="ja-JP" altLang="en-US" sz="1400" dirty="0" smtClean="0">
+                <a:solidFill>
+                  <a:schemeClr val="tx1"/>
+                </a:solidFill>
+                <a:latin typeface="メイリオ"/>
+                <a:ea typeface="メイリオ"/>
+                <a:cs typeface="メイリオ"/>
+              </a:rPr>
+              <a:t>親画面：複数名子供がいる場合は、一覧表示される。</a:t>
+            </a:r>
+            <a:endParaRPr lang="en-US" altLang="ja-JP" dirty="0">
+              <a:solidFill>
+                <a:schemeClr val="tx1"/>
+              </a:solidFill>
+              <a:latin typeface="メイリオ"/>
+              <a:ea typeface="メイリオ"/>
+              <a:cs typeface="メイリオ"/>
+            </a:endParaRPr>
+          </a:p>
+          <a:p>
+            <a:pPr marL="285750" indent="-285750">
+              <a:buFont typeface="Wingdings" charset="2"/>
+              <a:buChar char="ü"/>
+            </a:pPr>
+            <a:endParaRPr lang="en-US" altLang="ja-JP" dirty="0" smtClean="0">
+              <a:solidFill>
+                <a:schemeClr val="tx1"/>
+              </a:solidFill>
+              <a:latin typeface="メイリオ"/>
+              <a:ea typeface="メイリオ"/>
+              <a:cs typeface="メイリオ"/>
+            </a:endParaRPr>
+          </a:p>
+        </p:txBody>
+      </p:sp>
+      <p:pic>
+        <p:nvPicPr>
+          <p:cNvPr id="2" name="Picture 1"/>
+          <p:cNvPicPr>
+            <a:picLocks noChangeAspect="1"/>
+          </p:cNvPicPr>
+          <p:nvPr/>
+        </p:nvPicPr>
+        <p:blipFill>
+          <a:blip r:embed="rId2"/>
+          <a:stretch>
+            <a:fillRect/>
+          </a:stretch>
+        </p:blipFill>
+        <p:spPr>
+          <a:xfrm>
+            <a:off x="4322121" y="311658"/>
+            <a:ext cx="4677359" cy="4038927"/>
+          </a:xfrm>
+          <a:prstGeom prst="rect">
+            <a:avLst/>
+          </a:prstGeom>
+        </p:spPr>
+      </p:pic>
+      <p:sp>
+        <p:nvSpPr>
+          <p:cNvPr id="8" name="Rectangle 7"/>
+          <p:cNvSpPr/>
+          <p:nvPr/>
+        </p:nvSpPr>
+        <p:spPr>
+          <a:xfrm>
+            <a:off x="7657197" y="3558678"/>
+            <a:ext cx="1106458" cy="314371"/>
+          </a:xfrm>
+          <a:prstGeom prst="rect">
+            <a:avLst/>
+          </a:prstGeom>
+          <a:noFill/>
+          <a:ln>
+            <a:solidFill>
+              <a:srgbClr val="FF0000"/>
+            </a:solidFill>
+            <a:prstDash val="sysDash"/>
+          </a:ln>
+          <a:effectLst/>
+        </p:spPr>
+        <p:style>
+          <a:lnRef idx="1">
+            <a:schemeClr val="accent1"/>
+          </a:lnRef>
+          <a:fillRef idx="3">
+            <a:schemeClr val="accent1"/>
+          </a:fillRef>
+          <a:effectRef idx="2">
+            <a:schemeClr val="accent1"/>
+          </a:effectRef>
+          <a:fontRef idx="minor">
+            <a:schemeClr val="lt1"/>
+          </a:fontRef>
+        </p:style>
+        <p:txBody>
+          <a:bodyPr rtlCol="0" anchor="ctr"/>
+          <a:lstStyle/>
+          <a:p>
+            <a:pPr algn="ctr"/>
+            <a:endParaRPr lang="en-US" dirty="0"/>
+          </a:p>
+        </p:txBody>
+      </p:sp>
+    </p:spTree>
+    <p:extLst>
+      <p:ext uri="{BB962C8B-B14F-4D97-AF65-F5344CB8AC3E}">
+        <p14:creationId xmlns:p14="http://schemas.microsoft.com/office/powerpoint/2010/main" val="1241896913"/>
+      </p:ext>
+    </p:extLst>
+  </p:cSld>
+  <p:clrMapOvr>
+    <a:masterClrMapping/>
+  </p:clrMapOvr>
+  <p:timing>
+    <p:tnLst>
+      <p:par>
+        <p:cTn xmlns:p14="http://schemas.microsoft.com/office/powerpoint/2010/main" id="1" dur="indefinite" restart="never" nodeType="tmRoot"/>
+      </p:par>
+    </p:tnLst>
+  </p:timing>
+</p:sld>
+</file>
+
+<file path=ppt/slides/slide18.xml><?xml version="1.0" encoding="utf-8"?>
 <p:sld xmlns:a="http://schemas.openxmlformats.org/drawingml/2006/main" xmlns:r="http://schemas.openxmlformats.org/officeDocument/2006/relationships" xmlns:p="http://schemas.openxmlformats.org/presentationml/2006/main">
   <p:cSld>
     <p:spTree>
@@ -5307,18 +7157,7 @@
                 <a:ea typeface="メイリオ"/>
                 <a:cs typeface="メイリオ"/>
               </a:rPr>
-              <a:t>夫婦ともに</a:t>
-            </a:r>
-            <a:r>
-              <a:rPr lang="ja-JP" altLang="en-US" dirty="0" smtClean="0">
-                <a:solidFill>
-                  <a:srgbClr val="000000"/>
-                </a:solidFill>
-                <a:latin typeface="メイリオ"/>
-                <a:ea typeface="メイリオ"/>
-                <a:cs typeface="メイリオ"/>
-              </a:rPr>
-              <a:t>　　　　　　　　　　　　　　　　</a:t>
+              <a:t>夫婦ともに　　　　　　　　　　　　　　　　</a:t>
             </a:r>
             <a:endParaRPr lang="en-US" altLang="ja-JP" dirty="0" smtClean="0">
               <a:solidFill>
@@ -5462,15 +7301,7 @@
                   <a:schemeClr val="tx1"/>
                 </a:solidFill>
               </a:rPr>
-              <a:t>1</a:t>
-            </a:r>
-            <a:r>
-              <a:rPr lang="en-US" altLang="ja-JP" dirty="0" smtClean="0">
-                <a:solidFill>
-                  <a:schemeClr val="tx1"/>
-                </a:solidFill>
-              </a:rPr>
-              <a:t>2</a:t>
+              <a:t>12</a:t>
             </a:r>
             <a:r>
               <a:rPr lang="ja-JP" altLang="en-US" dirty="0" smtClean="0">
@@ -5629,31 +7460,15 @@
                   <a:schemeClr val="tx1"/>
                 </a:solidFill>
               </a:rPr>
-              <a:t>1</a:t>
-            </a:r>
-            <a:r>
-              <a:rPr lang="en-US" altLang="ja-JP" dirty="0" smtClean="0">
+              <a:t>13</a:t>
+            </a:r>
+            <a:r>
+              <a:rPr lang="ja-JP" altLang="en-US" dirty="0" smtClean="0">
                 <a:solidFill>
                   <a:schemeClr val="tx1"/>
                 </a:solidFill>
               </a:rPr>
-              <a:t>3</a:t>
-            </a:r>
-            <a:r>
-              <a:rPr lang="ja-JP" altLang="en-US" dirty="0" smtClean="0">
-                <a:solidFill>
-                  <a:schemeClr val="tx1"/>
-                </a:solidFill>
-              </a:rPr>
-              <a:t>歳</a:t>
-            </a:r>
-            <a:r>
-              <a:rPr lang="ja-JP" altLang="en-US" dirty="0" smtClean="0">
-                <a:solidFill>
-                  <a:schemeClr val="tx1"/>
-                </a:solidFill>
-              </a:rPr>
-              <a:t>以上</a:t>
+              <a:t>歳以上</a:t>
             </a:r>
             <a:endParaRPr lang="en-US" altLang="ja-JP" dirty="0" smtClean="0">
               <a:solidFill>
@@ -5881,14 +7696,14 @@
           <a:lstStyle/>
           <a:p>
             <a:r>
-              <a:rPr lang="ja-JP" altLang="en-US" sz="3600" b="1" dirty="0" smtClean="0">
+              <a:rPr lang="ja-JP" altLang="en-US" sz="3600" b="1" u="sng" dirty="0" smtClean="0">
                 <a:latin typeface="メイリオ"/>
                 <a:ea typeface="メイリオ"/>
                 <a:cs typeface="メイリオ"/>
               </a:rPr>
               <a:t>使い方イメージ</a:t>
             </a:r>
-            <a:endParaRPr lang="en-US" sz="3600" b="1" dirty="0">
+            <a:endParaRPr lang="en-US" sz="3600" b="1" u="sng" dirty="0">
               <a:latin typeface="メイリオ"/>
               <a:ea typeface="メイリオ"/>
               <a:cs typeface="メイリオ"/>
@@ -6990,7 +8805,7 @@
       </p:grpSpPr>
       <p:pic>
         <p:nvPicPr>
-          <p:cNvPr id="3" name="Picture 2"/>
+          <p:cNvPr id="2" name="Picture 1"/>
           <p:cNvPicPr>
             <a:picLocks noChangeAspect="1"/>
           </p:cNvPicPr>
@@ -7004,17 +8819,22 @@
         </p:blipFill>
         <p:spPr>
           <a:xfrm>
-            <a:off x="0" y="5223070"/>
-            <a:ext cx="1401368" cy="1634930"/>
+            <a:off x="1234586" y="125748"/>
+            <a:ext cx="7331635" cy="6531054"/>
           </a:xfrm>
           <a:prstGeom prst="rect">
             <a:avLst/>
           </a:prstGeom>
+          <a:ln w="38100" cmpd="sng">
+            <a:solidFill>
+              <a:srgbClr val="404040"/>
+            </a:solidFill>
+          </a:ln>
         </p:spPr>
       </p:pic>
       <p:pic>
         <p:nvPicPr>
-          <p:cNvPr id="2" name="Picture 1"/>
+          <p:cNvPr id="3" name="Picture 2"/>
           <p:cNvPicPr>
             <a:picLocks noChangeAspect="1"/>
           </p:cNvPicPr>
@@ -7028,8 +8848,8 @@
         </p:blipFill>
         <p:spPr>
           <a:xfrm>
-            <a:off x="1234586" y="125748"/>
-            <a:ext cx="7331635" cy="6531054"/>
+            <a:off x="0" y="5223070"/>
+            <a:ext cx="1401368" cy="1634930"/>
           </a:xfrm>
           <a:prstGeom prst="rect">
             <a:avLst/>
@@ -7239,14 +9059,6 @@
               </a:rPr>
               <a:t>Hello, </a:t>
             </a:r>
-            <a:endParaRPr lang="en-US" altLang="ja-JP" dirty="0" smtClean="0">
-              <a:solidFill>
-                <a:schemeClr val="tx1"/>
-              </a:solidFill>
-              <a:latin typeface="メイリオ"/>
-              <a:ea typeface="メイリオ"/>
-              <a:cs typeface="メイリオ"/>
-            </a:endParaRPr>
           </a:p>
           <a:p>
             <a:r>
@@ -7269,18 +9081,7 @@
                 <a:ea typeface="メイリオ"/>
                 <a:cs typeface="メイリオ"/>
               </a:rPr>
-              <a:t>-</a:t>
-            </a:r>
-            <a:r>
-              <a:rPr lang="en-US" altLang="ja-JP" dirty="0" smtClean="0">
-                <a:solidFill>
-                  <a:schemeClr val="tx1"/>
-                </a:solidFill>
-                <a:latin typeface="メイリオ"/>
-                <a:ea typeface="メイリオ"/>
-                <a:cs typeface="メイリオ"/>
-              </a:rPr>
-              <a:t>---</a:t>
+              <a:t>----</a:t>
             </a:r>
             <a:r>
               <a:rPr lang="ja-JP" altLang="en-US" dirty="0" smtClean="0">

--- a/02_Requirement/Hackathon20161211.pptx
+++ b/02_Requirement/Hackathon20161211.pptx
@@ -7,22 +7,20 @@
   <p:sldIdLst>
     <p:sldId id="262" r:id="rId2"/>
     <p:sldId id="257" r:id="rId3"/>
-    <p:sldId id="273" r:id="rId4"/>
-    <p:sldId id="271" r:id="rId5"/>
-    <p:sldId id="258" r:id="rId6"/>
-    <p:sldId id="272" r:id="rId7"/>
-    <p:sldId id="260" r:id="rId8"/>
-    <p:sldId id="264" r:id="rId9"/>
+    <p:sldId id="271" r:id="rId4"/>
+    <p:sldId id="258" r:id="rId5"/>
+    <p:sldId id="272" r:id="rId6"/>
+    <p:sldId id="260" r:id="rId7"/>
+    <p:sldId id="264" r:id="rId8"/>
+    <p:sldId id="273" r:id="rId9"/>
     <p:sldId id="256" r:id="rId10"/>
     <p:sldId id="269" r:id="rId11"/>
     <p:sldId id="270" r:id="rId12"/>
     <p:sldId id="265" r:id="rId13"/>
     <p:sldId id="274" r:id="rId14"/>
-    <p:sldId id="275" r:id="rId15"/>
-    <p:sldId id="276" r:id="rId16"/>
-    <p:sldId id="277" r:id="rId17"/>
-    <p:sldId id="278" r:id="rId18"/>
-    <p:sldId id="263" r:id="rId19"/>
+    <p:sldId id="285" r:id="rId15"/>
+    <p:sldId id="284" r:id="rId16"/>
+    <p:sldId id="263" r:id="rId17"/>
   </p:sldIdLst>
   <p:sldSz cx="9144000" cy="6858000" type="screen4x3"/>
   <p:notesSz cx="6858000" cy="9144000"/>
@@ -3144,7 +3142,7 @@
         </p:nvSpPr>
         <p:spPr>
           <a:xfrm>
-            <a:off x="187702" y="1203362"/>
+            <a:off x="326009" y="1203362"/>
             <a:ext cx="7109639" cy="369332"/>
           </a:xfrm>
           <a:prstGeom prst="rect">
@@ -3221,7 +3219,7 @@
         <p:spPr>
           <a:xfrm>
             <a:off x="0" y="5900643"/>
-            <a:ext cx="4337283" cy="923330"/>
+            <a:ext cx="5460900" cy="923330"/>
           </a:xfrm>
           <a:prstGeom prst="rect">
             <a:avLst/>
@@ -3240,7 +3238,7 @@
                 <a:ea typeface="メイリオ"/>
                 <a:cs typeface="メイリオ"/>
               </a:rPr>
-              <a:t>SANTA</a:t>
+              <a:t>YOU GIFT</a:t>
             </a:r>
             <a:r>
               <a:rPr lang="ja-JP" altLang="en-US" sz="5400" b="1" dirty="0" smtClean="0">
@@ -4521,7 +4519,7 @@
           <a:p>
             <a:pPr algn="ctr"/>
             <a:r>
-              <a:rPr lang="en-US" altLang="ja-JP" dirty="0" smtClean="0">
+              <a:rPr lang="ja-JP" altLang="en-US" dirty="0" smtClean="0">
                 <a:solidFill>
                   <a:schemeClr val="tx1"/>
                 </a:solidFill>
@@ -4529,7 +4527,7 @@
                 <a:ea typeface="メイリオ"/>
                 <a:cs typeface="メイリオ"/>
               </a:rPr>
-              <a:t>SANTA</a:t>
+              <a:t>サンタ</a:t>
             </a:r>
             <a:r>
               <a:rPr lang="ja-JP" altLang="en-US" dirty="0" smtClean="0">
@@ -4540,7 +4538,18 @@
                 <a:ea typeface="メイリオ"/>
                 <a:cs typeface="メイリオ"/>
               </a:rPr>
-              <a:t>さん、</a:t>
+              <a:t>さん</a:t>
+            </a:r>
+            <a:r>
+              <a:rPr lang="ja-JP" altLang="en-US" dirty="0" smtClean="0">
+                <a:solidFill>
+                  <a:schemeClr val="tx1"/>
+                </a:solidFill>
+                <a:latin typeface="メイリオ"/>
+                <a:ea typeface="メイリオ"/>
+                <a:cs typeface="メイリオ"/>
+              </a:rPr>
+              <a:t>、</a:t>
             </a:r>
             <a:endParaRPr lang="en-US" altLang="ja-JP" dirty="0" smtClean="0">
               <a:solidFill>
@@ -4653,7 +4662,7 @@
                 <a:ea typeface="メイリオ"/>
                 <a:cs typeface="メイリオ"/>
               </a:rPr>
-              <a:t>SANTA</a:t>
+              <a:t>YOU GIFT</a:t>
             </a:r>
             <a:r>
               <a:rPr lang="ja-JP" altLang="en-US" dirty="0" smtClean="0">
@@ -4664,7 +4673,29 @@
                 <a:ea typeface="メイリオ"/>
                 <a:cs typeface="メイリオ"/>
               </a:rPr>
-              <a:t>さんの</a:t>
+              <a:t> </a:t>
+            </a:r>
+            <a:r>
+              <a:rPr lang="en-US" altLang="ja-JP" dirty="0" smtClean="0">
+                <a:solidFill>
+                  <a:schemeClr val="tx1"/>
+                </a:solidFill>
+                <a:latin typeface="メイリオ"/>
+                <a:ea typeface="メイリオ"/>
+                <a:cs typeface="メイリオ"/>
+              </a:rPr>
+              <a:t>APP</a:t>
+            </a:r>
+            <a:r>
+              <a:rPr lang="ja-JP" altLang="en-US" dirty="0" smtClean="0">
+                <a:solidFill>
+                  <a:schemeClr val="tx1"/>
+                </a:solidFill>
+                <a:latin typeface="メイリオ"/>
+                <a:ea typeface="メイリオ"/>
+                <a:cs typeface="メイリオ"/>
+              </a:rPr>
+              <a:t>の</a:t>
             </a:r>
             <a:endParaRPr lang="en-US" altLang="ja-JP" dirty="0" smtClean="0">
               <a:solidFill>
@@ -4686,7 +4717,18 @@
                 <a:ea typeface="メイリオ"/>
                 <a:cs typeface="メイリオ"/>
               </a:rPr>
-              <a:t>おかげで欲しいものが聞けてよかったね。</a:t>
+              <a:t>おかげ</a:t>
+            </a:r>
+            <a:r>
+              <a:rPr lang="ja-JP" altLang="en-US" dirty="0" smtClean="0">
+                <a:solidFill>
+                  <a:schemeClr val="tx1"/>
+                </a:solidFill>
+                <a:latin typeface="メイリオ"/>
+                <a:ea typeface="メイリオ"/>
+                <a:cs typeface="メイリオ"/>
+              </a:rPr>
+              <a:t>で欲しいものが聞けてよかったね。</a:t>
             </a:r>
             <a:endParaRPr lang="en-US" altLang="ja-JP" dirty="0" smtClean="0">
               <a:solidFill>
@@ -4738,22 +4780,22 @@
       </p:grpSpPr>
       <p:sp>
         <p:nvSpPr>
-          <p:cNvPr id="5" name="Rounded Rectangle 4"/>
+          <p:cNvPr id="9" name="Rectangle 8"/>
           <p:cNvSpPr/>
           <p:nvPr/>
         </p:nvSpPr>
         <p:spPr>
           <a:xfrm>
-            <a:off x="679947" y="500280"/>
-            <a:ext cx="3309929" cy="5900734"/>
-          </a:xfrm>
-          <a:prstGeom prst="roundRect">
+            <a:off x="32988" y="181445"/>
+            <a:ext cx="3496235" cy="3152588"/>
+          </a:xfrm>
+          <a:prstGeom prst="rect">
             <a:avLst/>
           </a:prstGeom>
           <a:noFill/>
-          <a:ln w="28575" cmpd="sng">
+          <a:ln w="19050" cmpd="sng">
             <a:solidFill>
-              <a:schemeClr val="tx1"/>
+              <a:srgbClr val="FF0000"/>
             </a:solidFill>
           </a:ln>
         </p:spPr>
@@ -4776,31 +4818,61 @@
           <a:lstStyle/>
           <a:p>
             <a:pPr algn="ctr"/>
-            <a:endParaRPr lang="en-US"/>
-          </a:p>
-        </p:txBody>
-      </p:sp>
-      <p:sp>
-        <p:nvSpPr>
-          <p:cNvPr id="10" name="Oval 9"/>
+            <a:endParaRPr lang="en-US" dirty="0"/>
+          </a:p>
+        </p:txBody>
+      </p:sp>
+      <p:pic>
+        <p:nvPicPr>
+          <p:cNvPr id="8" name="Picture 7"/>
+          <p:cNvPicPr>
+            <a:picLocks noChangeAspect="1"/>
+          </p:cNvPicPr>
+          <p:nvPr/>
+        </p:nvPicPr>
+        <p:blipFill rotWithShape="1">
+          <a:blip r:embed="rId2"/>
+          <a:srcRect l="2216" r="2239"/>
+          <a:stretch/>
+        </p:blipFill>
+        <p:spPr>
+          <a:xfrm>
+            <a:off x="3609028" y="148507"/>
+            <a:ext cx="5445324" cy="4412350"/>
+          </a:xfrm>
+          <a:prstGeom prst="rect">
+            <a:avLst/>
+          </a:prstGeom>
+          <a:ln w="38100" cmpd="sng">
+            <a:solidFill>
+              <a:schemeClr val="tx1">
+                <a:lumMod val="75000"/>
+                <a:lumOff val="25000"/>
+              </a:schemeClr>
+            </a:solidFill>
+          </a:ln>
+        </p:spPr>
+      </p:pic>
+      <p:sp>
+        <p:nvSpPr>
+          <p:cNvPr id="19" name="Rectangle 18"/>
           <p:cNvSpPr/>
           <p:nvPr/>
         </p:nvSpPr>
         <p:spPr>
           <a:xfrm>
-            <a:off x="2016757" y="5705556"/>
-            <a:ext cx="560785" cy="580944"/>
-          </a:xfrm>
-          <a:prstGeom prst="ellipse">
+            <a:off x="5079651" y="2024549"/>
+            <a:ext cx="2036890" cy="1631644"/>
+          </a:xfrm>
+          <a:prstGeom prst="rect">
             <a:avLst/>
           </a:prstGeom>
-          <a:solidFill>
-            <a:srgbClr val="FFFFFF"/>
-          </a:solidFill>
+          <a:noFill/>
           <a:ln>
             <a:solidFill>
-              <a:schemeClr val="tx1"/>
+              <a:srgbClr val="FF0000"/>
             </a:solidFill>
+            <a:prstDash val="sysDash"/>
           </a:ln>
           <a:effectLst/>
         </p:spPr>
@@ -4827,16 +4899,328 @@
           </a:p>
         </p:txBody>
       </p:sp>
-      <p:sp>
-        <p:nvSpPr>
-          <p:cNvPr id="16" name="Rectangle 15"/>
+      <p:pic>
+        <p:nvPicPr>
+          <p:cNvPr id="2" name="Picture 1" descr="Signup2.jpg"/>
+          <p:cNvPicPr>
+            <a:picLocks noChangeAspect="1"/>
+          </p:cNvPicPr>
+          <p:nvPr/>
+        </p:nvPicPr>
+        <p:blipFill>
+          <a:blip r:embed="rId3">
+            <a:extLst>
+              <a:ext uri="{28A0092B-C50C-407E-A947-70E740481C1C}">
+                <a14:useLocalDpi xmlns:a14="http://schemas.microsoft.com/office/drawing/2010/main" val="0"/>
+              </a:ext>
+            </a:extLst>
+          </a:blip>
+          <a:stretch>
+            <a:fillRect/>
+          </a:stretch>
+        </p:blipFill>
+        <p:spPr>
+          <a:xfrm>
+            <a:off x="1809387" y="329952"/>
+            <a:ext cx="1571625" cy="2794000"/>
+          </a:xfrm>
+          <a:prstGeom prst="rect">
+            <a:avLst/>
+          </a:prstGeom>
+          <a:ln>
+            <a:solidFill>
+              <a:schemeClr val="tx1">
+                <a:lumMod val="75000"/>
+                <a:lumOff val="25000"/>
+              </a:schemeClr>
+            </a:solidFill>
+          </a:ln>
+        </p:spPr>
+      </p:pic>
+      <p:pic>
+        <p:nvPicPr>
+          <p:cNvPr id="3" name="Picture 2" descr="Login.jpg"/>
+          <p:cNvPicPr>
+            <a:picLocks noChangeAspect="1"/>
+          </p:cNvPicPr>
+          <p:nvPr/>
+        </p:nvPicPr>
+        <p:blipFill>
+          <a:blip r:embed="rId4">
+            <a:extLst>
+              <a:ext uri="{28A0092B-C50C-407E-A947-70E740481C1C}">
+                <a14:useLocalDpi xmlns:a14="http://schemas.microsoft.com/office/drawing/2010/main" val="0"/>
+              </a:ext>
+            </a:extLst>
+          </a:blip>
+          <a:stretch>
+            <a:fillRect/>
+          </a:stretch>
+        </p:blipFill>
+        <p:spPr>
+          <a:xfrm>
+            <a:off x="163057" y="329952"/>
+            <a:ext cx="1571625" cy="2794000"/>
+          </a:xfrm>
+          <a:prstGeom prst="rect">
+            <a:avLst/>
+          </a:prstGeom>
+          <a:ln>
+            <a:solidFill>
+              <a:schemeClr val="tx1">
+                <a:lumMod val="75000"/>
+                <a:lumOff val="25000"/>
+              </a:schemeClr>
+            </a:solidFill>
+          </a:ln>
+        </p:spPr>
+      </p:pic>
+      <p:pic>
+        <p:nvPicPr>
+          <p:cNvPr id="6" name="Picture 5" descr="MessageList.jpg"/>
+          <p:cNvPicPr>
+            <a:picLocks noChangeAspect="1"/>
+          </p:cNvPicPr>
+          <p:nvPr/>
+        </p:nvPicPr>
+        <p:blipFill>
+          <a:blip r:embed="rId5">
+            <a:extLst>
+              <a:ext uri="{28A0092B-C50C-407E-A947-70E740481C1C}">
+                <a14:useLocalDpi xmlns:a14="http://schemas.microsoft.com/office/drawing/2010/main" val="0"/>
+              </a:ext>
+            </a:extLst>
+          </a:blip>
+          <a:stretch>
+            <a:fillRect/>
+          </a:stretch>
+        </p:blipFill>
+        <p:spPr>
+          <a:xfrm>
+            <a:off x="130069" y="3668768"/>
+            <a:ext cx="1610310" cy="2862773"/>
+          </a:xfrm>
+          <a:prstGeom prst="rect">
+            <a:avLst/>
+          </a:prstGeom>
+          <a:ln>
+            <a:solidFill>
+              <a:schemeClr val="tx1">
+                <a:lumMod val="75000"/>
+                <a:lumOff val="25000"/>
+              </a:schemeClr>
+            </a:solidFill>
+          </a:ln>
+        </p:spPr>
+      </p:pic>
+      <p:pic>
+        <p:nvPicPr>
+          <p:cNvPr id="7" name="Picture 6" descr="Message.jpg"/>
+          <p:cNvPicPr>
+            <a:picLocks noChangeAspect="1"/>
+          </p:cNvPicPr>
+          <p:nvPr/>
+        </p:nvPicPr>
+        <p:blipFill>
+          <a:blip r:embed="rId6">
+            <a:extLst>
+              <a:ext uri="{28A0092B-C50C-407E-A947-70E740481C1C}">
+                <a14:useLocalDpi xmlns:a14="http://schemas.microsoft.com/office/drawing/2010/main" val="0"/>
+              </a:ext>
+            </a:extLst>
+          </a:blip>
+          <a:stretch>
+            <a:fillRect/>
+          </a:stretch>
+        </p:blipFill>
+        <p:spPr>
+          <a:xfrm>
+            <a:off x="1847842" y="3656193"/>
+            <a:ext cx="1610310" cy="2862773"/>
+          </a:xfrm>
+          <a:prstGeom prst="rect">
+            <a:avLst/>
+          </a:prstGeom>
+          <a:ln>
+            <a:solidFill>
+              <a:schemeClr val="tx1">
+                <a:lumMod val="75000"/>
+                <a:lumOff val="25000"/>
+              </a:schemeClr>
+            </a:solidFill>
+          </a:ln>
+        </p:spPr>
+      </p:pic>
+      <p:cxnSp>
+        <p:nvCxnSpPr>
+          <p:cNvPr id="12" name="Straight Connector 11"/>
+          <p:cNvCxnSpPr/>
+          <p:nvPr/>
+        </p:nvCxnSpPr>
+        <p:spPr>
+          <a:xfrm flipV="1">
+            <a:off x="3529223" y="448146"/>
+            <a:ext cx="401693" cy="399765"/>
+          </a:xfrm>
+          <a:prstGeom prst="line">
+            <a:avLst/>
+          </a:prstGeom>
+          <a:ln w="12700" cmpd="sng">
+            <a:solidFill>
+              <a:srgbClr val="FF0000"/>
+            </a:solidFill>
+          </a:ln>
+        </p:spPr>
+        <p:style>
+          <a:lnRef idx="2">
+            <a:schemeClr val="accent1"/>
+          </a:lnRef>
+          <a:fillRef idx="0">
+            <a:schemeClr val="accent1"/>
+          </a:fillRef>
+          <a:effectRef idx="1">
+            <a:schemeClr val="accent1"/>
+          </a:effectRef>
+          <a:fontRef idx="minor">
+            <a:schemeClr val="tx1"/>
+          </a:fontRef>
+        </p:style>
+      </p:cxnSp>
+      <p:sp>
+        <p:nvSpPr>
+          <p:cNvPr id="17" name="Rectangle 16"/>
           <p:cNvSpPr/>
           <p:nvPr/>
         </p:nvSpPr>
         <p:spPr>
           <a:xfrm>
-            <a:off x="782580" y="1093133"/>
-            <a:ext cx="3079004" cy="4399895"/>
+            <a:off x="42006" y="3560180"/>
+            <a:ext cx="3496235" cy="3152588"/>
+          </a:xfrm>
+          <a:prstGeom prst="rect">
+            <a:avLst/>
+          </a:prstGeom>
+          <a:noFill/>
+          <a:ln w="19050" cmpd="sng">
+            <a:solidFill>
+              <a:srgbClr val="FF0000"/>
+            </a:solidFill>
+          </a:ln>
+        </p:spPr>
+        <p:style>
+          <a:lnRef idx="1">
+            <a:schemeClr val="accent1"/>
+          </a:lnRef>
+          <a:fillRef idx="3">
+            <a:schemeClr val="accent1"/>
+          </a:fillRef>
+          <a:effectRef idx="2">
+            <a:schemeClr val="accent1"/>
+          </a:effectRef>
+          <a:fontRef idx="minor">
+            <a:schemeClr val="lt1"/>
+          </a:fontRef>
+        </p:style>
+        <p:txBody>
+          <a:bodyPr rtlCol="0" anchor="ctr"/>
+          <a:lstStyle/>
+          <a:p>
+            <a:pPr algn="ctr"/>
+            <a:endParaRPr lang="en-US" dirty="0"/>
+          </a:p>
+        </p:txBody>
+      </p:sp>
+      <p:cxnSp>
+        <p:nvCxnSpPr>
+          <p:cNvPr id="20" name="Straight Connector 19"/>
+          <p:cNvCxnSpPr/>
+          <p:nvPr/>
+        </p:nvCxnSpPr>
+        <p:spPr>
+          <a:xfrm flipV="1">
+            <a:off x="3535939" y="2024549"/>
+            <a:ext cx="1543712" cy="1535631"/>
+          </a:xfrm>
+          <a:prstGeom prst="line">
+            <a:avLst/>
+          </a:prstGeom>
+          <a:ln w="12700" cmpd="sng">
+            <a:solidFill>
+              <a:srgbClr val="FF0000"/>
+            </a:solidFill>
+          </a:ln>
+        </p:spPr>
+        <p:style>
+          <a:lnRef idx="2">
+            <a:schemeClr val="accent1"/>
+          </a:lnRef>
+          <a:fillRef idx="0">
+            <a:schemeClr val="accent1"/>
+          </a:fillRef>
+          <a:effectRef idx="1">
+            <a:schemeClr val="accent1"/>
+          </a:effectRef>
+          <a:fontRef idx="minor">
+            <a:schemeClr val="tx1"/>
+          </a:fontRef>
+        </p:style>
+      </p:cxnSp>
+      <p:sp>
+        <p:nvSpPr>
+          <p:cNvPr id="21" name="Rectangle 20"/>
+          <p:cNvSpPr/>
+          <p:nvPr/>
+        </p:nvSpPr>
+        <p:spPr>
+          <a:xfrm>
+            <a:off x="3930916" y="448146"/>
+            <a:ext cx="3886307" cy="677677"/>
+          </a:xfrm>
+          <a:prstGeom prst="rect">
+            <a:avLst/>
+          </a:prstGeom>
+          <a:noFill/>
+          <a:ln>
+            <a:solidFill>
+              <a:srgbClr val="FF0000"/>
+            </a:solidFill>
+            <a:prstDash val="sysDash"/>
+          </a:ln>
+          <a:effectLst/>
+        </p:spPr>
+        <p:style>
+          <a:lnRef idx="1">
+            <a:schemeClr val="accent1"/>
+          </a:lnRef>
+          <a:fillRef idx="3">
+            <a:schemeClr val="accent1"/>
+          </a:fillRef>
+          <a:effectRef idx="2">
+            <a:schemeClr val="accent1"/>
+          </a:effectRef>
+          <a:fontRef idx="minor">
+            <a:schemeClr val="lt1"/>
+          </a:fontRef>
+        </p:style>
+        <p:txBody>
+          <a:bodyPr rtlCol="0" anchor="ctr"/>
+          <a:lstStyle/>
+          <a:p>
+            <a:pPr algn="ctr"/>
+            <a:endParaRPr lang="en-US" dirty="0"/>
+          </a:p>
+        </p:txBody>
+      </p:sp>
+      <p:sp>
+        <p:nvSpPr>
+          <p:cNvPr id="22" name="Rectangle 21"/>
+          <p:cNvSpPr/>
+          <p:nvPr/>
+        </p:nvSpPr>
+        <p:spPr>
+          <a:xfrm>
+            <a:off x="3609028" y="5168362"/>
+            <a:ext cx="5496808" cy="1544406"/>
           </a:xfrm>
           <a:prstGeom prst="rect">
             <a:avLst/>
@@ -4868,101 +5252,24 @@
           <a:bodyPr rtlCol="0" anchor="ctr"/>
           <a:lstStyle/>
           <a:p>
-            <a:pPr algn="ctr"/>
-            <a:endParaRPr lang="en-US" dirty="0"/>
-          </a:p>
-        </p:txBody>
-      </p:sp>
-      <p:pic>
-        <p:nvPicPr>
-          <p:cNvPr id="3" name="Picture 2"/>
-          <p:cNvPicPr>
-            <a:picLocks noChangeAspect="1"/>
-          </p:cNvPicPr>
-          <p:nvPr/>
-        </p:nvPicPr>
-        <p:blipFill>
-          <a:blip r:embed="rId2"/>
-          <a:stretch>
-            <a:fillRect/>
-          </a:stretch>
-        </p:blipFill>
-        <p:spPr>
-          <a:xfrm>
-            <a:off x="4614435" y="474253"/>
-            <a:ext cx="3963800" cy="3389733"/>
-          </a:xfrm>
-          <a:prstGeom prst="rect">
-            <a:avLst/>
-          </a:prstGeom>
-        </p:spPr>
-      </p:pic>
-      <p:sp>
-        <p:nvSpPr>
-          <p:cNvPr id="18" name="Rectangle 17"/>
-          <p:cNvSpPr/>
-          <p:nvPr/>
-        </p:nvSpPr>
-        <p:spPr>
-          <a:xfrm>
-            <a:off x="4322121" y="4606501"/>
-            <a:ext cx="4051758" cy="1999399"/>
-          </a:xfrm>
-          <a:prstGeom prst="rect">
-            <a:avLst/>
-          </a:prstGeom>
-          <a:solidFill>
-            <a:srgbClr val="FFFFFF"/>
-          </a:solidFill>
-          <a:ln w="9525" cmpd="sng">
-            <a:solidFill>
-              <a:srgbClr val="000000"/>
-            </a:solidFill>
-          </a:ln>
-        </p:spPr>
-        <p:style>
-          <a:lnRef idx="1">
-            <a:schemeClr val="accent1"/>
-          </a:lnRef>
-          <a:fillRef idx="3">
-            <a:schemeClr val="accent1"/>
-          </a:fillRef>
-          <a:effectRef idx="2">
-            <a:schemeClr val="accent1"/>
-          </a:effectRef>
-          <a:fontRef idx="minor">
-            <a:schemeClr val="lt1"/>
-          </a:fontRef>
-        </p:style>
-        <p:txBody>
-          <a:bodyPr rtlCol="0" anchor="ctr"/>
-          <a:lstStyle/>
-          <a:p>
-            <a:endParaRPr lang="en-US" altLang="ja-JP" sz="1400" dirty="0">
-              <a:solidFill>
-                <a:schemeClr val="tx1"/>
-              </a:solidFill>
-            </a:endParaRPr>
-          </a:p>
-          <a:p>
             <a:pPr marL="285750" indent="-285750">
               <a:buFont typeface="Wingdings" charset="2"/>
               <a:buChar char="ü"/>
             </a:pPr>
             <a:r>
-              <a:rPr lang="ja-JP" altLang="en-US" sz="1400" dirty="0" smtClean="0">
-                <a:solidFill>
-                  <a:schemeClr val="tx1"/>
-                </a:solidFill>
-                <a:latin typeface="メイリオ"/>
-                <a:ea typeface="メイリオ"/>
-                <a:cs typeface="メイリオ"/>
-              </a:rPr>
-              <a:t>ユーザーのログイン時の情報により、子供もしくは親の画面が表示される</a:t>
-            </a:r>
-            <a:endParaRPr lang="en-US" altLang="ja-JP" sz="1400" dirty="0" smtClean="0">
+              <a:rPr lang="ja-JP" altLang="en-US" dirty="0" smtClean="0">
+                <a:solidFill>
+                  <a:srgbClr val="000000"/>
+                </a:solidFill>
+                <a:latin typeface="メイリオ"/>
+                <a:ea typeface="メイリオ"/>
+                <a:cs typeface="メイリオ"/>
+              </a:rPr>
+              <a:t>サンタとして、何が欲しいか聞くことができる。</a:t>
+            </a:r>
+            <a:endParaRPr lang="en-US" altLang="ja-JP" dirty="0" smtClean="0">
               <a:solidFill>
-                <a:schemeClr val="tx1"/>
+                <a:srgbClr val="000000"/>
               </a:solidFill>
               <a:latin typeface="メイリオ"/>
               <a:ea typeface="メイリオ"/>
@@ -4974,9 +5281,9 @@
               <a:buFont typeface="Wingdings" charset="2"/>
               <a:buChar char="ü"/>
             </a:pPr>
-            <a:endParaRPr lang="en-US" altLang="ja-JP" sz="1400" dirty="0">
+            <a:endParaRPr lang="en-US" altLang="ja-JP" dirty="0">
               <a:solidFill>
-                <a:schemeClr val="tx1"/>
+                <a:srgbClr val="000000"/>
               </a:solidFill>
               <a:latin typeface="メイリオ"/>
               <a:ea typeface="メイリオ"/>
@@ -4989,84 +5296,24 @@
               <a:buChar char="ü"/>
             </a:pPr>
             <a:r>
-              <a:rPr lang="ja-JP" altLang="en-US" sz="1400" dirty="0" smtClean="0">
-                <a:solidFill>
-                  <a:schemeClr val="tx1"/>
-                </a:solidFill>
-                <a:latin typeface="メイリオ"/>
-                <a:ea typeface="メイリオ"/>
-                <a:cs typeface="メイリオ"/>
-              </a:rPr>
-              <a:t>親画面：複数名子供がいる場合は、一覧表示される。</a:t>
+              <a:rPr lang="ja-JP" altLang="en-US" dirty="0" smtClean="0">
+                <a:solidFill>
+                  <a:srgbClr val="000000"/>
+                </a:solidFill>
+                <a:latin typeface="メイリオ"/>
+                <a:ea typeface="メイリオ"/>
+                <a:cs typeface="メイリオ"/>
+              </a:rPr>
+              <a:t>場合によっては、交渉も可</a:t>
             </a:r>
             <a:endParaRPr lang="en-US" altLang="ja-JP" dirty="0">
               <a:solidFill>
-                <a:schemeClr val="tx1"/>
+                <a:srgbClr val="000000"/>
               </a:solidFill>
               <a:latin typeface="メイリオ"/>
               <a:ea typeface="メイリオ"/>
               <a:cs typeface="メイリオ"/>
             </a:endParaRPr>
-          </a:p>
-          <a:p>
-            <a:pPr marL="285750" indent="-285750">
-              <a:buFont typeface="Wingdings" charset="2"/>
-              <a:buChar char="ü"/>
-            </a:pPr>
-            <a:endParaRPr lang="en-US" altLang="ja-JP" dirty="0" smtClean="0">
-              <a:solidFill>
-                <a:schemeClr val="tx1"/>
-              </a:solidFill>
-              <a:latin typeface="メイリオ"/>
-              <a:ea typeface="メイリオ"/>
-              <a:cs typeface="メイリオ"/>
-            </a:endParaRPr>
-          </a:p>
-        </p:txBody>
-      </p:sp>
-      <p:sp>
-        <p:nvSpPr>
-          <p:cNvPr id="19" name="Rectangle 18"/>
-          <p:cNvSpPr/>
-          <p:nvPr/>
-        </p:nvSpPr>
-        <p:spPr>
-          <a:xfrm>
-            <a:off x="5016784" y="591017"/>
-            <a:ext cx="3181068" cy="574880"/>
-          </a:xfrm>
-          <a:prstGeom prst="rect">
-            <a:avLst/>
-          </a:prstGeom>
-          <a:noFill/>
-          <a:ln>
-            <a:solidFill>
-              <a:srgbClr val="FF0000"/>
-            </a:solidFill>
-            <a:prstDash val="sysDash"/>
-          </a:ln>
-          <a:effectLst/>
-        </p:spPr>
-        <p:style>
-          <a:lnRef idx="1">
-            <a:schemeClr val="accent1"/>
-          </a:lnRef>
-          <a:fillRef idx="3">
-            <a:schemeClr val="accent1"/>
-          </a:fillRef>
-          <a:effectRef idx="2">
-            <a:schemeClr val="accent1"/>
-          </a:effectRef>
-          <a:fontRef idx="minor">
-            <a:schemeClr val="lt1"/>
-          </a:fontRef>
-        </p:style>
-        <p:txBody>
-          <a:bodyPr rtlCol="0" anchor="ctr"/>
-          <a:lstStyle/>
-          <a:p>
-            <a:pPr algn="ctr"/>
-            <a:endParaRPr lang="en-US" dirty="0"/>
           </a:p>
         </p:txBody>
       </p:sp>
@@ -5109,341 +5356,46 @@
       </p:grpSpPr>
       <p:sp>
         <p:nvSpPr>
-          <p:cNvPr id="4" name="Rounded Rectangle 3"/>
-          <p:cNvSpPr/>
+          <p:cNvPr id="4" name="TextBox 3"/>
+          <p:cNvSpPr txBox="1"/>
           <p:nvPr/>
         </p:nvSpPr>
         <p:spPr>
           <a:xfrm>
-            <a:off x="679947" y="500280"/>
-            <a:ext cx="3309929" cy="5900734"/>
-          </a:xfrm>
-          <a:prstGeom prst="roundRect">
+            <a:off x="128787" y="3140620"/>
+            <a:ext cx="5262979" cy="646331"/>
+          </a:xfrm>
+          <a:prstGeom prst="rect">
             <a:avLst/>
           </a:prstGeom>
           <a:noFill/>
-          <a:ln w="28575" cmpd="sng">
-            <a:solidFill>
-              <a:schemeClr val="tx1"/>
-            </a:solidFill>
-          </a:ln>
-        </p:spPr>
-        <p:style>
-          <a:lnRef idx="1">
-            <a:schemeClr val="accent1"/>
-          </a:lnRef>
-          <a:fillRef idx="3">
-            <a:schemeClr val="accent1"/>
-          </a:fillRef>
-          <a:effectRef idx="2">
-            <a:schemeClr val="accent1"/>
-          </a:effectRef>
-          <a:fontRef idx="minor">
-            <a:schemeClr val="lt1"/>
-          </a:fontRef>
-        </p:style>
-        <p:txBody>
-          <a:bodyPr rtlCol="0" anchor="ctr"/>
-          <a:lstStyle/>
-          <a:p>
-            <a:pPr algn="ctr"/>
-            <a:endParaRPr lang="en-US"/>
-          </a:p>
-        </p:txBody>
-      </p:sp>
-      <p:sp>
-        <p:nvSpPr>
-          <p:cNvPr id="5" name="Oval 4"/>
-          <p:cNvSpPr/>
-          <p:nvPr/>
-        </p:nvSpPr>
-        <p:spPr>
-          <a:xfrm>
-            <a:off x="2016757" y="5705556"/>
-            <a:ext cx="560785" cy="580944"/>
-          </a:xfrm>
-          <a:prstGeom prst="ellipse">
-            <a:avLst/>
-          </a:prstGeom>
-          <a:solidFill>
-            <a:srgbClr val="FFFFFF"/>
-          </a:solidFill>
-          <a:ln>
-            <a:solidFill>
-              <a:schemeClr val="tx1"/>
-            </a:solidFill>
-          </a:ln>
-          <a:effectLst/>
-        </p:spPr>
-        <p:style>
-          <a:lnRef idx="1">
-            <a:schemeClr val="accent1"/>
-          </a:lnRef>
-          <a:fillRef idx="3">
-            <a:schemeClr val="accent1"/>
-          </a:fillRef>
-          <a:effectRef idx="2">
-            <a:schemeClr val="accent1"/>
-          </a:effectRef>
-          <a:fontRef idx="minor">
-            <a:schemeClr val="lt1"/>
-          </a:fontRef>
-        </p:style>
-        <p:txBody>
-          <a:bodyPr rtlCol="0" anchor="ctr"/>
-          <a:lstStyle/>
-          <a:p>
-            <a:pPr algn="ctr"/>
-            <a:endParaRPr lang="en-US" dirty="0"/>
-          </a:p>
-        </p:txBody>
-      </p:sp>
-      <p:sp>
-        <p:nvSpPr>
-          <p:cNvPr id="6" name="Rectangle 5"/>
-          <p:cNvSpPr/>
-          <p:nvPr/>
-        </p:nvSpPr>
-        <p:spPr>
-          <a:xfrm>
-            <a:off x="782580" y="1093133"/>
-            <a:ext cx="3079004" cy="4399895"/>
-          </a:xfrm>
-          <a:prstGeom prst="rect">
-            <a:avLst/>
-          </a:prstGeom>
-          <a:solidFill>
-            <a:srgbClr val="FFFFFF"/>
-          </a:solidFill>
-          <a:ln>
-            <a:solidFill>
-              <a:srgbClr val="000000"/>
-            </a:solidFill>
-          </a:ln>
-        </p:spPr>
-        <p:style>
-          <a:lnRef idx="1">
-            <a:schemeClr val="accent1"/>
-          </a:lnRef>
-          <a:fillRef idx="3">
-            <a:schemeClr val="accent1"/>
-          </a:fillRef>
-          <a:effectRef idx="2">
-            <a:schemeClr val="accent1"/>
-          </a:effectRef>
-          <a:fontRef idx="minor">
-            <a:schemeClr val="lt1"/>
-          </a:fontRef>
-        </p:style>
-        <p:txBody>
-          <a:bodyPr rtlCol="0" anchor="ctr"/>
-          <a:lstStyle/>
-          <a:p>
-            <a:pPr algn="ctr"/>
-            <a:endParaRPr lang="en-US" dirty="0"/>
-          </a:p>
-        </p:txBody>
-      </p:sp>
-      <p:sp>
-        <p:nvSpPr>
-          <p:cNvPr id="7" name="Rectangle 6"/>
-          <p:cNvSpPr/>
-          <p:nvPr/>
-        </p:nvSpPr>
-        <p:spPr>
-          <a:xfrm>
-            <a:off x="4322120" y="4606501"/>
-            <a:ext cx="4617561" cy="1999399"/>
-          </a:xfrm>
-          <a:prstGeom prst="rect">
-            <a:avLst/>
-          </a:prstGeom>
-          <a:solidFill>
-            <a:srgbClr val="FFFFFF"/>
-          </a:solidFill>
-          <a:ln w="9525" cmpd="sng">
-            <a:solidFill>
-              <a:srgbClr val="000000"/>
-            </a:solidFill>
-          </a:ln>
-        </p:spPr>
-        <p:style>
-          <a:lnRef idx="1">
-            <a:schemeClr val="accent1"/>
-          </a:lnRef>
-          <a:fillRef idx="3">
-            <a:schemeClr val="accent1"/>
-          </a:fillRef>
-          <a:effectRef idx="2">
-            <a:schemeClr val="accent1"/>
-          </a:effectRef>
-          <a:fontRef idx="minor">
-            <a:schemeClr val="lt1"/>
-          </a:fontRef>
-        </p:style>
-        <p:txBody>
-          <a:bodyPr rtlCol="0" anchor="ctr"/>
-          <a:lstStyle/>
-          <a:p>
-            <a:endParaRPr lang="en-US" altLang="ja-JP" sz="1400" dirty="0">
-              <a:solidFill>
-                <a:schemeClr val="tx1"/>
-              </a:solidFill>
-            </a:endParaRPr>
-          </a:p>
-          <a:p>
-            <a:pPr marL="285750" indent="-285750">
-              <a:buFont typeface="Wingdings" charset="2"/>
-              <a:buChar char="ü"/>
-            </a:pPr>
-            <a:r>
-              <a:rPr lang="ja-JP" altLang="en-US" sz="1400" dirty="0" smtClean="0">
-                <a:solidFill>
-                  <a:schemeClr val="tx1"/>
-                </a:solidFill>
-                <a:latin typeface="メイリオ"/>
-                <a:ea typeface="メイリオ"/>
-                <a:cs typeface="メイリオ"/>
-              </a:rPr>
-              <a:t>ユーザーのログイン時の情報により、子供もしくは親の画面が表示される</a:t>
-            </a:r>
-            <a:endParaRPr lang="en-US" altLang="ja-JP" sz="1400" dirty="0" smtClean="0">
-              <a:solidFill>
-                <a:schemeClr val="tx1"/>
-              </a:solidFill>
+        </p:spPr>
+        <p:txBody>
+          <a:bodyPr wrap="none" rtlCol="0">
+            <a:spAutoFit/>
+          </a:bodyPr>
+          <a:lstStyle/>
+          <a:p>
+            <a:r>
+              <a:rPr lang="ja-JP" altLang="en-US" sz="3600" b="1" u="sng" dirty="0" smtClean="0">
+                <a:latin typeface="メイリオ"/>
+                <a:ea typeface="メイリオ"/>
+                <a:cs typeface="メイリオ"/>
+              </a:rPr>
+              <a:t>システムアーキテクチャ</a:t>
+            </a:r>
+            <a:endParaRPr lang="en-US" sz="3600" b="1" u="sng" dirty="0">
               <a:latin typeface="メイリオ"/>
               <a:ea typeface="メイリオ"/>
               <a:cs typeface="メイリオ"/>
             </a:endParaRPr>
           </a:p>
-          <a:p>
-            <a:pPr marL="285750" indent="-285750">
-              <a:buFont typeface="Wingdings" charset="2"/>
-              <a:buChar char="ü"/>
-            </a:pPr>
-            <a:endParaRPr lang="en-US" altLang="ja-JP" sz="1400" dirty="0">
-              <a:solidFill>
-                <a:schemeClr val="tx1"/>
-              </a:solidFill>
-              <a:latin typeface="メイリオ"/>
-              <a:ea typeface="メイリオ"/>
-              <a:cs typeface="メイリオ"/>
-            </a:endParaRPr>
-          </a:p>
-          <a:p>
-            <a:pPr marL="285750" indent="-285750">
-              <a:buFont typeface="Wingdings" charset="2"/>
-              <a:buChar char="ü"/>
-            </a:pPr>
-            <a:r>
-              <a:rPr lang="ja-JP" altLang="en-US" sz="1400" dirty="0" smtClean="0">
-                <a:solidFill>
-                  <a:schemeClr val="tx1"/>
-                </a:solidFill>
-                <a:latin typeface="メイリオ"/>
-                <a:ea typeface="メイリオ"/>
-                <a:cs typeface="メイリオ"/>
-              </a:rPr>
-              <a:t>親画面：複数名子供がいる場合は、一覧表示される。</a:t>
-            </a:r>
-            <a:endParaRPr lang="en-US" altLang="ja-JP" dirty="0">
-              <a:solidFill>
-                <a:schemeClr val="tx1"/>
-              </a:solidFill>
-              <a:latin typeface="メイリオ"/>
-              <a:ea typeface="メイリオ"/>
-              <a:cs typeface="メイリオ"/>
-            </a:endParaRPr>
-          </a:p>
-          <a:p>
-            <a:pPr marL="285750" indent="-285750">
-              <a:buFont typeface="Wingdings" charset="2"/>
-              <a:buChar char="ü"/>
-            </a:pPr>
-            <a:endParaRPr lang="en-US" altLang="ja-JP" dirty="0" smtClean="0">
-              <a:solidFill>
-                <a:schemeClr val="tx1"/>
-              </a:solidFill>
-              <a:latin typeface="メイリオ"/>
-              <a:ea typeface="メイリオ"/>
-              <a:cs typeface="メイリオ"/>
-            </a:endParaRPr>
-          </a:p>
-        </p:txBody>
-      </p:sp>
-      <p:pic>
-        <p:nvPicPr>
-          <p:cNvPr id="3" name="Picture 2"/>
-          <p:cNvPicPr>
-            <a:picLocks noChangeAspect="1"/>
-          </p:cNvPicPr>
-          <p:nvPr/>
-        </p:nvPicPr>
-        <p:blipFill rotWithShape="1">
-          <a:blip r:embed="rId2"/>
-          <a:srcRect t="4282"/>
-          <a:stretch/>
-        </p:blipFill>
-        <p:spPr>
-          <a:xfrm>
-            <a:off x="4322121" y="500279"/>
-            <a:ext cx="4617560" cy="3816543"/>
-          </a:xfrm>
-          <a:prstGeom prst="rect">
-            <a:avLst/>
-          </a:prstGeom>
-        </p:spPr>
-      </p:pic>
-      <p:sp>
-        <p:nvSpPr>
-          <p:cNvPr id="10" name="Rectangle 9"/>
-          <p:cNvSpPr/>
-          <p:nvPr/>
-        </p:nvSpPr>
-        <p:spPr>
-          <a:xfrm>
-            <a:off x="5796335" y="1420956"/>
-            <a:ext cx="2640412" cy="574880"/>
-          </a:xfrm>
-          <a:prstGeom prst="rect">
-            <a:avLst/>
-          </a:prstGeom>
-          <a:noFill/>
-          <a:ln>
-            <a:solidFill>
-              <a:srgbClr val="FF0000"/>
-            </a:solidFill>
-            <a:prstDash val="sysDash"/>
-          </a:ln>
-          <a:effectLst/>
-        </p:spPr>
-        <p:style>
-          <a:lnRef idx="1">
-            <a:schemeClr val="accent1"/>
-          </a:lnRef>
-          <a:fillRef idx="3">
-            <a:schemeClr val="accent1"/>
-          </a:fillRef>
-          <a:effectRef idx="2">
-            <a:schemeClr val="accent1"/>
-          </a:effectRef>
-          <a:fontRef idx="minor">
-            <a:schemeClr val="lt1"/>
-          </a:fontRef>
-        </p:style>
-        <p:txBody>
-          <a:bodyPr rtlCol="0" anchor="ctr"/>
-          <a:lstStyle/>
-          <a:p>
-            <a:pPr algn="ctr"/>
-            <a:endParaRPr lang="en-US" dirty="0"/>
-          </a:p>
         </p:txBody>
       </p:sp>
     </p:spTree>
     <p:extLst>
       <p:ext uri="{BB962C8B-B14F-4D97-AF65-F5344CB8AC3E}">
-        <p14:creationId xmlns:p14="http://schemas.microsoft.com/office/powerpoint/2010/main" val="2991087700"/>
+        <p14:creationId xmlns:p14="http://schemas.microsoft.com/office/powerpoint/2010/main" val="3501321866"/>
       </p:ext>
     </p:extLst>
   </p:cSld>
@@ -5477,343 +5429,40 @@
           <a:chExt cx="0" cy="0"/>
         </a:xfrm>
       </p:grpSpPr>
-      <p:sp>
-        <p:nvSpPr>
-          <p:cNvPr id="4" name="Rounded Rectangle 3"/>
-          <p:cNvSpPr/>
-          <p:nvPr/>
-        </p:nvSpPr>
-        <p:spPr>
-          <a:xfrm>
-            <a:off x="679947" y="500280"/>
-            <a:ext cx="3309929" cy="5900734"/>
-          </a:xfrm>
-          <a:prstGeom prst="roundRect">
-            <a:avLst/>
-          </a:prstGeom>
-          <a:noFill/>
-          <a:ln w="28575" cmpd="sng">
-            <a:solidFill>
-              <a:schemeClr val="tx1"/>
-            </a:solidFill>
-          </a:ln>
-        </p:spPr>
-        <p:style>
-          <a:lnRef idx="1">
-            <a:schemeClr val="accent1"/>
-          </a:lnRef>
-          <a:fillRef idx="3">
-            <a:schemeClr val="accent1"/>
-          </a:fillRef>
-          <a:effectRef idx="2">
-            <a:schemeClr val="accent1"/>
-          </a:effectRef>
-          <a:fontRef idx="minor">
-            <a:schemeClr val="lt1"/>
-          </a:fontRef>
-        </p:style>
-        <p:txBody>
-          <a:bodyPr rtlCol="0" anchor="ctr"/>
-          <a:lstStyle/>
-          <a:p>
-            <a:pPr algn="ctr"/>
-            <a:endParaRPr lang="en-US" dirty="0"/>
-          </a:p>
-        </p:txBody>
-      </p:sp>
-      <p:sp>
-        <p:nvSpPr>
-          <p:cNvPr id="5" name="Oval 4"/>
-          <p:cNvSpPr/>
-          <p:nvPr/>
-        </p:nvSpPr>
-        <p:spPr>
-          <a:xfrm>
-            <a:off x="2016757" y="5705556"/>
-            <a:ext cx="560785" cy="580944"/>
-          </a:xfrm>
-          <a:prstGeom prst="ellipse">
-            <a:avLst/>
-          </a:prstGeom>
-          <a:solidFill>
-            <a:srgbClr val="FFFFFF"/>
-          </a:solidFill>
-          <a:ln>
-            <a:solidFill>
-              <a:schemeClr val="tx1"/>
-            </a:solidFill>
-          </a:ln>
-          <a:effectLst/>
-        </p:spPr>
-        <p:style>
-          <a:lnRef idx="1">
-            <a:schemeClr val="accent1"/>
-          </a:lnRef>
-          <a:fillRef idx="3">
-            <a:schemeClr val="accent1"/>
-          </a:fillRef>
-          <a:effectRef idx="2">
-            <a:schemeClr val="accent1"/>
-          </a:effectRef>
-          <a:fontRef idx="minor">
-            <a:schemeClr val="lt1"/>
-          </a:fontRef>
-        </p:style>
-        <p:txBody>
-          <a:bodyPr rtlCol="0" anchor="ctr"/>
-          <a:lstStyle/>
-          <a:p>
-            <a:pPr algn="ctr"/>
-            <a:endParaRPr lang="en-US" dirty="0"/>
-          </a:p>
-        </p:txBody>
-      </p:sp>
-      <p:sp>
-        <p:nvSpPr>
-          <p:cNvPr id="6" name="Rectangle 5"/>
-          <p:cNvSpPr/>
-          <p:nvPr/>
-        </p:nvSpPr>
-        <p:spPr>
-          <a:xfrm>
-            <a:off x="782580" y="1093133"/>
-            <a:ext cx="3079004" cy="4399895"/>
-          </a:xfrm>
-          <a:prstGeom prst="rect">
-            <a:avLst/>
-          </a:prstGeom>
-          <a:solidFill>
-            <a:srgbClr val="FFFFFF"/>
-          </a:solidFill>
-          <a:ln>
-            <a:solidFill>
-              <a:srgbClr val="000000"/>
-            </a:solidFill>
-          </a:ln>
-        </p:spPr>
-        <p:style>
-          <a:lnRef idx="1">
-            <a:schemeClr val="accent1"/>
-          </a:lnRef>
-          <a:fillRef idx="3">
-            <a:schemeClr val="accent1"/>
-          </a:fillRef>
-          <a:effectRef idx="2">
-            <a:schemeClr val="accent1"/>
-          </a:effectRef>
-          <a:fontRef idx="minor">
-            <a:schemeClr val="lt1"/>
-          </a:fontRef>
-        </p:style>
-        <p:txBody>
-          <a:bodyPr rtlCol="0" anchor="ctr"/>
-          <a:lstStyle/>
-          <a:p>
-            <a:pPr algn="ctr"/>
-            <a:endParaRPr lang="en-US" dirty="0"/>
-          </a:p>
-        </p:txBody>
-      </p:sp>
-      <p:sp>
-        <p:nvSpPr>
-          <p:cNvPr id="7" name="Rectangle 6"/>
-          <p:cNvSpPr/>
-          <p:nvPr/>
-        </p:nvSpPr>
-        <p:spPr>
-          <a:xfrm>
-            <a:off x="4322121" y="4606501"/>
-            <a:ext cx="4051758" cy="1999399"/>
-          </a:xfrm>
-          <a:prstGeom prst="rect">
-            <a:avLst/>
-          </a:prstGeom>
-          <a:solidFill>
-            <a:srgbClr val="FFFFFF"/>
-          </a:solidFill>
-          <a:ln w="9525" cmpd="sng">
-            <a:solidFill>
-              <a:srgbClr val="000000"/>
-            </a:solidFill>
-          </a:ln>
-        </p:spPr>
-        <p:style>
-          <a:lnRef idx="1">
-            <a:schemeClr val="accent1"/>
-          </a:lnRef>
-          <a:fillRef idx="3">
-            <a:schemeClr val="accent1"/>
-          </a:fillRef>
-          <a:effectRef idx="2">
-            <a:schemeClr val="accent1"/>
-          </a:effectRef>
-          <a:fontRef idx="minor">
-            <a:schemeClr val="lt1"/>
-          </a:fontRef>
-        </p:style>
-        <p:txBody>
-          <a:bodyPr rtlCol="0" anchor="ctr"/>
-          <a:lstStyle/>
-          <a:p>
-            <a:endParaRPr lang="en-US" altLang="ja-JP" sz="1400" dirty="0">
-              <a:solidFill>
-                <a:schemeClr val="tx1"/>
-              </a:solidFill>
-            </a:endParaRPr>
-          </a:p>
-          <a:p>
-            <a:pPr marL="285750" indent="-285750">
-              <a:buFont typeface="Wingdings" charset="2"/>
-              <a:buChar char="ü"/>
-            </a:pPr>
-            <a:r>
-              <a:rPr lang="ja-JP" altLang="en-US" sz="1400" dirty="0" smtClean="0">
-                <a:solidFill>
-                  <a:schemeClr val="tx1"/>
-                </a:solidFill>
-                <a:latin typeface="メイリオ"/>
-                <a:ea typeface="メイリオ"/>
-                <a:cs typeface="メイリオ"/>
-              </a:rPr>
-              <a:t>ユーザーのログイン時の情報により、子供もしくは親の画面が表示される</a:t>
-            </a:r>
-            <a:endParaRPr lang="en-US" altLang="ja-JP" sz="1400" dirty="0" smtClean="0">
-              <a:solidFill>
-                <a:schemeClr val="tx1"/>
-              </a:solidFill>
-              <a:latin typeface="メイリオ"/>
-              <a:ea typeface="メイリオ"/>
-              <a:cs typeface="メイリオ"/>
-            </a:endParaRPr>
-          </a:p>
-          <a:p>
-            <a:pPr marL="285750" indent="-285750">
-              <a:buFont typeface="Wingdings" charset="2"/>
-              <a:buChar char="ü"/>
-            </a:pPr>
-            <a:endParaRPr lang="en-US" altLang="ja-JP" sz="1400" dirty="0">
-              <a:solidFill>
-                <a:schemeClr val="tx1"/>
-              </a:solidFill>
-              <a:latin typeface="メイリオ"/>
-              <a:ea typeface="メイリオ"/>
-              <a:cs typeface="メイリオ"/>
-            </a:endParaRPr>
-          </a:p>
-          <a:p>
-            <a:pPr marL="285750" indent="-285750">
-              <a:buFont typeface="Wingdings" charset="2"/>
-              <a:buChar char="ü"/>
-            </a:pPr>
-            <a:r>
-              <a:rPr lang="ja-JP" altLang="en-US" sz="1400" dirty="0" smtClean="0">
-                <a:solidFill>
-                  <a:schemeClr val="tx1"/>
-                </a:solidFill>
-                <a:latin typeface="メイリオ"/>
-                <a:ea typeface="メイリオ"/>
-                <a:cs typeface="メイリオ"/>
-              </a:rPr>
-              <a:t>親画面：複数名子供がいる場合は、一覧表示される。</a:t>
-            </a:r>
-            <a:endParaRPr lang="en-US" altLang="ja-JP" dirty="0">
-              <a:solidFill>
-                <a:schemeClr val="tx1"/>
-              </a:solidFill>
-              <a:latin typeface="メイリオ"/>
-              <a:ea typeface="メイリオ"/>
-              <a:cs typeface="メイリオ"/>
-            </a:endParaRPr>
-          </a:p>
-          <a:p>
-            <a:pPr marL="285750" indent="-285750">
-              <a:buFont typeface="Wingdings" charset="2"/>
-              <a:buChar char="ü"/>
-            </a:pPr>
-            <a:endParaRPr lang="en-US" altLang="ja-JP" dirty="0" smtClean="0">
-              <a:solidFill>
-                <a:schemeClr val="tx1"/>
-              </a:solidFill>
-              <a:latin typeface="メイリオ"/>
-              <a:ea typeface="メイリオ"/>
-              <a:cs typeface="メイリオ"/>
-            </a:endParaRPr>
-          </a:p>
-        </p:txBody>
-      </p:sp>
       <p:pic>
         <p:nvPicPr>
-          <p:cNvPr id="3" name="Picture 2"/>
+          <p:cNvPr id="3" name="Picture 2" descr="Screen Shot 2016-12-11 at 2.41.00 PM.png"/>
           <p:cNvPicPr>
             <a:picLocks noChangeAspect="1"/>
           </p:cNvPicPr>
           <p:nvPr/>
         </p:nvPicPr>
-        <p:blipFill rotWithShape="1">
-          <a:blip r:embed="rId2"/>
-          <a:srcRect t="3709"/>
-          <a:stretch/>
+        <p:blipFill>
+          <a:blip r:embed="rId2">
+            <a:extLst>
+              <a:ext uri="{28A0092B-C50C-407E-A947-70E740481C1C}">
+                <a14:useLocalDpi xmlns:a14="http://schemas.microsoft.com/office/drawing/2010/main" val="0"/>
+              </a:ext>
+            </a:extLst>
+          </a:blip>
+          <a:stretch>
+            <a:fillRect/>
+          </a:stretch>
         </p:blipFill>
         <p:spPr>
           <a:xfrm>
-            <a:off x="4322121" y="500280"/>
-            <a:ext cx="4738560" cy="3940035"/>
+            <a:off x="0" y="605379"/>
+            <a:ext cx="9144000" cy="5459342"/>
           </a:xfrm>
           <a:prstGeom prst="rect">
             <a:avLst/>
           </a:prstGeom>
         </p:spPr>
       </p:pic>
-      <p:sp>
-        <p:nvSpPr>
-          <p:cNvPr id="8" name="Rectangle 7"/>
-          <p:cNvSpPr/>
-          <p:nvPr/>
-        </p:nvSpPr>
-        <p:spPr>
-          <a:xfrm>
-            <a:off x="6890220" y="2929936"/>
-            <a:ext cx="1320206" cy="314371"/>
-          </a:xfrm>
-          <a:prstGeom prst="rect">
-            <a:avLst/>
-          </a:prstGeom>
-          <a:noFill/>
-          <a:ln>
-            <a:solidFill>
-              <a:srgbClr val="FF0000"/>
-            </a:solidFill>
-            <a:prstDash val="sysDash"/>
-          </a:ln>
-          <a:effectLst/>
-        </p:spPr>
-        <p:style>
-          <a:lnRef idx="1">
-            <a:schemeClr val="accent1"/>
-          </a:lnRef>
-          <a:fillRef idx="3">
-            <a:schemeClr val="accent1"/>
-          </a:fillRef>
-          <a:effectRef idx="2">
-            <a:schemeClr val="accent1"/>
-          </a:effectRef>
-          <a:fontRef idx="minor">
-            <a:schemeClr val="lt1"/>
-          </a:fontRef>
-        </p:style>
-        <p:txBody>
-          <a:bodyPr rtlCol="0" anchor="ctr"/>
-          <a:lstStyle/>
-          <a:p>
-            <a:pPr algn="ctr"/>
-            <a:endParaRPr lang="en-US" dirty="0"/>
-          </a:p>
-        </p:txBody>
-      </p:sp>
     </p:spTree>
     <p:extLst>
       <p:ext uri="{BB962C8B-B14F-4D97-AF65-F5344CB8AC3E}">
-        <p14:creationId xmlns:p14="http://schemas.microsoft.com/office/powerpoint/2010/main" val="1241896913"/>
+        <p14:creationId xmlns:p14="http://schemas.microsoft.com/office/powerpoint/2010/main" val="3719535594"/>
       </p:ext>
     </p:extLst>
   </p:cSld>
@@ -5831,748 +5480,6 @@
 </file>
 
 <file path=ppt/slides/slide16.xml><?xml version="1.0" encoding="utf-8"?>
-<p:sld xmlns:a="http://schemas.openxmlformats.org/drawingml/2006/main" xmlns:r="http://schemas.openxmlformats.org/officeDocument/2006/relationships" xmlns:p="http://schemas.openxmlformats.org/presentationml/2006/main">
-  <p:cSld>
-    <p:spTree>
-      <p:nvGrpSpPr>
-        <p:cNvPr id="1" name=""/>
-        <p:cNvGrpSpPr/>
-        <p:nvPr/>
-      </p:nvGrpSpPr>
-      <p:grpSpPr>
-        <a:xfrm>
-          <a:off x="0" y="0"/>
-          <a:ext cx="0" cy="0"/>
-          <a:chOff x="0" y="0"/>
-          <a:chExt cx="0" cy="0"/>
-        </a:xfrm>
-      </p:grpSpPr>
-      <p:sp>
-        <p:nvSpPr>
-          <p:cNvPr id="4" name="Rounded Rectangle 3"/>
-          <p:cNvSpPr/>
-          <p:nvPr/>
-        </p:nvSpPr>
-        <p:spPr>
-          <a:xfrm>
-            <a:off x="679947" y="500280"/>
-            <a:ext cx="3309929" cy="5900734"/>
-          </a:xfrm>
-          <a:prstGeom prst="roundRect">
-            <a:avLst/>
-          </a:prstGeom>
-          <a:noFill/>
-          <a:ln w="28575" cmpd="sng">
-            <a:solidFill>
-              <a:schemeClr val="tx1"/>
-            </a:solidFill>
-          </a:ln>
-        </p:spPr>
-        <p:style>
-          <a:lnRef idx="1">
-            <a:schemeClr val="accent1"/>
-          </a:lnRef>
-          <a:fillRef idx="3">
-            <a:schemeClr val="accent1"/>
-          </a:fillRef>
-          <a:effectRef idx="2">
-            <a:schemeClr val="accent1"/>
-          </a:effectRef>
-          <a:fontRef idx="minor">
-            <a:schemeClr val="lt1"/>
-          </a:fontRef>
-        </p:style>
-        <p:txBody>
-          <a:bodyPr rtlCol="0" anchor="ctr"/>
-          <a:lstStyle/>
-          <a:p>
-            <a:pPr algn="ctr"/>
-            <a:endParaRPr lang="en-US"/>
-          </a:p>
-        </p:txBody>
-      </p:sp>
-      <p:sp>
-        <p:nvSpPr>
-          <p:cNvPr id="5" name="Oval 4"/>
-          <p:cNvSpPr/>
-          <p:nvPr/>
-        </p:nvSpPr>
-        <p:spPr>
-          <a:xfrm>
-            <a:off x="2016757" y="5705556"/>
-            <a:ext cx="560785" cy="580944"/>
-          </a:xfrm>
-          <a:prstGeom prst="ellipse">
-            <a:avLst/>
-          </a:prstGeom>
-          <a:solidFill>
-            <a:srgbClr val="FFFFFF"/>
-          </a:solidFill>
-          <a:ln>
-            <a:solidFill>
-              <a:schemeClr val="tx1"/>
-            </a:solidFill>
-          </a:ln>
-          <a:effectLst/>
-        </p:spPr>
-        <p:style>
-          <a:lnRef idx="1">
-            <a:schemeClr val="accent1"/>
-          </a:lnRef>
-          <a:fillRef idx="3">
-            <a:schemeClr val="accent1"/>
-          </a:fillRef>
-          <a:effectRef idx="2">
-            <a:schemeClr val="accent1"/>
-          </a:effectRef>
-          <a:fontRef idx="minor">
-            <a:schemeClr val="lt1"/>
-          </a:fontRef>
-        </p:style>
-        <p:txBody>
-          <a:bodyPr rtlCol="0" anchor="ctr"/>
-          <a:lstStyle/>
-          <a:p>
-            <a:pPr algn="ctr"/>
-            <a:endParaRPr lang="en-US" dirty="0"/>
-          </a:p>
-        </p:txBody>
-      </p:sp>
-      <p:sp>
-        <p:nvSpPr>
-          <p:cNvPr id="6" name="Rectangle 5"/>
-          <p:cNvSpPr/>
-          <p:nvPr/>
-        </p:nvSpPr>
-        <p:spPr>
-          <a:xfrm>
-            <a:off x="782580" y="1093133"/>
-            <a:ext cx="3079004" cy="4399895"/>
-          </a:xfrm>
-          <a:prstGeom prst="rect">
-            <a:avLst/>
-          </a:prstGeom>
-          <a:solidFill>
-            <a:srgbClr val="FFFFFF"/>
-          </a:solidFill>
-          <a:ln>
-            <a:solidFill>
-              <a:srgbClr val="000000"/>
-            </a:solidFill>
-          </a:ln>
-        </p:spPr>
-        <p:style>
-          <a:lnRef idx="1">
-            <a:schemeClr val="accent1"/>
-          </a:lnRef>
-          <a:fillRef idx="3">
-            <a:schemeClr val="accent1"/>
-          </a:fillRef>
-          <a:effectRef idx="2">
-            <a:schemeClr val="accent1"/>
-          </a:effectRef>
-          <a:fontRef idx="minor">
-            <a:schemeClr val="lt1"/>
-          </a:fontRef>
-        </p:style>
-        <p:txBody>
-          <a:bodyPr rtlCol="0" anchor="ctr"/>
-          <a:lstStyle/>
-          <a:p>
-            <a:pPr algn="ctr"/>
-            <a:endParaRPr lang="en-US" dirty="0"/>
-          </a:p>
-        </p:txBody>
-      </p:sp>
-      <p:sp>
-        <p:nvSpPr>
-          <p:cNvPr id="7" name="Rectangle 6"/>
-          <p:cNvSpPr/>
-          <p:nvPr/>
-        </p:nvSpPr>
-        <p:spPr>
-          <a:xfrm>
-            <a:off x="4322121" y="4606501"/>
-            <a:ext cx="4051758" cy="1999399"/>
-          </a:xfrm>
-          <a:prstGeom prst="rect">
-            <a:avLst/>
-          </a:prstGeom>
-          <a:solidFill>
-            <a:srgbClr val="FFFFFF"/>
-          </a:solidFill>
-          <a:ln w="9525" cmpd="sng">
-            <a:solidFill>
-              <a:srgbClr val="000000"/>
-            </a:solidFill>
-          </a:ln>
-        </p:spPr>
-        <p:style>
-          <a:lnRef idx="1">
-            <a:schemeClr val="accent1"/>
-          </a:lnRef>
-          <a:fillRef idx="3">
-            <a:schemeClr val="accent1"/>
-          </a:fillRef>
-          <a:effectRef idx="2">
-            <a:schemeClr val="accent1"/>
-          </a:effectRef>
-          <a:fontRef idx="minor">
-            <a:schemeClr val="lt1"/>
-          </a:fontRef>
-        </p:style>
-        <p:txBody>
-          <a:bodyPr rtlCol="0" anchor="ctr"/>
-          <a:lstStyle/>
-          <a:p>
-            <a:endParaRPr lang="en-US" altLang="ja-JP" sz="1400" dirty="0">
-              <a:solidFill>
-                <a:schemeClr val="tx1"/>
-              </a:solidFill>
-            </a:endParaRPr>
-          </a:p>
-          <a:p>
-            <a:pPr marL="285750" indent="-285750">
-              <a:buFont typeface="Wingdings" charset="2"/>
-              <a:buChar char="ü"/>
-            </a:pPr>
-            <a:r>
-              <a:rPr lang="ja-JP" altLang="en-US" sz="1400" dirty="0" smtClean="0">
-                <a:solidFill>
-                  <a:schemeClr val="tx1"/>
-                </a:solidFill>
-                <a:latin typeface="メイリオ"/>
-                <a:ea typeface="メイリオ"/>
-                <a:cs typeface="メイリオ"/>
-              </a:rPr>
-              <a:t>ユーザーのログイン時の情報により、子供もしくは親の画面が表示される</a:t>
-            </a:r>
-            <a:endParaRPr lang="en-US" altLang="ja-JP" sz="1400" dirty="0" smtClean="0">
-              <a:solidFill>
-                <a:schemeClr val="tx1"/>
-              </a:solidFill>
-              <a:latin typeface="メイリオ"/>
-              <a:ea typeface="メイリオ"/>
-              <a:cs typeface="メイリオ"/>
-            </a:endParaRPr>
-          </a:p>
-          <a:p>
-            <a:pPr marL="285750" indent="-285750">
-              <a:buFont typeface="Wingdings" charset="2"/>
-              <a:buChar char="ü"/>
-            </a:pPr>
-            <a:endParaRPr lang="en-US" altLang="ja-JP" sz="1400" dirty="0">
-              <a:solidFill>
-                <a:schemeClr val="tx1"/>
-              </a:solidFill>
-              <a:latin typeface="メイリオ"/>
-              <a:ea typeface="メイリオ"/>
-              <a:cs typeface="メイリオ"/>
-            </a:endParaRPr>
-          </a:p>
-          <a:p>
-            <a:pPr marL="285750" indent="-285750">
-              <a:buFont typeface="Wingdings" charset="2"/>
-              <a:buChar char="ü"/>
-            </a:pPr>
-            <a:r>
-              <a:rPr lang="ja-JP" altLang="en-US" sz="1400" dirty="0" smtClean="0">
-                <a:solidFill>
-                  <a:schemeClr val="tx1"/>
-                </a:solidFill>
-                <a:latin typeface="メイリオ"/>
-                <a:ea typeface="メイリオ"/>
-                <a:cs typeface="メイリオ"/>
-              </a:rPr>
-              <a:t>親画面：複数名子供がいる場合は、一覧表示される。</a:t>
-            </a:r>
-            <a:endParaRPr lang="en-US" altLang="ja-JP" dirty="0">
-              <a:solidFill>
-                <a:schemeClr val="tx1"/>
-              </a:solidFill>
-              <a:latin typeface="メイリオ"/>
-              <a:ea typeface="メイリオ"/>
-              <a:cs typeface="メイリオ"/>
-            </a:endParaRPr>
-          </a:p>
-          <a:p>
-            <a:pPr marL="285750" indent="-285750">
-              <a:buFont typeface="Wingdings" charset="2"/>
-              <a:buChar char="ü"/>
-            </a:pPr>
-            <a:endParaRPr lang="en-US" altLang="ja-JP" dirty="0" smtClean="0">
-              <a:solidFill>
-                <a:schemeClr val="tx1"/>
-              </a:solidFill>
-              <a:latin typeface="メイリオ"/>
-              <a:ea typeface="メイリオ"/>
-              <a:cs typeface="メイリオ"/>
-            </a:endParaRPr>
-          </a:p>
-        </p:txBody>
-      </p:sp>
-      <p:pic>
-        <p:nvPicPr>
-          <p:cNvPr id="2" name="Picture 1"/>
-          <p:cNvPicPr>
-            <a:picLocks noChangeAspect="1"/>
-          </p:cNvPicPr>
-          <p:nvPr/>
-        </p:nvPicPr>
-        <p:blipFill>
-          <a:blip r:embed="rId2"/>
-          <a:stretch>
-            <a:fillRect/>
-          </a:stretch>
-        </p:blipFill>
-        <p:spPr>
-          <a:xfrm>
-            <a:off x="4322121" y="500280"/>
-            <a:ext cx="4340947" cy="3748432"/>
-          </a:xfrm>
-          <a:prstGeom prst="rect">
-            <a:avLst/>
-          </a:prstGeom>
-        </p:spPr>
-      </p:pic>
-      <p:sp>
-        <p:nvSpPr>
-          <p:cNvPr id="8" name="Rectangle 7"/>
-          <p:cNvSpPr/>
-          <p:nvPr/>
-        </p:nvSpPr>
-        <p:spPr>
-          <a:xfrm>
-            <a:off x="7217129" y="3244307"/>
-            <a:ext cx="880136" cy="314371"/>
-          </a:xfrm>
-          <a:prstGeom prst="rect">
-            <a:avLst/>
-          </a:prstGeom>
-          <a:noFill/>
-          <a:ln>
-            <a:solidFill>
-              <a:srgbClr val="FF0000"/>
-            </a:solidFill>
-            <a:prstDash val="sysDash"/>
-          </a:ln>
-          <a:effectLst/>
-        </p:spPr>
-        <p:style>
-          <a:lnRef idx="1">
-            <a:schemeClr val="accent1"/>
-          </a:lnRef>
-          <a:fillRef idx="3">
-            <a:schemeClr val="accent1"/>
-          </a:fillRef>
-          <a:effectRef idx="2">
-            <a:schemeClr val="accent1"/>
-          </a:effectRef>
-          <a:fontRef idx="minor">
-            <a:schemeClr val="lt1"/>
-          </a:fontRef>
-        </p:style>
-        <p:txBody>
-          <a:bodyPr rtlCol="0" anchor="ctr"/>
-          <a:lstStyle/>
-          <a:p>
-            <a:pPr algn="ctr"/>
-            <a:endParaRPr lang="en-US" dirty="0"/>
-          </a:p>
-        </p:txBody>
-      </p:sp>
-    </p:spTree>
-    <p:extLst>
-      <p:ext uri="{BB962C8B-B14F-4D97-AF65-F5344CB8AC3E}">
-        <p14:creationId xmlns:p14="http://schemas.microsoft.com/office/powerpoint/2010/main" val="1241896913"/>
-      </p:ext>
-    </p:extLst>
-  </p:cSld>
-  <p:clrMapOvr>
-    <a:masterClrMapping/>
-  </p:clrMapOvr>
-  <p:timing>
-    <p:tnLst>
-      <p:par>
-        <p:cTn xmlns:p14="http://schemas.microsoft.com/office/powerpoint/2010/main" id="1" dur="indefinite" restart="never" nodeType="tmRoot"/>
-      </p:par>
-    </p:tnLst>
-  </p:timing>
-</p:sld>
-</file>
-
-<file path=ppt/slides/slide17.xml><?xml version="1.0" encoding="utf-8"?>
-<p:sld xmlns:a="http://schemas.openxmlformats.org/drawingml/2006/main" xmlns:r="http://schemas.openxmlformats.org/officeDocument/2006/relationships" xmlns:p="http://schemas.openxmlformats.org/presentationml/2006/main">
-  <p:cSld>
-    <p:spTree>
-      <p:nvGrpSpPr>
-        <p:cNvPr id="1" name=""/>
-        <p:cNvGrpSpPr/>
-        <p:nvPr/>
-      </p:nvGrpSpPr>
-      <p:grpSpPr>
-        <a:xfrm>
-          <a:off x="0" y="0"/>
-          <a:ext cx="0" cy="0"/>
-          <a:chOff x="0" y="0"/>
-          <a:chExt cx="0" cy="0"/>
-        </a:xfrm>
-      </p:grpSpPr>
-      <p:sp>
-        <p:nvSpPr>
-          <p:cNvPr id="4" name="Rounded Rectangle 3"/>
-          <p:cNvSpPr/>
-          <p:nvPr/>
-        </p:nvSpPr>
-        <p:spPr>
-          <a:xfrm>
-            <a:off x="679947" y="500280"/>
-            <a:ext cx="3309929" cy="5900734"/>
-          </a:xfrm>
-          <a:prstGeom prst="roundRect">
-            <a:avLst/>
-          </a:prstGeom>
-          <a:noFill/>
-          <a:ln w="28575" cmpd="sng">
-            <a:solidFill>
-              <a:schemeClr val="tx1"/>
-            </a:solidFill>
-          </a:ln>
-        </p:spPr>
-        <p:style>
-          <a:lnRef idx="1">
-            <a:schemeClr val="accent1"/>
-          </a:lnRef>
-          <a:fillRef idx="3">
-            <a:schemeClr val="accent1"/>
-          </a:fillRef>
-          <a:effectRef idx="2">
-            <a:schemeClr val="accent1"/>
-          </a:effectRef>
-          <a:fontRef idx="minor">
-            <a:schemeClr val="lt1"/>
-          </a:fontRef>
-        </p:style>
-        <p:txBody>
-          <a:bodyPr rtlCol="0" anchor="ctr"/>
-          <a:lstStyle/>
-          <a:p>
-            <a:pPr algn="ctr"/>
-            <a:endParaRPr lang="en-US"/>
-          </a:p>
-        </p:txBody>
-      </p:sp>
-      <p:sp>
-        <p:nvSpPr>
-          <p:cNvPr id="5" name="Oval 4"/>
-          <p:cNvSpPr/>
-          <p:nvPr/>
-        </p:nvSpPr>
-        <p:spPr>
-          <a:xfrm>
-            <a:off x="2016757" y="5705556"/>
-            <a:ext cx="560785" cy="580944"/>
-          </a:xfrm>
-          <a:prstGeom prst="ellipse">
-            <a:avLst/>
-          </a:prstGeom>
-          <a:solidFill>
-            <a:srgbClr val="FFFFFF"/>
-          </a:solidFill>
-          <a:ln>
-            <a:solidFill>
-              <a:schemeClr val="tx1"/>
-            </a:solidFill>
-          </a:ln>
-          <a:effectLst/>
-        </p:spPr>
-        <p:style>
-          <a:lnRef idx="1">
-            <a:schemeClr val="accent1"/>
-          </a:lnRef>
-          <a:fillRef idx="3">
-            <a:schemeClr val="accent1"/>
-          </a:fillRef>
-          <a:effectRef idx="2">
-            <a:schemeClr val="accent1"/>
-          </a:effectRef>
-          <a:fontRef idx="minor">
-            <a:schemeClr val="lt1"/>
-          </a:fontRef>
-        </p:style>
-        <p:txBody>
-          <a:bodyPr rtlCol="0" anchor="ctr"/>
-          <a:lstStyle/>
-          <a:p>
-            <a:pPr algn="ctr"/>
-            <a:endParaRPr lang="en-US" dirty="0"/>
-          </a:p>
-        </p:txBody>
-      </p:sp>
-      <p:sp>
-        <p:nvSpPr>
-          <p:cNvPr id="6" name="Rectangle 5"/>
-          <p:cNvSpPr/>
-          <p:nvPr/>
-        </p:nvSpPr>
-        <p:spPr>
-          <a:xfrm>
-            <a:off x="782580" y="1093133"/>
-            <a:ext cx="3079004" cy="4399895"/>
-          </a:xfrm>
-          <a:prstGeom prst="rect">
-            <a:avLst/>
-          </a:prstGeom>
-          <a:solidFill>
-            <a:srgbClr val="FFFFFF"/>
-          </a:solidFill>
-          <a:ln>
-            <a:solidFill>
-              <a:srgbClr val="000000"/>
-            </a:solidFill>
-          </a:ln>
-        </p:spPr>
-        <p:style>
-          <a:lnRef idx="1">
-            <a:schemeClr val="accent1"/>
-          </a:lnRef>
-          <a:fillRef idx="3">
-            <a:schemeClr val="accent1"/>
-          </a:fillRef>
-          <a:effectRef idx="2">
-            <a:schemeClr val="accent1"/>
-          </a:effectRef>
-          <a:fontRef idx="minor">
-            <a:schemeClr val="lt1"/>
-          </a:fontRef>
-        </p:style>
-        <p:txBody>
-          <a:bodyPr rtlCol="0" anchor="ctr"/>
-          <a:lstStyle/>
-          <a:p>
-            <a:pPr algn="ctr"/>
-            <a:endParaRPr lang="en-US" dirty="0"/>
-          </a:p>
-        </p:txBody>
-      </p:sp>
-      <p:sp>
-        <p:nvSpPr>
-          <p:cNvPr id="7" name="Rectangle 6"/>
-          <p:cNvSpPr/>
-          <p:nvPr/>
-        </p:nvSpPr>
-        <p:spPr>
-          <a:xfrm>
-            <a:off x="4322121" y="4606501"/>
-            <a:ext cx="4051758" cy="1999399"/>
-          </a:xfrm>
-          <a:prstGeom prst="rect">
-            <a:avLst/>
-          </a:prstGeom>
-          <a:solidFill>
-            <a:srgbClr val="FFFFFF"/>
-          </a:solidFill>
-          <a:ln w="9525" cmpd="sng">
-            <a:solidFill>
-              <a:srgbClr val="000000"/>
-            </a:solidFill>
-          </a:ln>
-        </p:spPr>
-        <p:style>
-          <a:lnRef idx="1">
-            <a:schemeClr val="accent1"/>
-          </a:lnRef>
-          <a:fillRef idx="3">
-            <a:schemeClr val="accent1"/>
-          </a:fillRef>
-          <a:effectRef idx="2">
-            <a:schemeClr val="accent1"/>
-          </a:effectRef>
-          <a:fontRef idx="minor">
-            <a:schemeClr val="lt1"/>
-          </a:fontRef>
-        </p:style>
-        <p:txBody>
-          <a:bodyPr rtlCol="0" anchor="ctr"/>
-          <a:lstStyle/>
-          <a:p>
-            <a:endParaRPr lang="en-US" altLang="ja-JP" sz="1400" dirty="0">
-              <a:solidFill>
-                <a:schemeClr val="tx1"/>
-              </a:solidFill>
-            </a:endParaRPr>
-          </a:p>
-          <a:p>
-            <a:pPr marL="285750" indent="-285750">
-              <a:buFont typeface="Wingdings" charset="2"/>
-              <a:buChar char="ü"/>
-            </a:pPr>
-            <a:r>
-              <a:rPr lang="ja-JP" altLang="en-US" sz="1400" dirty="0" smtClean="0">
-                <a:solidFill>
-                  <a:schemeClr val="tx1"/>
-                </a:solidFill>
-                <a:latin typeface="メイリオ"/>
-                <a:ea typeface="メイリオ"/>
-                <a:cs typeface="メイリオ"/>
-              </a:rPr>
-              <a:t>ユーザーのログイン時の情報により、子供もしくは親の画面が表示される</a:t>
-            </a:r>
-            <a:endParaRPr lang="en-US" altLang="ja-JP" sz="1400" dirty="0" smtClean="0">
-              <a:solidFill>
-                <a:schemeClr val="tx1"/>
-              </a:solidFill>
-              <a:latin typeface="メイリオ"/>
-              <a:ea typeface="メイリオ"/>
-              <a:cs typeface="メイリオ"/>
-            </a:endParaRPr>
-          </a:p>
-          <a:p>
-            <a:pPr marL="285750" indent="-285750">
-              <a:buFont typeface="Wingdings" charset="2"/>
-              <a:buChar char="ü"/>
-            </a:pPr>
-            <a:endParaRPr lang="en-US" altLang="ja-JP" sz="1400" dirty="0">
-              <a:solidFill>
-                <a:schemeClr val="tx1"/>
-              </a:solidFill>
-              <a:latin typeface="メイリオ"/>
-              <a:ea typeface="メイリオ"/>
-              <a:cs typeface="メイリオ"/>
-            </a:endParaRPr>
-          </a:p>
-          <a:p>
-            <a:pPr marL="285750" indent="-285750">
-              <a:buFont typeface="Wingdings" charset="2"/>
-              <a:buChar char="ü"/>
-            </a:pPr>
-            <a:r>
-              <a:rPr lang="ja-JP" altLang="en-US" sz="1400" dirty="0" smtClean="0">
-                <a:solidFill>
-                  <a:schemeClr val="tx1"/>
-                </a:solidFill>
-                <a:latin typeface="メイリオ"/>
-                <a:ea typeface="メイリオ"/>
-                <a:cs typeface="メイリオ"/>
-              </a:rPr>
-              <a:t>親画面：複数名子供がいる場合は、一覧表示される。</a:t>
-            </a:r>
-            <a:endParaRPr lang="en-US" altLang="ja-JP" dirty="0">
-              <a:solidFill>
-                <a:schemeClr val="tx1"/>
-              </a:solidFill>
-              <a:latin typeface="メイリオ"/>
-              <a:ea typeface="メイリオ"/>
-              <a:cs typeface="メイリオ"/>
-            </a:endParaRPr>
-          </a:p>
-          <a:p>
-            <a:pPr marL="285750" indent="-285750">
-              <a:buFont typeface="Wingdings" charset="2"/>
-              <a:buChar char="ü"/>
-            </a:pPr>
-            <a:endParaRPr lang="en-US" altLang="ja-JP" dirty="0" smtClean="0">
-              <a:solidFill>
-                <a:schemeClr val="tx1"/>
-              </a:solidFill>
-              <a:latin typeface="メイリオ"/>
-              <a:ea typeface="メイリオ"/>
-              <a:cs typeface="メイリオ"/>
-            </a:endParaRPr>
-          </a:p>
-        </p:txBody>
-      </p:sp>
-      <p:pic>
-        <p:nvPicPr>
-          <p:cNvPr id="2" name="Picture 1"/>
-          <p:cNvPicPr>
-            <a:picLocks noChangeAspect="1"/>
-          </p:cNvPicPr>
-          <p:nvPr/>
-        </p:nvPicPr>
-        <p:blipFill>
-          <a:blip r:embed="rId2"/>
-          <a:stretch>
-            <a:fillRect/>
-          </a:stretch>
-        </p:blipFill>
-        <p:spPr>
-          <a:xfrm>
-            <a:off x="4322121" y="311658"/>
-            <a:ext cx="4677359" cy="4038927"/>
-          </a:xfrm>
-          <a:prstGeom prst="rect">
-            <a:avLst/>
-          </a:prstGeom>
-        </p:spPr>
-      </p:pic>
-      <p:sp>
-        <p:nvSpPr>
-          <p:cNvPr id="8" name="Rectangle 7"/>
-          <p:cNvSpPr/>
-          <p:nvPr/>
-        </p:nvSpPr>
-        <p:spPr>
-          <a:xfrm>
-            <a:off x="7657197" y="3558678"/>
-            <a:ext cx="1106458" cy="314371"/>
-          </a:xfrm>
-          <a:prstGeom prst="rect">
-            <a:avLst/>
-          </a:prstGeom>
-          <a:noFill/>
-          <a:ln>
-            <a:solidFill>
-              <a:srgbClr val="FF0000"/>
-            </a:solidFill>
-            <a:prstDash val="sysDash"/>
-          </a:ln>
-          <a:effectLst/>
-        </p:spPr>
-        <p:style>
-          <a:lnRef idx="1">
-            <a:schemeClr val="accent1"/>
-          </a:lnRef>
-          <a:fillRef idx="3">
-            <a:schemeClr val="accent1"/>
-          </a:fillRef>
-          <a:effectRef idx="2">
-            <a:schemeClr val="accent1"/>
-          </a:effectRef>
-          <a:fontRef idx="minor">
-            <a:schemeClr val="lt1"/>
-          </a:fontRef>
-        </p:style>
-        <p:txBody>
-          <a:bodyPr rtlCol="0" anchor="ctr"/>
-          <a:lstStyle/>
-          <a:p>
-            <a:pPr algn="ctr"/>
-            <a:endParaRPr lang="en-US" dirty="0"/>
-          </a:p>
-        </p:txBody>
-      </p:sp>
-    </p:spTree>
-    <p:extLst>
-      <p:ext uri="{BB962C8B-B14F-4D97-AF65-F5344CB8AC3E}">
-        <p14:creationId xmlns:p14="http://schemas.microsoft.com/office/powerpoint/2010/main" val="1241896913"/>
-      </p:ext>
-    </p:extLst>
-  </p:cSld>
-  <p:clrMapOvr>
-    <a:masterClrMapping/>
-  </p:clrMapOvr>
-  <p:timing>
-    <p:tnLst>
-      <p:par>
-        <p:cTn xmlns:p14="http://schemas.microsoft.com/office/powerpoint/2010/main" id="1" dur="indefinite" restart="never" nodeType="tmRoot"/>
-      </p:par>
-    </p:tnLst>
-  </p:timing>
-</p:sld>
-</file>
-
-<file path=ppt/slides/slide18.xml><?xml version="1.0" encoding="utf-8"?>
 <p:sld xmlns:a="http://schemas.openxmlformats.org/drawingml/2006/main" xmlns:r="http://schemas.openxmlformats.org/officeDocument/2006/relationships" xmlns:p="http://schemas.openxmlformats.org/presentationml/2006/main">
   <p:cSld>
     <p:spTree>
@@ -6704,7 +5611,7 @@
         <p:spPr>
           <a:xfrm>
             <a:off x="397704" y="448969"/>
-            <a:ext cx="8326140" cy="3694373"/>
+            <a:ext cx="8326140" cy="4014221"/>
           </a:xfrm>
           <a:prstGeom prst="rect">
             <a:avLst/>
@@ -6736,61 +5643,6 @@
           <a:bodyPr rtlCol="0" anchor="ctr"/>
           <a:lstStyle/>
           <a:p>
-            <a:r>
-              <a:rPr lang="ja-JP" altLang="en-US" dirty="0" smtClean="0">
-                <a:solidFill>
-                  <a:srgbClr val="000000"/>
-                </a:solidFill>
-                <a:latin typeface="メイリオ"/>
-                <a:ea typeface="メイリオ"/>
-                <a:cs typeface="メイリオ"/>
-              </a:rPr>
-              <a:t>子供に気付かれないように、携帯電話に</a:t>
-            </a:r>
-            <a:r>
-              <a:rPr lang="en-US" altLang="ja-JP" dirty="0" smtClean="0">
-                <a:solidFill>
-                  <a:srgbClr val="000000"/>
-                </a:solidFill>
-                <a:latin typeface="メイリオ"/>
-                <a:ea typeface="メイリオ"/>
-                <a:cs typeface="メイリオ"/>
-              </a:rPr>
-              <a:t>SANTA</a:t>
-            </a:r>
-            <a:r>
-              <a:rPr lang="ja-JP" altLang="en-US" dirty="0" smtClean="0">
-                <a:solidFill>
-                  <a:srgbClr val="000000"/>
-                </a:solidFill>
-                <a:latin typeface="メイリオ"/>
-                <a:ea typeface="メイリオ"/>
-                <a:cs typeface="メイリオ"/>
-              </a:rPr>
-              <a:t> </a:t>
-            </a:r>
-            <a:r>
-              <a:rPr lang="en-US" altLang="ja-JP" dirty="0" smtClean="0">
-                <a:solidFill>
-                  <a:srgbClr val="000000"/>
-                </a:solidFill>
-                <a:latin typeface="メイリオ"/>
-                <a:ea typeface="メイリオ"/>
-                <a:cs typeface="メイリオ"/>
-              </a:rPr>
-              <a:t>APP</a:t>
-            </a:r>
-            <a:r>
-              <a:rPr lang="ja-JP" altLang="en-US" dirty="0" smtClean="0">
-                <a:solidFill>
-                  <a:srgbClr val="000000"/>
-                </a:solidFill>
-                <a:latin typeface="メイリオ"/>
-                <a:ea typeface="メイリオ"/>
-                <a:cs typeface="メイリオ"/>
-              </a:rPr>
-              <a:t>をインストール</a:t>
-            </a:r>
             <a:endParaRPr lang="en-US" altLang="ja-JP" dirty="0" smtClean="0">
               <a:solidFill>
                 <a:srgbClr val="000000"/>
@@ -6801,6 +5653,82 @@
             </a:endParaRPr>
           </a:p>
           <a:p>
+            <a:r>
+              <a:rPr lang="ja-JP" altLang="en-US" dirty="0" smtClean="0">
+                <a:solidFill>
+                  <a:srgbClr val="000000"/>
+                </a:solidFill>
+                <a:latin typeface="メイリオ"/>
+                <a:ea typeface="メイリオ"/>
+                <a:cs typeface="メイリオ"/>
+              </a:rPr>
+              <a:t>子供</a:t>
+            </a:r>
+            <a:r>
+              <a:rPr lang="ja-JP" altLang="en-US" dirty="0" smtClean="0">
+                <a:solidFill>
+                  <a:srgbClr val="000000"/>
+                </a:solidFill>
+                <a:latin typeface="メイリオ"/>
+                <a:ea typeface="メイリオ"/>
+                <a:cs typeface="メイリオ"/>
+              </a:rPr>
+              <a:t>に気付かれないように、携帯電話に</a:t>
+            </a:r>
+            <a:r>
+              <a:rPr lang="en-US" altLang="ja-JP" dirty="0" smtClean="0">
+                <a:solidFill>
+                  <a:srgbClr val="000000"/>
+                </a:solidFill>
+                <a:latin typeface="メイリオ"/>
+                <a:ea typeface="メイリオ"/>
+                <a:cs typeface="メイリオ"/>
+              </a:rPr>
+              <a:t>SANTA</a:t>
+            </a:r>
+            <a:r>
+              <a:rPr lang="ja-JP" altLang="en-US" dirty="0" smtClean="0">
+                <a:solidFill>
+                  <a:srgbClr val="000000"/>
+                </a:solidFill>
+                <a:latin typeface="メイリオ"/>
+                <a:ea typeface="メイリオ"/>
+                <a:cs typeface="メイリオ"/>
+              </a:rPr>
+              <a:t> </a:t>
+            </a:r>
+            <a:r>
+              <a:rPr lang="en-US" altLang="ja-JP" dirty="0" smtClean="0">
+                <a:solidFill>
+                  <a:srgbClr val="000000"/>
+                </a:solidFill>
+                <a:latin typeface="メイリオ"/>
+                <a:ea typeface="メイリオ"/>
+                <a:cs typeface="メイリオ"/>
+              </a:rPr>
+              <a:t>APP</a:t>
+            </a:r>
+            <a:r>
+              <a:rPr lang="ja-JP" altLang="en-US" dirty="0" smtClean="0">
+                <a:solidFill>
+                  <a:srgbClr val="000000"/>
+                </a:solidFill>
+                <a:latin typeface="メイリオ"/>
+                <a:ea typeface="メイリオ"/>
+                <a:cs typeface="メイリオ"/>
+              </a:rPr>
+              <a:t>をインストール</a:t>
+            </a:r>
+            <a:endParaRPr lang="en-US" altLang="ja-JP" dirty="0" smtClean="0">
+              <a:solidFill>
+                <a:srgbClr val="000000"/>
+              </a:solidFill>
+              <a:latin typeface="メイリオ"/>
+              <a:ea typeface="メイリオ"/>
+              <a:cs typeface="メイリオ"/>
+            </a:endParaRPr>
+          </a:p>
+          <a:p>
             <a:endParaRPr lang="en-US" dirty="0">
               <a:solidFill>
                 <a:srgbClr val="000000"/>
@@ -6820,7 +5748,7 @@
                 <a:ea typeface="メイリオ"/>
                 <a:cs typeface="メイリオ"/>
               </a:rPr>
-              <a:t>クリスマス前（日付設定）に自動的に起動し、</a:t>
+              <a:t>クリスマス前に自動的に起動し、</a:t>
             </a:r>
             <a:r>
               <a:rPr lang="en-US" altLang="ja-JP" dirty="0" smtClean="0">
@@ -6842,7 +5770,28 @@
                 <a:ea typeface="メイリオ"/>
                 <a:cs typeface="メイリオ"/>
               </a:rPr>
-              <a:t>が子供の欲しいプレゼントをヒアリング</a:t>
+              <a:t>が子供の欲しいプレゼントを</a:t>
+            </a:r>
+            <a:endParaRPr lang="en-US" altLang="ja-JP" dirty="0" smtClean="0">
+              <a:solidFill>
+                <a:srgbClr val="000000"/>
+              </a:solidFill>
+              <a:latin typeface="メイリオ"/>
+              <a:ea typeface="メイリオ"/>
+              <a:cs typeface="メイリオ"/>
+            </a:endParaRPr>
+          </a:p>
+          <a:p>
+            <a:r>
+              <a:rPr lang="ja-JP" altLang="en-US" dirty="0" smtClean="0">
+                <a:solidFill>
+                  <a:srgbClr val="000000"/>
+                </a:solidFill>
+                <a:latin typeface="メイリオ"/>
+                <a:ea typeface="メイリオ"/>
+                <a:cs typeface="メイリオ"/>
+              </a:rPr>
+              <a:t>ヒアリング</a:t>
             </a:r>
             <a:endParaRPr lang="en-US" altLang="ja-JP" dirty="0" smtClean="0">
               <a:solidFill>
@@ -7005,6 +5954,46 @@
           </a:prstGeom>
         </p:spPr>
       </p:pic>
+      <p:sp>
+        <p:nvSpPr>
+          <p:cNvPr id="4" name="TextBox 3"/>
+          <p:cNvSpPr txBox="1"/>
+          <p:nvPr/>
+        </p:nvSpPr>
+        <p:spPr>
+          <a:xfrm>
+            <a:off x="639179" y="52822"/>
+            <a:ext cx="1107996" cy="646331"/>
+          </a:xfrm>
+          <a:prstGeom prst="rect">
+            <a:avLst/>
+          </a:prstGeom>
+          <a:solidFill>
+            <a:srgbClr val="FFFFFF"/>
+          </a:solidFill>
+        </p:spPr>
+        <p:txBody>
+          <a:bodyPr wrap="none" rtlCol="0">
+            <a:spAutoFit/>
+          </a:bodyPr>
+          <a:lstStyle/>
+          <a:p>
+            <a:r>
+              <a:rPr lang="ja-JP" altLang="en-US" sz="3600" b="1" dirty="0" smtClean="0">
+                <a:latin typeface="メイリオ"/>
+                <a:ea typeface="メイリオ"/>
+                <a:cs typeface="メイリオ"/>
+              </a:rPr>
+              <a:t>概要</a:t>
+            </a:r>
+            <a:endParaRPr lang="en-US" sz="3600" b="1" dirty="0">
+              <a:latin typeface="メイリオ"/>
+              <a:ea typeface="メイリオ"/>
+              <a:cs typeface="メイリオ"/>
+            </a:endParaRPr>
+          </a:p>
+        </p:txBody>
+      </p:sp>
     </p:spTree>
     <p:extLst>
       <p:ext uri="{BB962C8B-B14F-4D97-AF65-F5344CB8AC3E}">
@@ -7044,602 +6033,46 @@
       </p:grpSpPr>
       <p:sp>
         <p:nvSpPr>
-          <p:cNvPr id="4" name="Rectangle 3"/>
-          <p:cNvSpPr/>
+          <p:cNvPr id="3" name="TextBox 2"/>
+          <p:cNvSpPr txBox="1"/>
           <p:nvPr/>
         </p:nvSpPr>
         <p:spPr>
           <a:xfrm>
-            <a:off x="397703" y="448969"/>
-            <a:ext cx="8453965" cy="2028273"/>
+            <a:off x="520483" y="2967910"/>
+            <a:ext cx="3416320" cy="646331"/>
           </a:xfrm>
           <a:prstGeom prst="rect">
             <a:avLst/>
           </a:prstGeom>
-          <a:solidFill>
-            <a:srgbClr val="FFFFFF"/>
-          </a:solidFill>
-          <a:ln>
-            <a:solidFill>
-              <a:srgbClr val="000000"/>
-            </a:solidFill>
-          </a:ln>
-        </p:spPr>
-        <p:style>
-          <a:lnRef idx="1">
-            <a:schemeClr val="accent1"/>
-          </a:lnRef>
-          <a:fillRef idx="3">
-            <a:schemeClr val="accent1"/>
-          </a:fillRef>
-          <a:effectRef idx="2">
-            <a:schemeClr val="accent1"/>
-          </a:effectRef>
-          <a:fontRef idx="minor">
-            <a:schemeClr val="lt1"/>
-          </a:fontRef>
-        </p:style>
-        <p:txBody>
-          <a:bodyPr numCol="3" rtlCol="0" anchor="ctr"/>
-          <a:lstStyle/>
-          <a:p>
-            <a:pPr marL="285750" indent="-285750">
-              <a:buFont typeface="Wingdings" charset="2"/>
-              <a:buChar char="ü"/>
-            </a:pPr>
-            <a:r>
-              <a:rPr lang="ja-JP" altLang="en-US" dirty="0" smtClean="0">
-                <a:solidFill>
-                  <a:srgbClr val="000000"/>
-                </a:solidFill>
-                <a:latin typeface="メイリオ"/>
-                <a:ea typeface="メイリオ"/>
-                <a:cs typeface="メイリオ"/>
-              </a:rPr>
-              <a:t>年齢 </a:t>
-            </a:r>
-            <a:r>
-              <a:rPr lang="en-US" altLang="ja-JP" dirty="0" smtClean="0">
-                <a:solidFill>
-                  <a:srgbClr val="000000"/>
-                </a:solidFill>
-                <a:latin typeface="メイリオ"/>
-                <a:ea typeface="メイリオ"/>
-                <a:cs typeface="メイリオ"/>
-              </a:rPr>
-              <a:t>30-40</a:t>
-            </a:r>
-            <a:r>
-              <a:rPr lang="ja-JP" altLang="en-US" dirty="0" smtClean="0">
-                <a:solidFill>
-                  <a:srgbClr val="000000"/>
-                </a:solidFill>
-                <a:latin typeface="メイリオ"/>
-                <a:ea typeface="メイリオ"/>
-                <a:cs typeface="メイリオ"/>
-              </a:rPr>
-              <a:t>歳</a:t>
-            </a:r>
-            <a:endParaRPr lang="en-US" altLang="ja-JP" dirty="0" smtClean="0">
-              <a:solidFill>
-                <a:srgbClr val="000000"/>
-              </a:solidFill>
+          <a:noFill/>
+        </p:spPr>
+        <p:txBody>
+          <a:bodyPr wrap="none" rtlCol="0">
+            <a:spAutoFit/>
+          </a:bodyPr>
+          <a:lstStyle/>
+          <a:p>
+            <a:r>
+              <a:rPr lang="ja-JP" altLang="en-US" sz="3600" b="1" u="sng" dirty="0" smtClean="0">
+                <a:latin typeface="メイリオ"/>
+                <a:ea typeface="メイリオ"/>
+                <a:cs typeface="メイリオ"/>
+              </a:rPr>
+              <a:t>使い方イメージ</a:t>
+            </a:r>
+            <a:endParaRPr lang="en-US" sz="3600" b="1" u="sng" dirty="0">
               <a:latin typeface="メイリオ"/>
               <a:ea typeface="メイリオ"/>
               <a:cs typeface="メイリオ"/>
             </a:endParaRPr>
           </a:p>
-          <a:p>
-            <a:pPr marL="285750" indent="-285750">
-              <a:buFont typeface="Wingdings" charset="2"/>
-              <a:buChar char="ü"/>
-            </a:pPr>
-            <a:endParaRPr lang="en-US" altLang="ja-JP" dirty="0">
-              <a:solidFill>
-                <a:srgbClr val="000000"/>
-              </a:solidFill>
-              <a:latin typeface="メイリオ"/>
-              <a:ea typeface="メイリオ"/>
-              <a:cs typeface="メイリオ"/>
-            </a:endParaRPr>
-          </a:p>
-          <a:p>
-            <a:pPr marL="285750" indent="-285750">
-              <a:buFont typeface="Wingdings" charset="2"/>
-              <a:buChar char="ü"/>
-            </a:pPr>
-            <a:r>
-              <a:rPr lang="ja-JP" altLang="en-US" dirty="0" smtClean="0">
-                <a:solidFill>
-                  <a:srgbClr val="000000"/>
-                </a:solidFill>
-                <a:latin typeface="メイリオ"/>
-                <a:ea typeface="メイリオ"/>
-                <a:cs typeface="メイリオ"/>
-              </a:rPr>
-              <a:t>夫婦ともに　　　　　　　　　　　　　　　　</a:t>
-            </a:r>
-            <a:endParaRPr lang="en-US" altLang="ja-JP" dirty="0" smtClean="0">
-              <a:solidFill>
-                <a:srgbClr val="000000"/>
-              </a:solidFill>
-              <a:latin typeface="メイリオ"/>
-              <a:ea typeface="メイリオ"/>
-              <a:cs typeface="メイリオ"/>
-            </a:endParaRPr>
-          </a:p>
-          <a:p>
-            <a:endParaRPr lang="en-US" altLang="ja-JP" dirty="0" smtClean="0">
-              <a:solidFill>
-                <a:srgbClr val="000000"/>
-              </a:solidFill>
-              <a:latin typeface="メイリオ"/>
-              <a:ea typeface="メイリオ"/>
-              <a:cs typeface="メイリオ"/>
-            </a:endParaRPr>
-          </a:p>
-          <a:p>
-            <a:endParaRPr lang="en-US" altLang="ja-JP" dirty="0" smtClean="0">
-              <a:solidFill>
-                <a:srgbClr val="000000"/>
-              </a:solidFill>
-              <a:latin typeface="メイリオ"/>
-              <a:ea typeface="メイリオ"/>
-              <a:cs typeface="メイリオ"/>
-            </a:endParaRPr>
-          </a:p>
-          <a:p>
-            <a:endParaRPr lang="en-US" altLang="ja-JP" dirty="0">
-              <a:solidFill>
-                <a:srgbClr val="000000"/>
-              </a:solidFill>
-              <a:latin typeface="メイリオ"/>
-              <a:ea typeface="メイリオ"/>
-              <a:cs typeface="メイリオ"/>
-            </a:endParaRPr>
-          </a:p>
-          <a:p>
-            <a:endParaRPr lang="en-US" altLang="ja-JP" dirty="0" smtClean="0">
-              <a:solidFill>
-                <a:srgbClr val="000000"/>
-              </a:solidFill>
-              <a:latin typeface="メイリオ"/>
-              <a:ea typeface="メイリオ"/>
-              <a:cs typeface="メイリオ"/>
-            </a:endParaRPr>
-          </a:p>
-        </p:txBody>
-      </p:sp>
-      <p:sp>
-        <p:nvSpPr>
-          <p:cNvPr id="10" name="Rectangle 9"/>
-          <p:cNvSpPr/>
-          <p:nvPr/>
-        </p:nvSpPr>
-        <p:spPr>
-          <a:xfrm>
-            <a:off x="397703" y="3181433"/>
-            <a:ext cx="3914971" cy="3043110"/>
-          </a:xfrm>
-          <a:prstGeom prst="rect">
-            <a:avLst/>
-          </a:prstGeom>
-          <a:solidFill>
-            <a:srgbClr val="FFFFFF"/>
-          </a:solidFill>
-          <a:ln w="9525" cmpd="sng">
-            <a:solidFill>
-              <a:srgbClr val="000000"/>
-            </a:solidFill>
-          </a:ln>
-        </p:spPr>
-        <p:style>
-          <a:lnRef idx="1">
-            <a:schemeClr val="accent1"/>
-          </a:lnRef>
-          <a:fillRef idx="3">
-            <a:schemeClr val="accent1"/>
-          </a:fillRef>
-          <a:effectRef idx="2">
-            <a:schemeClr val="accent1"/>
-          </a:effectRef>
-          <a:fontRef idx="minor">
-            <a:schemeClr val="lt1"/>
-          </a:fontRef>
-        </p:style>
-        <p:txBody>
-          <a:bodyPr rtlCol="0" anchor="ctr"/>
-          <a:lstStyle/>
-          <a:p>
-            <a:pPr marL="285750" indent="-285750">
-              <a:buFont typeface="Wingdings" charset="2"/>
-              <a:buChar char="ü"/>
-            </a:pPr>
-            <a:r>
-              <a:rPr lang="ja-JP" altLang="en-US" dirty="0" smtClean="0">
-                <a:solidFill>
-                  <a:schemeClr val="tx1"/>
-                </a:solidFill>
-              </a:rPr>
-              <a:t>年齢　</a:t>
-            </a:r>
-            <a:r>
-              <a:rPr lang="en-US" altLang="ja-JP" dirty="0" smtClean="0">
-                <a:solidFill>
-                  <a:schemeClr val="tx1"/>
-                </a:solidFill>
-              </a:rPr>
-              <a:t>3</a:t>
-            </a:r>
-            <a:r>
-              <a:rPr lang="ja-JP" altLang="en-US" dirty="0" smtClean="0">
-                <a:solidFill>
-                  <a:schemeClr val="tx1"/>
-                </a:solidFill>
-              </a:rPr>
-              <a:t> </a:t>
-            </a:r>
-            <a:r>
-              <a:rPr lang="en-US" altLang="ja-JP" dirty="0" smtClean="0">
-                <a:solidFill>
-                  <a:schemeClr val="tx1"/>
-                </a:solidFill>
-              </a:rPr>
-              <a:t>–</a:t>
-            </a:r>
-            <a:r>
-              <a:rPr lang="ja-JP" altLang="en-US" dirty="0" smtClean="0">
-                <a:solidFill>
-                  <a:schemeClr val="tx1"/>
-                </a:solidFill>
-              </a:rPr>
-              <a:t> </a:t>
-            </a:r>
-            <a:r>
-              <a:rPr lang="en-US" altLang="ja-JP" dirty="0" smtClean="0">
-                <a:solidFill>
-                  <a:schemeClr val="tx1"/>
-                </a:solidFill>
-              </a:rPr>
-              <a:t>12</a:t>
-            </a:r>
-            <a:r>
-              <a:rPr lang="ja-JP" altLang="en-US" dirty="0" smtClean="0">
-                <a:solidFill>
-                  <a:schemeClr val="tx1"/>
-                </a:solidFill>
-              </a:rPr>
-              <a:t>歳</a:t>
-            </a:r>
-            <a:endParaRPr lang="en-US" altLang="ja-JP" dirty="0" smtClean="0">
-              <a:solidFill>
-                <a:schemeClr val="tx1"/>
-              </a:solidFill>
-            </a:endParaRPr>
-          </a:p>
-          <a:p>
-            <a:pPr marL="285750" indent="-285750">
-              <a:buFont typeface="Wingdings" charset="2"/>
-              <a:buChar char="ü"/>
-            </a:pPr>
-            <a:endParaRPr lang="en-US" altLang="ja-JP" dirty="0">
-              <a:solidFill>
-                <a:schemeClr val="tx1"/>
-              </a:solidFill>
-            </a:endParaRPr>
-          </a:p>
-          <a:p>
-            <a:pPr marL="285750" indent="-285750">
-              <a:buFont typeface="Wingdings" charset="2"/>
-              <a:buChar char="ü"/>
-            </a:pPr>
-            <a:r>
-              <a:rPr lang="ja-JP" altLang="en-US" dirty="0" smtClean="0">
-                <a:solidFill>
-                  <a:schemeClr val="tx1"/>
-                </a:solidFill>
-              </a:rPr>
-              <a:t>親がインストール</a:t>
-            </a:r>
-            <a:endParaRPr lang="en-US" altLang="ja-JP" dirty="0" smtClean="0">
-              <a:solidFill>
-                <a:schemeClr val="tx1"/>
-              </a:solidFill>
-            </a:endParaRPr>
-          </a:p>
-          <a:p>
-            <a:pPr marL="285750" indent="-285750">
-              <a:buFont typeface="Wingdings" charset="2"/>
-              <a:buChar char="ü"/>
-            </a:pPr>
-            <a:endParaRPr lang="en-US" altLang="ja-JP" dirty="0">
-              <a:solidFill>
-                <a:schemeClr val="tx1"/>
-              </a:solidFill>
-            </a:endParaRPr>
-          </a:p>
-          <a:p>
-            <a:pPr marL="285750" indent="-285750">
-              <a:buFont typeface="Wingdings" charset="2"/>
-              <a:buChar char="ü"/>
-            </a:pPr>
-            <a:r>
-              <a:rPr lang="ja-JP" altLang="en-US" dirty="0" smtClean="0">
-                <a:solidFill>
-                  <a:schemeClr val="tx1"/>
-                </a:solidFill>
-              </a:rPr>
-              <a:t>文字でのコミュニケーションができない可能性があるので、チャットの文章を読み上げる機能つき</a:t>
-            </a:r>
-            <a:endParaRPr lang="en-US" altLang="ja-JP" dirty="0" smtClean="0">
-              <a:solidFill>
-                <a:schemeClr val="tx1"/>
-              </a:solidFill>
-            </a:endParaRPr>
-          </a:p>
-          <a:p>
-            <a:pPr marL="285750" indent="-285750">
-              <a:buFont typeface="Wingdings" charset="2"/>
-              <a:buChar char="ü"/>
-            </a:pPr>
-            <a:endParaRPr lang="en-US" altLang="ja-JP" dirty="0">
-              <a:solidFill>
-                <a:schemeClr val="tx1"/>
-              </a:solidFill>
-            </a:endParaRPr>
-          </a:p>
-          <a:p>
-            <a:pPr marL="285750" indent="-285750">
-              <a:buFont typeface="Wingdings" charset="2"/>
-              <a:buChar char="ü"/>
-            </a:pPr>
-            <a:endParaRPr lang="en-US" altLang="ja-JP" dirty="0" smtClean="0">
-              <a:solidFill>
-                <a:schemeClr val="tx1"/>
-              </a:solidFill>
-            </a:endParaRPr>
-          </a:p>
-        </p:txBody>
-      </p:sp>
-      <p:sp>
-        <p:nvSpPr>
-          <p:cNvPr id="11" name="Rectangle 10"/>
-          <p:cNvSpPr/>
-          <p:nvPr/>
-        </p:nvSpPr>
-        <p:spPr>
-          <a:xfrm>
-            <a:off x="4623883" y="3181433"/>
-            <a:ext cx="3914971" cy="3043110"/>
-          </a:xfrm>
-          <a:prstGeom prst="rect">
-            <a:avLst/>
-          </a:prstGeom>
-          <a:solidFill>
-            <a:srgbClr val="FFFFFF"/>
-          </a:solidFill>
-          <a:ln w="9525" cmpd="sng">
-            <a:solidFill>
-              <a:srgbClr val="000000"/>
-            </a:solidFill>
-          </a:ln>
-        </p:spPr>
-        <p:style>
-          <a:lnRef idx="1">
-            <a:schemeClr val="accent1"/>
-          </a:lnRef>
-          <a:fillRef idx="3">
-            <a:schemeClr val="accent1"/>
-          </a:fillRef>
-          <a:effectRef idx="2">
-            <a:schemeClr val="accent1"/>
-          </a:effectRef>
-          <a:fontRef idx="minor">
-            <a:schemeClr val="lt1"/>
-          </a:fontRef>
-        </p:style>
-        <p:txBody>
-          <a:bodyPr rtlCol="0" anchor="ctr"/>
-          <a:lstStyle/>
-          <a:p>
-            <a:pPr marL="285750" indent="-285750">
-              <a:buFont typeface="Wingdings" charset="2"/>
-              <a:buChar char="ü"/>
-            </a:pPr>
-            <a:r>
-              <a:rPr lang="ja-JP" altLang="en-US" dirty="0" smtClean="0">
-                <a:solidFill>
-                  <a:schemeClr val="tx1"/>
-                </a:solidFill>
-              </a:rPr>
-              <a:t>年齢　</a:t>
-            </a:r>
-            <a:r>
-              <a:rPr lang="en-US" altLang="ja-JP" dirty="0" smtClean="0">
-                <a:solidFill>
-                  <a:schemeClr val="tx1"/>
-                </a:solidFill>
-              </a:rPr>
-              <a:t>13</a:t>
-            </a:r>
-            <a:r>
-              <a:rPr lang="ja-JP" altLang="en-US" dirty="0" smtClean="0">
-                <a:solidFill>
-                  <a:schemeClr val="tx1"/>
-                </a:solidFill>
-              </a:rPr>
-              <a:t>歳以上</a:t>
-            </a:r>
-            <a:endParaRPr lang="en-US" altLang="ja-JP" dirty="0" smtClean="0">
-              <a:solidFill>
-                <a:schemeClr val="tx1"/>
-              </a:solidFill>
-            </a:endParaRPr>
-          </a:p>
-          <a:p>
-            <a:pPr marL="285750" indent="-285750">
-              <a:buFont typeface="Wingdings" charset="2"/>
-              <a:buChar char="ü"/>
-            </a:pPr>
-            <a:endParaRPr lang="en-US" altLang="ja-JP" dirty="0">
-              <a:solidFill>
-                <a:schemeClr val="tx1"/>
-              </a:solidFill>
-            </a:endParaRPr>
-          </a:p>
-          <a:p>
-            <a:pPr marL="285750" indent="-285750">
-              <a:buFont typeface="Wingdings" charset="2"/>
-              <a:buChar char="ü"/>
-            </a:pPr>
-            <a:r>
-              <a:rPr lang="ja-JP" altLang="en-US" dirty="0" smtClean="0">
-                <a:solidFill>
-                  <a:schemeClr val="tx1"/>
-                </a:solidFill>
-              </a:rPr>
-              <a:t>自分でインストール</a:t>
-            </a:r>
-            <a:endParaRPr lang="en-US" altLang="ja-JP" dirty="0" smtClean="0">
-              <a:solidFill>
-                <a:schemeClr val="tx1"/>
-              </a:solidFill>
-            </a:endParaRPr>
-          </a:p>
-          <a:p>
-            <a:pPr marL="285750" indent="-285750">
-              <a:buFont typeface="Wingdings" charset="2"/>
-              <a:buChar char="ü"/>
-            </a:pPr>
-            <a:endParaRPr lang="en-US" altLang="ja-JP" dirty="0">
-              <a:solidFill>
-                <a:schemeClr val="tx1"/>
-              </a:solidFill>
-            </a:endParaRPr>
-          </a:p>
-          <a:p>
-            <a:pPr marL="285750" indent="-285750">
-              <a:buFont typeface="Wingdings" charset="2"/>
-              <a:buChar char="ü"/>
-            </a:pPr>
-            <a:r>
-              <a:rPr lang="ja-JP" altLang="en-US" dirty="0" smtClean="0">
-                <a:solidFill>
-                  <a:schemeClr val="tx1"/>
-                </a:solidFill>
-              </a:rPr>
-              <a:t>住所、名前から親を特定し、連絡</a:t>
-            </a:r>
-            <a:endParaRPr lang="en-US" altLang="ja-JP" dirty="0">
-              <a:solidFill>
-                <a:schemeClr val="tx1"/>
-              </a:solidFill>
-            </a:endParaRPr>
-          </a:p>
-          <a:p>
-            <a:pPr marL="285750" indent="-285750">
-              <a:buFont typeface="Wingdings" charset="2"/>
-              <a:buChar char="ü"/>
-            </a:pPr>
-            <a:endParaRPr lang="en-US" altLang="ja-JP" dirty="0">
-              <a:solidFill>
-                <a:schemeClr val="tx1"/>
-              </a:solidFill>
-            </a:endParaRPr>
-          </a:p>
-          <a:p>
-            <a:pPr marL="285750" indent="-285750">
-              <a:buFont typeface="Wingdings" charset="2"/>
-              <a:buChar char="ü"/>
-            </a:pPr>
-            <a:endParaRPr lang="en-US" altLang="ja-JP" dirty="0" smtClean="0">
-              <a:solidFill>
-                <a:schemeClr val="tx1"/>
-              </a:solidFill>
-            </a:endParaRPr>
-          </a:p>
-          <a:p>
-            <a:pPr marL="285750" indent="-285750">
-              <a:buFont typeface="Wingdings" charset="2"/>
-              <a:buChar char="ü"/>
-            </a:pPr>
-            <a:endParaRPr lang="en-US" altLang="ja-JP" dirty="0">
-              <a:solidFill>
-                <a:schemeClr val="tx1"/>
-              </a:solidFill>
-            </a:endParaRPr>
-          </a:p>
-          <a:p>
-            <a:pPr marL="285750" indent="-285750">
-              <a:buFont typeface="Wingdings" charset="2"/>
-              <a:buChar char="ü"/>
-            </a:pPr>
-            <a:endParaRPr lang="en-US" altLang="ja-JP" dirty="0" smtClean="0">
-              <a:solidFill>
-                <a:schemeClr val="tx1"/>
-              </a:solidFill>
-            </a:endParaRPr>
-          </a:p>
-        </p:txBody>
-      </p:sp>
-      <p:sp>
-        <p:nvSpPr>
-          <p:cNvPr id="2" name="Rounded Rectangle 1"/>
-          <p:cNvSpPr/>
-          <p:nvPr/>
-        </p:nvSpPr>
-        <p:spPr>
-          <a:xfrm>
-            <a:off x="1647114" y="1735327"/>
-            <a:ext cx="4953917" cy="2099997"/>
-          </a:xfrm>
-          <a:prstGeom prst="roundRect">
-            <a:avLst/>
-          </a:prstGeom>
-        </p:spPr>
-        <p:style>
-          <a:lnRef idx="1">
-            <a:schemeClr val="accent1"/>
-          </a:lnRef>
-          <a:fillRef idx="3">
-            <a:schemeClr val="accent1"/>
-          </a:fillRef>
-          <a:effectRef idx="2">
-            <a:schemeClr val="accent1"/>
-          </a:effectRef>
-          <a:fontRef idx="minor">
-            <a:schemeClr val="lt1"/>
-          </a:fontRef>
-        </p:style>
-        <p:txBody>
-          <a:bodyPr rtlCol="0" anchor="ctr"/>
-          <a:lstStyle/>
-          <a:p>
-            <a:pPr algn="ctr"/>
-            <a:r>
-              <a:rPr lang="ja-JP" altLang="en-US" dirty="0" smtClean="0"/>
-              <a:t>ターゲット像</a:t>
-            </a:r>
-            <a:endParaRPr lang="en-US" altLang="ja-JP" dirty="0" smtClean="0"/>
-          </a:p>
-          <a:p>
-            <a:pPr algn="ctr"/>
-            <a:endParaRPr lang="en-US" dirty="0"/>
-          </a:p>
-          <a:p>
-            <a:pPr algn="ctr"/>
-            <a:r>
-              <a:rPr lang="ja-JP" altLang="en-US" dirty="0" smtClean="0"/>
-              <a:t>削除か作り込むか検討</a:t>
-            </a:r>
-            <a:endParaRPr lang="en-US" dirty="0"/>
-          </a:p>
         </p:txBody>
       </p:sp>
     </p:spTree>
     <p:extLst>
       <p:ext uri="{BB962C8B-B14F-4D97-AF65-F5344CB8AC3E}">
-        <p14:creationId xmlns:p14="http://schemas.microsoft.com/office/powerpoint/2010/main" val="2728280455"/>
+        <p14:creationId xmlns:p14="http://schemas.microsoft.com/office/powerpoint/2010/main" val="3587152995"/>
       </p:ext>
     </p:extLst>
   </p:cSld>
@@ -7673,37 +6106,137 @@
           <a:chExt cx="0" cy="0"/>
         </a:xfrm>
       </p:grpSpPr>
-      <p:sp>
-        <p:nvSpPr>
-          <p:cNvPr id="3" name="TextBox 2"/>
-          <p:cNvSpPr txBox="1"/>
+      <p:pic>
+        <p:nvPicPr>
+          <p:cNvPr id="2" name="Picture 1"/>
+          <p:cNvPicPr>
+            <a:picLocks noChangeAspect="1"/>
+          </p:cNvPicPr>
           <p:nvPr/>
-        </p:nvSpPr>
-        <p:spPr>
-          <a:xfrm>
-            <a:off x="520483" y="2967910"/>
-            <a:ext cx="3416320" cy="646331"/>
+        </p:nvPicPr>
+        <p:blipFill>
+          <a:blip r:embed="rId2"/>
+          <a:stretch>
+            <a:fillRect/>
+          </a:stretch>
+        </p:blipFill>
+        <p:spPr>
+          <a:xfrm>
+            <a:off x="4183130" y="2475743"/>
+            <a:ext cx="4147371" cy="4202669"/>
           </a:xfrm>
           <a:prstGeom prst="rect">
             <a:avLst/>
           </a:prstGeom>
-          <a:noFill/>
-        </p:spPr>
-        <p:txBody>
-          <a:bodyPr wrap="none" rtlCol="0">
-            <a:spAutoFit/>
-          </a:bodyPr>
-          <a:lstStyle/>
-          <a:p>
-            <a:r>
-              <a:rPr lang="ja-JP" altLang="en-US" sz="3600" b="1" u="sng" dirty="0" smtClean="0">
-                <a:latin typeface="メイリオ"/>
-                <a:ea typeface="メイリオ"/>
-                <a:cs typeface="メイリオ"/>
-              </a:rPr>
-              <a:t>使い方イメージ</a:t>
-            </a:r>
-            <a:endParaRPr lang="en-US" sz="3600" b="1" u="sng" dirty="0">
+        </p:spPr>
+      </p:pic>
+      <p:sp>
+        <p:nvSpPr>
+          <p:cNvPr id="11" name="Cloud Callout 10"/>
+          <p:cNvSpPr/>
+          <p:nvPr/>
+        </p:nvSpPr>
+        <p:spPr>
+          <a:xfrm>
+            <a:off x="781591" y="629785"/>
+            <a:ext cx="5678743" cy="1845958"/>
+          </a:xfrm>
+          <a:prstGeom prst="cloudCallout">
+            <a:avLst>
+              <a:gd name="adj1" fmla="val 35355"/>
+              <a:gd name="adj2" fmla="val 62500"/>
+            </a:avLst>
+          </a:prstGeom>
+          <a:solidFill>
+            <a:srgbClr val="FFFFFF"/>
+          </a:solidFill>
+          <a:ln>
+            <a:solidFill>
+              <a:schemeClr val="tx1"/>
+            </a:solidFill>
+          </a:ln>
+        </p:spPr>
+        <p:style>
+          <a:lnRef idx="1">
+            <a:schemeClr val="accent1"/>
+          </a:lnRef>
+          <a:fillRef idx="3">
+            <a:schemeClr val="accent1"/>
+          </a:fillRef>
+          <a:effectRef idx="2">
+            <a:schemeClr val="accent1"/>
+          </a:effectRef>
+          <a:fontRef idx="minor">
+            <a:schemeClr val="lt1"/>
+          </a:fontRef>
+        </p:style>
+        <p:txBody>
+          <a:bodyPr rtlCol="0" anchor="ctr"/>
+          <a:lstStyle/>
+          <a:p>
+            <a:pPr algn="ctr"/>
+            <a:r>
+              <a:rPr lang="ja-JP" altLang="en-US" dirty="0" smtClean="0">
+                <a:solidFill>
+                  <a:schemeClr val="tx1"/>
+                </a:solidFill>
+                <a:latin typeface="メイリオ"/>
+                <a:ea typeface="メイリオ"/>
+                <a:cs typeface="メイリオ"/>
+              </a:rPr>
+              <a:t>サンタさん</a:t>
+            </a:r>
+            <a:r>
+              <a:rPr lang="en-US" altLang="ja-JP" dirty="0" smtClean="0">
+                <a:solidFill>
+                  <a:schemeClr val="tx1"/>
+                </a:solidFill>
+                <a:latin typeface="メイリオ"/>
+                <a:ea typeface="メイリオ"/>
+                <a:cs typeface="メイリオ"/>
+              </a:rPr>
+              <a:t>, </a:t>
+            </a:r>
+          </a:p>
+          <a:p>
+            <a:pPr algn="ctr"/>
+            <a:r>
+              <a:rPr lang="ja-JP" altLang="en-US" dirty="0" smtClean="0">
+                <a:solidFill>
+                  <a:schemeClr val="tx1"/>
+                </a:solidFill>
+                <a:latin typeface="メイリオ"/>
+                <a:ea typeface="メイリオ"/>
+                <a:cs typeface="メイリオ"/>
+              </a:rPr>
+              <a:t>今年も良い子にしてたので、</a:t>
+            </a:r>
+            <a:r>
+              <a:rPr lang="en-US" altLang="ja-JP" dirty="0" smtClean="0">
+                <a:solidFill>
+                  <a:schemeClr val="tx1"/>
+                </a:solidFill>
+                <a:latin typeface="メイリオ"/>
+                <a:ea typeface="メイリオ"/>
+                <a:cs typeface="メイリオ"/>
+              </a:rPr>
+              <a:t>-----</a:t>
+            </a:r>
+            <a:r>
+              <a:rPr lang="ja-JP" altLang="en-US" dirty="0" smtClean="0">
+                <a:solidFill>
+                  <a:schemeClr val="tx1"/>
+                </a:solidFill>
+                <a:latin typeface="メイリオ"/>
+                <a:ea typeface="メイリオ"/>
+                <a:cs typeface="メイリオ"/>
+              </a:rPr>
+              <a:t>をください。</a:t>
+            </a:r>
+            <a:endParaRPr lang="en-US" altLang="ja-JP" dirty="0" smtClean="0">
+              <a:solidFill>
+                <a:schemeClr val="tx1"/>
+              </a:solidFill>
               <a:latin typeface="メイリオ"/>
               <a:ea typeface="メイリオ"/>
               <a:cs typeface="メイリオ"/>
@@ -7714,7 +6247,7 @@
     </p:spTree>
     <p:extLst>
       <p:ext uri="{BB962C8B-B14F-4D97-AF65-F5344CB8AC3E}">
-        <p14:creationId xmlns:p14="http://schemas.microsoft.com/office/powerpoint/2010/main" val="3587152995"/>
+        <p14:creationId xmlns:p14="http://schemas.microsoft.com/office/powerpoint/2010/main" val="3114795264"/>
       </p:ext>
     </p:extLst>
   </p:cSld>
@@ -7764,29 +6297,52 @@
         </p:blipFill>
         <p:spPr>
           <a:xfrm>
-            <a:off x="4183130" y="2475743"/>
-            <a:ext cx="4147371" cy="4202669"/>
+            <a:off x="290574" y="2881796"/>
+            <a:ext cx="3519696" cy="3597664"/>
           </a:xfrm>
           <a:prstGeom prst="rect">
             <a:avLst/>
           </a:prstGeom>
         </p:spPr>
       </p:pic>
-      <p:sp>
-        <p:nvSpPr>
-          <p:cNvPr id="11" name="Cloud Callout 10"/>
+      <p:pic>
+        <p:nvPicPr>
+          <p:cNvPr id="3" name="Picture 2"/>
+          <p:cNvPicPr>
+            <a:picLocks noChangeAspect="1"/>
+          </p:cNvPicPr>
+          <p:nvPr/>
+        </p:nvPicPr>
+        <p:blipFill rotWithShape="1">
+          <a:blip r:embed="rId3"/>
+          <a:srcRect l="4133" r="2704" b="6109"/>
+          <a:stretch/>
+        </p:blipFill>
+        <p:spPr>
+          <a:xfrm>
+            <a:off x="4775046" y="3455712"/>
+            <a:ext cx="3517142" cy="2796318"/>
+          </a:xfrm>
+          <a:prstGeom prst="rect">
+            <a:avLst/>
+          </a:prstGeom>
+        </p:spPr>
+      </p:pic>
+      <p:sp>
+        <p:nvSpPr>
+          <p:cNvPr id="4" name="Cloud Callout 3"/>
           <p:cNvSpPr/>
           <p:nvPr/>
         </p:nvSpPr>
         <p:spPr>
           <a:xfrm>
-            <a:off x="781591" y="629785"/>
-            <a:ext cx="5678743" cy="1845958"/>
+            <a:off x="1783004" y="263454"/>
+            <a:ext cx="6045115" cy="2288643"/>
           </a:xfrm>
           <a:prstGeom prst="cloudCallout">
             <a:avLst>
-              <a:gd name="adj1" fmla="val 35355"/>
-              <a:gd name="adj2" fmla="val 62500"/>
+              <a:gd name="adj1" fmla="val 33739"/>
+              <a:gd name="adj2" fmla="val 76906"/>
             </a:avLst>
           </a:prstGeom>
           <a:solidFill>
@@ -7826,10 +6382,21 @@
                 <a:ea typeface="メイリオ"/>
                 <a:cs typeface="メイリオ"/>
               </a:rPr>
-              <a:t>サンタさん</a:t>
-            </a:r>
-            <a:r>
-              <a:rPr lang="en-US" altLang="ja-JP" dirty="0" smtClean="0">
+              <a:t>クリスマスプレゼント</a:t>
+            </a:r>
+            <a:endParaRPr lang="en-US" altLang="ja-JP" dirty="0">
+              <a:solidFill>
+                <a:schemeClr val="tx1"/>
+              </a:solidFill>
+              <a:latin typeface="メイリオ"/>
+              <a:ea typeface="メイリオ"/>
+              <a:cs typeface="メイリオ"/>
+            </a:endParaRPr>
+          </a:p>
+          <a:p>
+            <a:pPr algn="ctr"/>
+            <a:r>
+              <a:rPr lang="ja-JP" altLang="en-US" dirty="0" smtClean="0">
                 <a:solidFill>
                   <a:schemeClr val="tx1"/>
                 </a:solidFill>
@@ -7837,43 +6404,7 @@
                 <a:ea typeface="メイリオ"/>
                 <a:cs typeface="メイリオ"/>
               </a:rPr>
-              <a:t>, </a:t>
-            </a:r>
-          </a:p>
-          <a:p>
-            <a:pPr algn="ctr"/>
-            <a:r>
-              <a:rPr lang="ja-JP" altLang="en-US" dirty="0" smtClean="0">
-                <a:solidFill>
-                  <a:schemeClr val="tx1"/>
-                </a:solidFill>
-                <a:latin typeface="メイリオ"/>
-                <a:ea typeface="メイリオ"/>
-                <a:cs typeface="メイリオ"/>
-              </a:rPr>
-              <a:t>今年も良い子にしてたので、</a:t>
-            </a:r>
-            <a:r>
-              <a:rPr lang="en-US" altLang="ja-JP" dirty="0" smtClean="0">
-                <a:solidFill>
-                  <a:schemeClr val="tx1"/>
-                </a:solidFill>
-                <a:latin typeface="メイリオ"/>
-                <a:ea typeface="メイリオ"/>
-                <a:cs typeface="メイリオ"/>
-              </a:rPr>
-              <a:t>-----</a:t>
-            </a:r>
-            <a:r>
-              <a:rPr lang="ja-JP" altLang="en-US" dirty="0" smtClean="0">
-                <a:solidFill>
-                  <a:schemeClr val="tx1"/>
-                </a:solidFill>
-                <a:latin typeface="メイリオ"/>
-                <a:ea typeface="メイリオ"/>
-                <a:cs typeface="メイリオ"/>
-              </a:rPr>
-              <a:t>をください。</a:t>
+              <a:t>何にが欲しいか聞きたいけど時間がないなぁ</a:t>
             </a:r>
             <a:endParaRPr lang="en-US" altLang="ja-JP" dirty="0" smtClean="0">
               <a:solidFill>
@@ -7886,10 +6417,148 @@
           </a:p>
         </p:txBody>
       </p:sp>
+      <p:sp>
+        <p:nvSpPr>
+          <p:cNvPr id="5" name="Oval 4"/>
+          <p:cNvSpPr/>
+          <p:nvPr/>
+        </p:nvSpPr>
+        <p:spPr>
+          <a:xfrm>
+            <a:off x="3675920" y="2552098"/>
+            <a:ext cx="305308" cy="329698"/>
+          </a:xfrm>
+          <a:prstGeom prst="ellipse">
+            <a:avLst/>
+          </a:prstGeom>
+          <a:solidFill>
+            <a:srgbClr val="FFFFFF"/>
+          </a:solidFill>
+          <a:ln>
+            <a:solidFill>
+              <a:srgbClr val="000000"/>
+            </a:solidFill>
+          </a:ln>
+        </p:spPr>
+        <p:style>
+          <a:lnRef idx="1">
+            <a:schemeClr val="accent1"/>
+          </a:lnRef>
+          <a:fillRef idx="3">
+            <a:schemeClr val="accent1"/>
+          </a:fillRef>
+          <a:effectRef idx="2">
+            <a:schemeClr val="accent1"/>
+          </a:effectRef>
+          <a:fontRef idx="minor">
+            <a:schemeClr val="lt1"/>
+          </a:fontRef>
+        </p:style>
+        <p:txBody>
+          <a:bodyPr rtlCol="0" anchor="ctr"/>
+          <a:lstStyle/>
+          <a:p>
+            <a:pPr algn="ctr"/>
+            <a:endParaRPr lang="en-US" dirty="0"/>
+          </a:p>
+        </p:txBody>
+      </p:sp>
+      <p:sp>
+        <p:nvSpPr>
+          <p:cNvPr id="6" name="Oval 5"/>
+          <p:cNvSpPr/>
+          <p:nvPr/>
+        </p:nvSpPr>
+        <p:spPr>
+          <a:xfrm>
+            <a:off x="3040876" y="3000852"/>
+            <a:ext cx="122117" cy="94868"/>
+          </a:xfrm>
+          <a:prstGeom prst="ellipse">
+            <a:avLst/>
+          </a:prstGeom>
+          <a:solidFill>
+            <a:srgbClr val="FFFFFF"/>
+          </a:solidFill>
+          <a:ln>
+            <a:solidFill>
+              <a:srgbClr val="000000"/>
+            </a:solidFill>
+          </a:ln>
+        </p:spPr>
+        <p:style>
+          <a:lnRef idx="1">
+            <a:schemeClr val="accent1"/>
+          </a:lnRef>
+          <a:fillRef idx="3">
+            <a:schemeClr val="accent1"/>
+          </a:fillRef>
+          <a:effectRef idx="2">
+            <a:schemeClr val="accent1"/>
+          </a:effectRef>
+          <a:fontRef idx="minor">
+            <a:schemeClr val="lt1"/>
+          </a:fontRef>
+        </p:style>
+        <p:txBody>
+          <a:bodyPr rtlCol="0" anchor="ctr"/>
+          <a:lstStyle/>
+          <a:p>
+            <a:pPr algn="ctr"/>
+            <a:endParaRPr lang="en-US" dirty="0"/>
+          </a:p>
+        </p:txBody>
+      </p:sp>
+      <p:sp>
+        <p:nvSpPr>
+          <p:cNvPr id="7" name="Oval 6"/>
+          <p:cNvSpPr/>
+          <p:nvPr/>
+        </p:nvSpPr>
+        <p:spPr>
+          <a:xfrm>
+            <a:off x="3290978" y="2762740"/>
+            <a:ext cx="219819" cy="238112"/>
+          </a:xfrm>
+          <a:prstGeom prst="ellipse">
+            <a:avLst/>
+          </a:prstGeom>
+          <a:solidFill>
+            <a:srgbClr val="FFFFFF"/>
+          </a:solidFill>
+          <a:ln>
+            <a:solidFill>
+              <a:srgbClr val="000000"/>
+            </a:solidFill>
+          </a:ln>
+        </p:spPr>
+        <p:style>
+          <a:lnRef idx="1">
+            <a:schemeClr val="accent1"/>
+          </a:lnRef>
+          <a:fillRef idx="3">
+            <a:schemeClr val="accent1"/>
+          </a:fillRef>
+          <a:effectRef idx="2">
+            <a:schemeClr val="accent1"/>
+          </a:effectRef>
+          <a:fontRef idx="minor">
+            <a:schemeClr val="lt1"/>
+          </a:fontRef>
+        </p:style>
+        <p:txBody>
+          <a:bodyPr rtlCol="0" anchor="ctr"/>
+          <a:lstStyle/>
+          <a:p>
+            <a:pPr algn="ctr"/>
+            <a:endParaRPr lang="en-US" dirty="0"/>
+          </a:p>
+        </p:txBody>
+      </p:sp>
     </p:spTree>
     <p:extLst>
       <p:ext uri="{BB962C8B-B14F-4D97-AF65-F5344CB8AC3E}">
-        <p14:creationId xmlns:p14="http://schemas.microsoft.com/office/powerpoint/2010/main" val="3114795264"/>
+        <p14:creationId xmlns:p14="http://schemas.microsoft.com/office/powerpoint/2010/main" val="3587152995"/>
       </p:ext>
     </p:extLst>
   </p:cSld>
@@ -7939,31 +6608,126 @@
         </p:blipFill>
         <p:spPr>
           <a:xfrm>
-            <a:off x="290574" y="2881796"/>
-            <a:ext cx="3519696" cy="3597664"/>
+            <a:off x="323692" y="3164091"/>
+            <a:ext cx="1626343" cy="2867753"/>
           </a:xfrm>
           <a:prstGeom prst="rect">
             <a:avLst/>
           </a:prstGeom>
         </p:spPr>
       </p:pic>
+      <p:sp>
+        <p:nvSpPr>
+          <p:cNvPr id="3" name="Rounded Rectangle 2"/>
+          <p:cNvSpPr/>
+          <p:nvPr/>
+        </p:nvSpPr>
+        <p:spPr>
+          <a:xfrm>
+            <a:off x="5966177" y="287986"/>
+            <a:ext cx="1811004" cy="3322370"/>
+          </a:xfrm>
+          <a:prstGeom prst="roundRect">
+            <a:avLst/>
+          </a:prstGeom>
+          <a:noFill/>
+          <a:ln w="28575" cmpd="sng">
+            <a:solidFill>
+              <a:schemeClr val="tx1"/>
+            </a:solidFill>
+          </a:ln>
+        </p:spPr>
+        <p:style>
+          <a:lnRef idx="1">
+            <a:schemeClr val="accent1"/>
+          </a:lnRef>
+          <a:fillRef idx="3">
+            <a:schemeClr val="accent1"/>
+          </a:fillRef>
+          <a:effectRef idx="2">
+            <a:schemeClr val="accent1"/>
+          </a:effectRef>
+          <a:fontRef idx="minor">
+            <a:schemeClr val="lt1"/>
+          </a:fontRef>
+        </p:style>
+        <p:txBody>
+          <a:bodyPr rtlCol="0" anchor="ctr"/>
+          <a:lstStyle/>
+          <a:p>
+            <a:pPr algn="ctr"/>
+            <a:endParaRPr lang="en-US"/>
+          </a:p>
+        </p:txBody>
+      </p:sp>
+      <p:sp>
+        <p:nvSpPr>
+          <p:cNvPr id="4" name="Rectangle 3"/>
+          <p:cNvSpPr/>
+          <p:nvPr/>
+        </p:nvSpPr>
+        <p:spPr>
+          <a:xfrm>
+            <a:off x="6115497" y="653741"/>
+            <a:ext cx="1499813" cy="2385949"/>
+          </a:xfrm>
+          <a:prstGeom prst="rect">
+            <a:avLst/>
+          </a:prstGeom>
+          <a:solidFill>
+            <a:srgbClr val="FFFFFF"/>
+          </a:solidFill>
+          <a:ln>
+            <a:solidFill>
+              <a:srgbClr val="000000"/>
+            </a:solidFill>
+          </a:ln>
+        </p:spPr>
+        <p:style>
+          <a:lnRef idx="1">
+            <a:schemeClr val="accent1"/>
+          </a:lnRef>
+          <a:fillRef idx="3">
+            <a:schemeClr val="accent1"/>
+          </a:fillRef>
+          <a:effectRef idx="2">
+            <a:schemeClr val="accent1"/>
+          </a:effectRef>
+          <a:fontRef idx="minor">
+            <a:schemeClr val="lt1"/>
+          </a:fontRef>
+        </p:style>
+        <p:txBody>
+          <a:bodyPr rtlCol="0" anchor="ctr"/>
+          <a:lstStyle/>
+          <a:p>
+            <a:pPr algn="ctr"/>
+            <a:r>
+              <a:rPr lang="en-US" dirty="0" smtClean="0"/>
+              <a:t>Santa</a:t>
+            </a:r>
+            <a:endParaRPr lang="en-US" dirty="0"/>
+          </a:p>
+        </p:txBody>
+      </p:sp>
       <p:pic>
         <p:nvPicPr>
-          <p:cNvPr id="3" name="Picture 2"/>
+          <p:cNvPr id="5" name="Picture 4"/>
           <p:cNvPicPr>
             <a:picLocks noChangeAspect="1"/>
           </p:cNvPicPr>
           <p:nvPr/>
         </p:nvPicPr>
-        <p:blipFill rotWithShape="1">
+        <p:blipFill>
           <a:blip r:embed="rId3"/>
-          <a:srcRect l="4133" r="2704" b="6109"/>
-          <a:stretch/>
+          <a:stretch>
+            <a:fillRect/>
+          </a:stretch>
         </p:blipFill>
         <p:spPr>
           <a:xfrm>
-            <a:off x="4775046" y="3455712"/>
-            <a:ext cx="3517142" cy="2796318"/>
+            <a:off x="6219333" y="1249431"/>
+            <a:ext cx="1292609" cy="1626332"/>
           </a:xfrm>
           <a:prstGeom prst="rect">
             <a:avLst/>
@@ -7972,19 +6736,147 @@
       </p:pic>
       <p:sp>
         <p:nvSpPr>
-          <p:cNvPr id="4" name="Cloud Callout 3"/>
+          <p:cNvPr id="6" name="Rectangle 5"/>
           <p:cNvSpPr/>
           <p:nvPr/>
         </p:nvSpPr>
         <p:spPr>
           <a:xfrm>
+            <a:off x="6121818" y="653741"/>
+            <a:ext cx="1390124" cy="646331"/>
+          </a:xfrm>
+          <a:prstGeom prst="rect">
+            <a:avLst/>
+          </a:prstGeom>
+        </p:spPr>
+        <p:txBody>
+          <a:bodyPr wrap="none">
+            <a:spAutoFit/>
+          </a:bodyPr>
+          <a:lstStyle/>
+          <a:p>
+            <a:pPr algn="ctr"/>
+            <a:r>
+              <a:rPr lang="en-US" altLang="ja-JP" b="1" dirty="0" smtClean="0">
+                <a:latin typeface="メイリオ"/>
+                <a:ea typeface="メイリオ"/>
+                <a:cs typeface="メイリオ"/>
+              </a:rPr>
+              <a:t>YOU GIFT</a:t>
+            </a:r>
+          </a:p>
+          <a:p>
+            <a:pPr algn="ctr"/>
+            <a:r>
+              <a:rPr lang="ja-JP" altLang="en-US" b="1" dirty="0" smtClean="0">
+                <a:latin typeface="メイリオ"/>
+                <a:ea typeface="メイリオ"/>
+                <a:cs typeface="メイリオ"/>
+              </a:rPr>
+              <a:t> </a:t>
+            </a:r>
+            <a:r>
+              <a:rPr lang="en-US" altLang="ja-JP" b="1" dirty="0" smtClean="0">
+                <a:latin typeface="メイリオ"/>
+                <a:ea typeface="メイリオ"/>
+                <a:cs typeface="メイリオ"/>
+              </a:rPr>
+              <a:t>APP</a:t>
+            </a:r>
+            <a:endParaRPr lang="en-US" b="1" dirty="0">
+              <a:latin typeface="メイリオ"/>
+              <a:ea typeface="メイリオ"/>
+              <a:cs typeface="メイリオ"/>
+            </a:endParaRPr>
+          </a:p>
+        </p:txBody>
+      </p:sp>
+      <p:pic>
+        <p:nvPicPr>
+          <p:cNvPr id="8" name="Picture 7"/>
+          <p:cNvPicPr>
+            <a:picLocks noChangeAspect="1"/>
+          </p:cNvPicPr>
+          <p:nvPr/>
+        </p:nvPicPr>
+        <p:blipFill>
+          <a:blip r:embed="rId4"/>
+          <a:stretch>
+            <a:fillRect/>
+          </a:stretch>
+        </p:blipFill>
+        <p:spPr>
+          <a:xfrm>
+            <a:off x="577616" y="1675245"/>
+            <a:ext cx="1192123" cy="1192123"/>
+          </a:xfrm>
+          <a:prstGeom prst="rect">
+            <a:avLst/>
+          </a:prstGeom>
+        </p:spPr>
+      </p:pic>
+      <p:sp>
+        <p:nvSpPr>
+          <p:cNvPr id="10" name="Oval 9"/>
+          <p:cNvSpPr/>
+          <p:nvPr/>
+        </p:nvSpPr>
+        <p:spPr>
+          <a:xfrm>
+            <a:off x="6643769" y="3127715"/>
+            <a:ext cx="421714" cy="411406"/>
+          </a:xfrm>
+          <a:prstGeom prst="ellipse">
+            <a:avLst/>
+          </a:prstGeom>
+          <a:solidFill>
+            <a:srgbClr val="FFFFFF"/>
+          </a:solidFill>
+          <a:ln>
+            <a:solidFill>
+              <a:schemeClr val="tx1"/>
+            </a:solidFill>
+          </a:ln>
+          <a:effectLst/>
+        </p:spPr>
+        <p:style>
+          <a:lnRef idx="1">
+            <a:schemeClr val="accent1"/>
+          </a:lnRef>
+          <a:fillRef idx="3">
+            <a:schemeClr val="accent1"/>
+          </a:fillRef>
+          <a:effectRef idx="2">
+            <a:schemeClr val="accent1"/>
+          </a:effectRef>
+          <a:fontRef idx="minor">
+            <a:schemeClr val="lt1"/>
+          </a:fontRef>
+        </p:style>
+        <p:txBody>
+          <a:bodyPr rtlCol="0" anchor="ctr"/>
+          <a:lstStyle/>
+          <a:p>
+            <a:pPr algn="ctr"/>
+            <a:endParaRPr lang="en-US" dirty="0"/>
+          </a:p>
+        </p:txBody>
+      </p:sp>
+      <p:sp>
+        <p:nvSpPr>
+          <p:cNvPr id="11" name="Cloud Callout 10"/>
+          <p:cNvSpPr/>
+          <p:nvPr/>
+        </p:nvSpPr>
+        <p:spPr>
+          <a:xfrm>
             <a:off x="1783004" y="263454"/>
-            <a:ext cx="6045115" cy="2288643"/>
+            <a:ext cx="3353731" cy="2288643"/>
           </a:xfrm>
           <a:prstGeom prst="cloudCallout">
             <a:avLst>
-              <a:gd name="adj1" fmla="val 33739"/>
-              <a:gd name="adj2" fmla="val 76906"/>
+              <a:gd name="adj1" fmla="val -46491"/>
+              <a:gd name="adj2" fmla="val 69214"/>
             </a:avLst>
           </a:prstGeom>
           <a:solidFill>
@@ -8016,6 +6908,42 @@
           <a:p>
             <a:pPr algn="ctr"/>
             <a:r>
+              <a:rPr lang="en-US" altLang="ja-JP" dirty="0" smtClean="0">
+                <a:solidFill>
+                  <a:schemeClr val="tx1"/>
+                </a:solidFill>
+                <a:latin typeface="メイリオ"/>
+                <a:ea typeface="メイリオ"/>
+                <a:cs typeface="メイリオ"/>
+              </a:rPr>
+              <a:t>YOU GIFT</a:t>
+            </a:r>
+            <a:r>
+              <a:rPr lang="en-US" altLang="ja-JP" dirty="0" smtClean="0">
+                <a:solidFill>
+                  <a:schemeClr val="tx1"/>
+                </a:solidFill>
+                <a:latin typeface="メイリオ"/>
+                <a:ea typeface="メイリオ"/>
+                <a:cs typeface="メイリオ"/>
+              </a:rPr>
+              <a:t> </a:t>
+            </a:r>
+            <a:r>
+              <a:rPr lang="en-US" altLang="ja-JP" dirty="0" smtClean="0">
+                <a:solidFill>
+                  <a:schemeClr val="tx1"/>
+                </a:solidFill>
+                <a:latin typeface="メイリオ"/>
+                <a:ea typeface="メイリオ"/>
+                <a:cs typeface="メイリオ"/>
+              </a:rPr>
+              <a:t>APP</a:t>
+            </a:r>
+          </a:p>
+          <a:p>
+            <a:pPr algn="ctr"/>
+            <a:r>
               <a:rPr lang="ja-JP" altLang="en-US" dirty="0" smtClean="0">
                 <a:solidFill>
                   <a:schemeClr val="tx1"/>
@@ -8024,29 +6952,7 @@
                 <a:ea typeface="メイリオ"/>
                 <a:cs typeface="メイリオ"/>
               </a:rPr>
-              <a:t>クリスマスプレゼント</a:t>
-            </a:r>
-            <a:endParaRPr lang="en-US" altLang="ja-JP" dirty="0">
-              <a:solidFill>
-                <a:schemeClr val="tx1"/>
-              </a:solidFill>
-              <a:latin typeface="メイリオ"/>
-              <a:ea typeface="メイリオ"/>
-              <a:cs typeface="メイリオ"/>
-            </a:endParaRPr>
-          </a:p>
-          <a:p>
-            <a:pPr algn="ctr"/>
-            <a:r>
-              <a:rPr lang="ja-JP" altLang="en-US" dirty="0" smtClean="0">
-                <a:solidFill>
-                  <a:schemeClr val="tx1"/>
-                </a:solidFill>
-                <a:latin typeface="メイリオ"/>
-                <a:ea typeface="メイリオ"/>
-                <a:cs typeface="メイリオ"/>
-              </a:rPr>
-              <a:t>何にが欲しいか聞きたいけど時間がないなぁ</a:t>
+              <a:t>を使ってみよう！</a:t>
             </a:r>
             <a:endParaRPr lang="en-US" altLang="ja-JP" dirty="0" smtClean="0">
               <a:solidFill>
@@ -8061,16 +6967,16 @@
       </p:sp>
       <p:sp>
         <p:nvSpPr>
-          <p:cNvPr id="5" name="Oval 4"/>
+          <p:cNvPr id="12" name="Rectangle 11"/>
           <p:cNvSpPr/>
           <p:nvPr/>
         </p:nvSpPr>
         <p:spPr>
           <a:xfrm>
-            <a:off x="3675920" y="2552098"/>
-            <a:ext cx="305308" cy="329698"/>
-          </a:xfrm>
-          <a:prstGeom prst="ellipse">
+            <a:off x="2323660" y="4011372"/>
+            <a:ext cx="6465142" cy="2401794"/>
+          </a:xfrm>
+          <a:prstGeom prst="rect">
             <a:avLst/>
           </a:prstGeom>
           <a:solidFill>
@@ -8100,107 +7006,154 @@
           <a:bodyPr rtlCol="0" anchor="ctr"/>
           <a:lstStyle/>
           <a:p>
-            <a:pPr algn="ctr"/>
-            <a:endParaRPr lang="en-US" dirty="0"/>
-          </a:p>
-        </p:txBody>
-      </p:sp>
-      <p:sp>
-        <p:nvSpPr>
-          <p:cNvPr id="6" name="Oval 5"/>
-          <p:cNvSpPr/>
+            <a:pPr marL="285750" indent="-285750">
+              <a:buFont typeface="Wingdings" charset="2"/>
+              <a:buChar char="ü"/>
+            </a:pPr>
+            <a:r>
+              <a:rPr lang="ja-JP" altLang="en-US" dirty="0" smtClean="0">
+                <a:solidFill>
+                  <a:srgbClr val="000000"/>
+                </a:solidFill>
+                <a:latin typeface="メイリオ"/>
+                <a:ea typeface="メイリオ"/>
+                <a:cs typeface="メイリオ"/>
+              </a:rPr>
+              <a:t>忙しくて、帰宅はいつも子供が寝たあと</a:t>
+            </a:r>
+            <a:endParaRPr lang="en-US" altLang="ja-JP" dirty="0" smtClean="0">
+              <a:solidFill>
+                <a:srgbClr val="000000"/>
+              </a:solidFill>
+              <a:latin typeface="メイリオ"/>
+              <a:ea typeface="メイリオ"/>
+              <a:cs typeface="メイリオ"/>
+            </a:endParaRPr>
+          </a:p>
+          <a:p>
+            <a:pPr marL="285750" indent="-285750">
+              <a:buFont typeface="Wingdings" charset="2"/>
+              <a:buChar char="ü"/>
+            </a:pPr>
+            <a:endParaRPr lang="en-US" altLang="ja-JP" dirty="0">
+              <a:solidFill>
+                <a:srgbClr val="000000"/>
+              </a:solidFill>
+              <a:latin typeface="メイリオ"/>
+              <a:ea typeface="メイリオ"/>
+              <a:cs typeface="メイリオ"/>
+            </a:endParaRPr>
+          </a:p>
+          <a:p>
+            <a:pPr marL="285750" indent="-285750">
+              <a:buFont typeface="Wingdings" charset="2"/>
+              <a:buChar char="ü"/>
+            </a:pPr>
+            <a:r>
+              <a:rPr lang="ja-JP" altLang="en-US" dirty="0" smtClean="0">
+                <a:solidFill>
+                  <a:srgbClr val="000000"/>
+                </a:solidFill>
+                <a:latin typeface="メイリオ"/>
+                <a:ea typeface="メイリオ"/>
+                <a:cs typeface="メイリオ"/>
+              </a:rPr>
+              <a:t>子供の世界で流行っているものが分からない</a:t>
+            </a:r>
+            <a:endParaRPr lang="en-US" altLang="ja-JP" dirty="0" smtClean="0">
+              <a:solidFill>
+                <a:srgbClr val="000000"/>
+              </a:solidFill>
+              <a:latin typeface="メイリオ"/>
+              <a:ea typeface="メイリオ"/>
+              <a:cs typeface="メイリオ"/>
+            </a:endParaRPr>
+          </a:p>
+          <a:p>
+            <a:pPr marL="285750" indent="-285750">
+              <a:buFont typeface="Wingdings" charset="2"/>
+              <a:buChar char="ü"/>
+            </a:pPr>
+            <a:endParaRPr lang="en-US" altLang="ja-JP" dirty="0">
+              <a:solidFill>
+                <a:srgbClr val="000000"/>
+              </a:solidFill>
+              <a:latin typeface="メイリオ"/>
+              <a:ea typeface="メイリオ"/>
+              <a:cs typeface="メイリオ"/>
+            </a:endParaRPr>
+          </a:p>
+          <a:p>
+            <a:pPr marL="285750" indent="-285750">
+              <a:buFont typeface="Wingdings" charset="2"/>
+              <a:buChar char="ü"/>
+            </a:pPr>
+            <a:r>
+              <a:rPr lang="ja-JP" altLang="en-US" dirty="0" smtClean="0">
+                <a:solidFill>
+                  <a:srgbClr val="000000"/>
+                </a:solidFill>
+                <a:latin typeface="メイリオ"/>
+                <a:ea typeface="メイリオ"/>
+                <a:cs typeface="メイリオ"/>
+              </a:rPr>
+              <a:t>プレゼントを探し回る時間はないが、子供を喜ばせたい</a:t>
+            </a:r>
+            <a:endParaRPr lang="en-US" altLang="ja-JP" dirty="0">
+              <a:solidFill>
+                <a:srgbClr val="000000"/>
+              </a:solidFill>
+              <a:latin typeface="メイリオ"/>
+              <a:ea typeface="メイリオ"/>
+              <a:cs typeface="メイリオ"/>
+            </a:endParaRPr>
+          </a:p>
+        </p:txBody>
+      </p:sp>
+      <p:sp>
+        <p:nvSpPr>
+          <p:cNvPr id="13" name="TextBox 12"/>
+          <p:cNvSpPr txBox="1"/>
           <p:nvPr/>
         </p:nvSpPr>
         <p:spPr>
           <a:xfrm>
-            <a:off x="3040876" y="3000852"/>
-            <a:ext cx="122117" cy="94868"/>
-          </a:xfrm>
-          <a:prstGeom prst="ellipse">
+            <a:off x="2493825" y="3826706"/>
+            <a:ext cx="3185487" cy="369332"/>
+          </a:xfrm>
+          <a:prstGeom prst="rect">
             <a:avLst/>
           </a:prstGeom>
           <a:solidFill>
             <a:srgbClr val="FFFFFF"/>
           </a:solidFill>
-          <a:ln>
-            <a:solidFill>
-              <a:srgbClr val="000000"/>
-            </a:solidFill>
-          </a:ln>
-        </p:spPr>
-        <p:style>
-          <a:lnRef idx="1">
-            <a:schemeClr val="accent1"/>
-          </a:lnRef>
-          <a:fillRef idx="3">
-            <a:schemeClr val="accent1"/>
-          </a:fillRef>
-          <a:effectRef idx="2">
-            <a:schemeClr val="accent1"/>
-          </a:effectRef>
-          <a:fontRef idx="minor">
-            <a:schemeClr val="lt1"/>
-          </a:fontRef>
-        </p:style>
-        <p:txBody>
-          <a:bodyPr rtlCol="0" anchor="ctr"/>
-          <a:lstStyle/>
-          <a:p>
-            <a:pPr algn="ctr"/>
-            <a:endParaRPr lang="en-US" dirty="0"/>
-          </a:p>
-        </p:txBody>
-      </p:sp>
-      <p:sp>
-        <p:nvSpPr>
-          <p:cNvPr id="7" name="Oval 6"/>
-          <p:cNvSpPr/>
-          <p:nvPr/>
-        </p:nvSpPr>
-        <p:spPr>
-          <a:xfrm>
-            <a:off x="3290978" y="2762740"/>
-            <a:ext cx="219819" cy="238112"/>
-          </a:xfrm>
-          <a:prstGeom prst="ellipse">
-            <a:avLst/>
-          </a:prstGeom>
-          <a:solidFill>
-            <a:srgbClr val="FFFFFF"/>
-          </a:solidFill>
-          <a:ln>
-            <a:solidFill>
-              <a:srgbClr val="000000"/>
-            </a:solidFill>
-          </a:ln>
-        </p:spPr>
-        <p:style>
-          <a:lnRef idx="1">
-            <a:schemeClr val="accent1"/>
-          </a:lnRef>
-          <a:fillRef idx="3">
-            <a:schemeClr val="accent1"/>
-          </a:fillRef>
-          <a:effectRef idx="2">
-            <a:schemeClr val="accent1"/>
-          </a:effectRef>
-          <a:fontRef idx="minor">
-            <a:schemeClr val="lt1"/>
-          </a:fontRef>
-        </p:style>
-        <p:txBody>
-          <a:bodyPr rtlCol="0" anchor="ctr"/>
-          <a:lstStyle/>
-          <a:p>
-            <a:pPr algn="ctr"/>
-            <a:endParaRPr lang="en-US" dirty="0"/>
+        </p:spPr>
+        <p:txBody>
+          <a:bodyPr wrap="none" rtlCol="0">
+            <a:spAutoFit/>
+          </a:bodyPr>
+          <a:lstStyle/>
+          <a:p>
+            <a:r>
+              <a:rPr lang="ja-JP" altLang="en-US" b="1" dirty="0" smtClean="0">
+                <a:latin typeface="メイリオ"/>
+                <a:ea typeface="メイリオ"/>
+                <a:cs typeface="メイリオ"/>
+              </a:rPr>
+              <a:t>こんなお父さん、お母さんに</a:t>
+            </a:r>
+            <a:endParaRPr lang="en-US" b="1" dirty="0">
+              <a:latin typeface="メイリオ"/>
+              <a:ea typeface="メイリオ"/>
+              <a:cs typeface="メイリオ"/>
+            </a:endParaRPr>
           </a:p>
         </p:txBody>
       </p:sp>
     </p:spTree>
     <p:extLst>
       <p:ext uri="{BB962C8B-B14F-4D97-AF65-F5344CB8AC3E}">
-        <p14:creationId xmlns:p14="http://schemas.microsoft.com/office/powerpoint/2010/main" val="3587152995"/>
+        <p14:creationId xmlns:p14="http://schemas.microsoft.com/office/powerpoint/2010/main" val="3114795264"/>
       </p:ext>
     </p:extLst>
   </p:cSld>
@@ -8236,7 +7189,7 @@
       </p:grpSpPr>
       <p:pic>
         <p:nvPicPr>
-          <p:cNvPr id="2" name="Picture 1"/>
+          <p:cNvPr id="4" name="Picture 3"/>
           <p:cNvPicPr>
             <a:picLocks noChangeAspect="1"/>
           </p:cNvPicPr>
@@ -8250,111 +7203,25 @@
         </p:blipFill>
         <p:spPr>
           <a:xfrm>
-            <a:off x="323692" y="3164091"/>
-            <a:ext cx="1626343" cy="2867753"/>
+            <a:off x="1041786" y="532820"/>
+            <a:ext cx="7219417" cy="5589227"/>
           </a:xfrm>
           <a:prstGeom prst="rect">
             <a:avLst/>
           </a:prstGeom>
-        </p:spPr>
-      </p:pic>
-      <p:sp>
-        <p:nvSpPr>
-          <p:cNvPr id="3" name="Rounded Rectangle 2"/>
-          <p:cNvSpPr/>
-          <p:nvPr/>
-        </p:nvSpPr>
-        <p:spPr>
-          <a:xfrm>
-            <a:off x="5966177" y="287986"/>
-            <a:ext cx="1811004" cy="3322370"/>
-          </a:xfrm>
-          <a:prstGeom prst="roundRect">
-            <a:avLst/>
-          </a:prstGeom>
-          <a:noFill/>
-          <a:ln w="28575" cmpd="sng">
+          <a:ln w="38100" cmpd="sng">
             <a:solidFill>
-              <a:schemeClr val="tx1"/>
+              <a:schemeClr val="tx1">
+                <a:lumMod val="75000"/>
+                <a:lumOff val="25000"/>
+              </a:schemeClr>
             </a:solidFill>
           </a:ln>
         </p:spPr>
-        <p:style>
-          <a:lnRef idx="1">
-            <a:schemeClr val="accent1"/>
-          </a:lnRef>
-          <a:fillRef idx="3">
-            <a:schemeClr val="accent1"/>
-          </a:fillRef>
-          <a:effectRef idx="2">
-            <a:schemeClr val="accent1"/>
-          </a:effectRef>
-          <a:fontRef idx="minor">
-            <a:schemeClr val="lt1"/>
-          </a:fontRef>
-        </p:style>
-        <p:txBody>
-          <a:bodyPr rtlCol="0" anchor="ctr"/>
-          <a:lstStyle/>
-          <a:p>
-            <a:pPr algn="ctr"/>
-            <a:endParaRPr lang="en-US"/>
-          </a:p>
-        </p:txBody>
-      </p:sp>
-      <p:sp>
-        <p:nvSpPr>
-          <p:cNvPr id="4" name="Rectangle 3"/>
-          <p:cNvSpPr/>
-          <p:nvPr/>
-        </p:nvSpPr>
-        <p:spPr>
-          <a:xfrm>
-            <a:off x="6115497" y="653741"/>
-            <a:ext cx="1499813" cy="2385949"/>
-          </a:xfrm>
-          <a:prstGeom prst="rect">
-            <a:avLst/>
-          </a:prstGeom>
-          <a:solidFill>
-            <a:srgbClr val="FFFFFF"/>
-          </a:solidFill>
-          <a:ln>
-            <a:solidFill>
-              <a:srgbClr val="000000"/>
-            </a:solidFill>
-          </a:ln>
-        </p:spPr>
-        <p:style>
-          <a:lnRef idx="1">
-            <a:schemeClr val="accent1"/>
-          </a:lnRef>
-          <a:fillRef idx="3">
-            <a:schemeClr val="accent1"/>
-          </a:fillRef>
-          <a:effectRef idx="2">
-            <a:schemeClr val="accent1"/>
-          </a:effectRef>
-          <a:fontRef idx="minor">
-            <a:schemeClr val="lt1"/>
-          </a:fontRef>
-        </p:style>
-        <p:txBody>
-          <a:bodyPr rtlCol="0" anchor="ctr"/>
-          <a:lstStyle/>
-          <a:p>
-            <a:pPr algn="ctr"/>
-            <a:r>
-              <a:rPr lang="en-US" dirty="0" smtClean="0"/>
-              <a:t>Santa</a:t>
-            </a:r>
-            <a:endParaRPr lang="en-US" dirty="0"/>
-          </a:p>
-        </p:txBody>
-      </p:sp>
+      </p:pic>
       <p:pic>
         <p:nvPicPr>
-          <p:cNvPr id="5" name="Picture 4"/>
+          <p:cNvPr id="3" name="Picture 2"/>
           <p:cNvPicPr>
             <a:picLocks noChangeAspect="1"/>
           </p:cNvPicPr>
@@ -8368,408 +7235,18 @@
         </p:blipFill>
         <p:spPr>
           <a:xfrm>
-            <a:off x="6219333" y="1249431"/>
-            <a:ext cx="1292609" cy="1626332"/>
+            <a:off x="0" y="5223070"/>
+            <a:ext cx="1401368" cy="1634930"/>
           </a:xfrm>
           <a:prstGeom prst="rect">
             <a:avLst/>
           </a:prstGeom>
         </p:spPr>
       </p:pic>
-      <p:sp>
-        <p:nvSpPr>
-          <p:cNvPr id="6" name="Rectangle 5"/>
-          <p:cNvSpPr/>
-          <p:nvPr/>
-        </p:nvSpPr>
-        <p:spPr>
-          <a:xfrm>
-            <a:off x="6115497" y="768121"/>
-            <a:ext cx="1569660" cy="369332"/>
-          </a:xfrm>
-          <a:prstGeom prst="rect">
-            <a:avLst/>
-          </a:prstGeom>
-        </p:spPr>
-        <p:txBody>
-          <a:bodyPr wrap="none">
-            <a:spAutoFit/>
-          </a:bodyPr>
-          <a:lstStyle/>
-          <a:p>
-            <a:r>
-              <a:rPr lang="en-US" altLang="ja-JP" b="1" dirty="0" smtClean="0">
-                <a:latin typeface="メイリオ"/>
-                <a:ea typeface="メイリオ"/>
-                <a:cs typeface="メイリオ"/>
-              </a:rPr>
-              <a:t>SANTA</a:t>
-            </a:r>
-            <a:r>
-              <a:rPr lang="ja-JP" altLang="en-US" b="1" dirty="0" smtClean="0">
-                <a:latin typeface="メイリオ"/>
-                <a:ea typeface="メイリオ"/>
-                <a:cs typeface="メイリオ"/>
-              </a:rPr>
-              <a:t> </a:t>
-            </a:r>
-            <a:r>
-              <a:rPr lang="en-US" altLang="ja-JP" b="1" dirty="0" smtClean="0">
-                <a:latin typeface="メイリオ"/>
-                <a:ea typeface="メイリオ"/>
-                <a:cs typeface="メイリオ"/>
-              </a:rPr>
-              <a:t>APP</a:t>
-            </a:r>
-            <a:endParaRPr lang="en-US" b="1" dirty="0">
-              <a:latin typeface="メイリオ"/>
-              <a:ea typeface="メイリオ"/>
-              <a:cs typeface="メイリオ"/>
-            </a:endParaRPr>
-          </a:p>
-        </p:txBody>
-      </p:sp>
-      <p:pic>
-        <p:nvPicPr>
-          <p:cNvPr id="8" name="Picture 7"/>
-          <p:cNvPicPr>
-            <a:picLocks noChangeAspect="1"/>
-          </p:cNvPicPr>
-          <p:nvPr/>
-        </p:nvPicPr>
-        <p:blipFill>
-          <a:blip r:embed="rId4"/>
-          <a:stretch>
-            <a:fillRect/>
-          </a:stretch>
-        </p:blipFill>
-        <p:spPr>
-          <a:xfrm>
-            <a:off x="577616" y="1675245"/>
-            <a:ext cx="1192123" cy="1192123"/>
-          </a:xfrm>
-          <a:prstGeom prst="rect">
-            <a:avLst/>
-          </a:prstGeom>
-        </p:spPr>
-      </p:pic>
-      <p:sp>
-        <p:nvSpPr>
-          <p:cNvPr id="10" name="Oval 9"/>
-          <p:cNvSpPr/>
-          <p:nvPr/>
-        </p:nvSpPr>
-        <p:spPr>
-          <a:xfrm>
-            <a:off x="6643769" y="3127715"/>
-            <a:ext cx="421714" cy="411406"/>
-          </a:xfrm>
-          <a:prstGeom prst="ellipse">
-            <a:avLst/>
-          </a:prstGeom>
-          <a:solidFill>
-            <a:srgbClr val="FFFFFF"/>
-          </a:solidFill>
-          <a:ln>
-            <a:solidFill>
-              <a:schemeClr val="tx1"/>
-            </a:solidFill>
-          </a:ln>
-          <a:effectLst/>
-        </p:spPr>
-        <p:style>
-          <a:lnRef idx="1">
-            <a:schemeClr val="accent1"/>
-          </a:lnRef>
-          <a:fillRef idx="3">
-            <a:schemeClr val="accent1"/>
-          </a:fillRef>
-          <a:effectRef idx="2">
-            <a:schemeClr val="accent1"/>
-          </a:effectRef>
-          <a:fontRef idx="minor">
-            <a:schemeClr val="lt1"/>
-          </a:fontRef>
-        </p:style>
-        <p:txBody>
-          <a:bodyPr rtlCol="0" anchor="ctr"/>
-          <a:lstStyle/>
-          <a:p>
-            <a:pPr algn="ctr"/>
-            <a:endParaRPr lang="en-US" dirty="0"/>
-          </a:p>
-        </p:txBody>
-      </p:sp>
-      <p:sp>
-        <p:nvSpPr>
-          <p:cNvPr id="11" name="Cloud Callout 10"/>
-          <p:cNvSpPr/>
-          <p:nvPr/>
-        </p:nvSpPr>
-        <p:spPr>
-          <a:xfrm>
-            <a:off x="1783004" y="263454"/>
-            <a:ext cx="3353731" cy="2288643"/>
-          </a:xfrm>
-          <a:prstGeom prst="cloudCallout">
-            <a:avLst>
-              <a:gd name="adj1" fmla="val -46491"/>
-              <a:gd name="adj2" fmla="val 69214"/>
-            </a:avLst>
-          </a:prstGeom>
-          <a:solidFill>
-            <a:srgbClr val="FFFFFF"/>
-          </a:solidFill>
-          <a:ln>
-            <a:solidFill>
-              <a:schemeClr val="tx1"/>
-            </a:solidFill>
-          </a:ln>
-        </p:spPr>
-        <p:style>
-          <a:lnRef idx="1">
-            <a:schemeClr val="accent1"/>
-          </a:lnRef>
-          <a:fillRef idx="3">
-            <a:schemeClr val="accent1"/>
-          </a:fillRef>
-          <a:effectRef idx="2">
-            <a:schemeClr val="accent1"/>
-          </a:effectRef>
-          <a:fontRef idx="minor">
-            <a:schemeClr val="lt1"/>
-          </a:fontRef>
-        </p:style>
-        <p:txBody>
-          <a:bodyPr rtlCol="0" anchor="ctr"/>
-          <a:lstStyle/>
-          <a:p>
-            <a:pPr algn="ctr"/>
-            <a:r>
-              <a:rPr lang="en-US" altLang="ja-JP" dirty="0" smtClean="0">
-                <a:solidFill>
-                  <a:schemeClr val="tx1"/>
-                </a:solidFill>
-                <a:latin typeface="メイリオ"/>
-                <a:ea typeface="メイリオ"/>
-                <a:cs typeface="メイリオ"/>
-              </a:rPr>
-              <a:t>SANTA APP</a:t>
-            </a:r>
-          </a:p>
-          <a:p>
-            <a:pPr algn="ctr"/>
-            <a:r>
-              <a:rPr lang="ja-JP" altLang="en-US" dirty="0" smtClean="0">
-                <a:solidFill>
-                  <a:schemeClr val="tx1"/>
-                </a:solidFill>
-                <a:latin typeface="メイリオ"/>
-                <a:ea typeface="メイリオ"/>
-                <a:cs typeface="メイリオ"/>
-              </a:rPr>
-              <a:t>を使ってみよう！</a:t>
-            </a:r>
-            <a:endParaRPr lang="en-US" altLang="ja-JP" dirty="0" smtClean="0">
-              <a:solidFill>
-                <a:schemeClr val="tx1"/>
-              </a:solidFill>
-              <a:latin typeface="メイリオ"/>
-              <a:ea typeface="メイリオ"/>
-              <a:cs typeface="メイリオ"/>
-            </a:endParaRPr>
-          </a:p>
-        </p:txBody>
-      </p:sp>
-      <p:sp>
-        <p:nvSpPr>
-          <p:cNvPr id="12" name="Rectangle 11"/>
-          <p:cNvSpPr/>
-          <p:nvPr/>
-        </p:nvSpPr>
-        <p:spPr>
-          <a:xfrm>
-            <a:off x="2323660" y="4011372"/>
-            <a:ext cx="6465142" cy="2401794"/>
-          </a:xfrm>
-          <a:prstGeom prst="rect">
-            <a:avLst/>
-          </a:prstGeom>
-          <a:solidFill>
-            <a:srgbClr val="FFFFFF"/>
-          </a:solidFill>
-          <a:ln>
-            <a:solidFill>
-              <a:srgbClr val="000000"/>
-            </a:solidFill>
-          </a:ln>
-        </p:spPr>
-        <p:style>
-          <a:lnRef idx="1">
-            <a:schemeClr val="accent1"/>
-          </a:lnRef>
-          <a:fillRef idx="3">
-            <a:schemeClr val="accent1"/>
-          </a:fillRef>
-          <a:effectRef idx="2">
-            <a:schemeClr val="accent1"/>
-          </a:effectRef>
-          <a:fontRef idx="minor">
-            <a:schemeClr val="lt1"/>
-          </a:fontRef>
-        </p:style>
-        <p:txBody>
-          <a:bodyPr rtlCol="0" anchor="ctr"/>
-          <a:lstStyle/>
-          <a:p>
-            <a:pPr marL="285750" indent="-285750">
-              <a:buFont typeface="Wingdings" charset="2"/>
-              <a:buChar char="ü"/>
-            </a:pPr>
-            <a:r>
-              <a:rPr lang="ja-JP" altLang="en-US" dirty="0" smtClean="0">
-                <a:solidFill>
-                  <a:srgbClr val="000000"/>
-                </a:solidFill>
-                <a:latin typeface="メイリオ"/>
-                <a:ea typeface="メイリオ"/>
-                <a:cs typeface="メイリオ"/>
-              </a:rPr>
-              <a:t>忙しくて、帰宅はいつも子供が寝たあと</a:t>
-            </a:r>
-            <a:endParaRPr lang="en-US" altLang="ja-JP" dirty="0" smtClean="0">
-              <a:solidFill>
-                <a:srgbClr val="000000"/>
-              </a:solidFill>
-              <a:latin typeface="メイリオ"/>
-              <a:ea typeface="メイリオ"/>
-              <a:cs typeface="メイリオ"/>
-            </a:endParaRPr>
-          </a:p>
-          <a:p>
-            <a:pPr marL="285750" indent="-285750">
-              <a:buFont typeface="Wingdings" charset="2"/>
-              <a:buChar char="ü"/>
-            </a:pPr>
-            <a:endParaRPr lang="en-US" altLang="ja-JP" dirty="0">
-              <a:solidFill>
-                <a:srgbClr val="000000"/>
-              </a:solidFill>
-              <a:latin typeface="メイリオ"/>
-              <a:ea typeface="メイリオ"/>
-              <a:cs typeface="メイリオ"/>
-            </a:endParaRPr>
-          </a:p>
-          <a:p>
-            <a:pPr marL="285750" indent="-285750">
-              <a:buFont typeface="Wingdings" charset="2"/>
-              <a:buChar char="ü"/>
-            </a:pPr>
-            <a:r>
-              <a:rPr lang="ja-JP" altLang="en-US" dirty="0" smtClean="0">
-                <a:solidFill>
-                  <a:srgbClr val="000000"/>
-                </a:solidFill>
-                <a:latin typeface="メイリオ"/>
-                <a:ea typeface="メイリオ"/>
-                <a:cs typeface="メイリオ"/>
-              </a:rPr>
-              <a:t>子供の世界で流行っているものが分からない</a:t>
-            </a:r>
-            <a:endParaRPr lang="en-US" altLang="ja-JP" dirty="0" smtClean="0">
-              <a:solidFill>
-                <a:srgbClr val="000000"/>
-              </a:solidFill>
-              <a:latin typeface="メイリオ"/>
-              <a:ea typeface="メイリオ"/>
-              <a:cs typeface="メイリオ"/>
-            </a:endParaRPr>
-          </a:p>
-          <a:p>
-            <a:pPr marL="285750" indent="-285750">
-              <a:buFont typeface="Wingdings" charset="2"/>
-              <a:buChar char="ü"/>
-            </a:pPr>
-            <a:endParaRPr lang="en-US" altLang="ja-JP" dirty="0">
-              <a:solidFill>
-                <a:srgbClr val="000000"/>
-              </a:solidFill>
-              <a:latin typeface="メイリオ"/>
-              <a:ea typeface="メイリオ"/>
-              <a:cs typeface="メイリオ"/>
-            </a:endParaRPr>
-          </a:p>
-          <a:p>
-            <a:pPr marL="285750" indent="-285750">
-              <a:buFont typeface="Wingdings" charset="2"/>
-              <a:buChar char="ü"/>
-            </a:pPr>
-            <a:r>
-              <a:rPr lang="ja-JP" altLang="en-US" dirty="0" smtClean="0">
-                <a:solidFill>
-                  <a:srgbClr val="000000"/>
-                </a:solidFill>
-                <a:latin typeface="メイリオ"/>
-                <a:ea typeface="メイリオ"/>
-                <a:cs typeface="メイリオ"/>
-              </a:rPr>
-              <a:t>プレゼントを探し回る時間はないが、子供を喜ばせたい</a:t>
-            </a:r>
-            <a:endParaRPr lang="en-US" altLang="ja-JP" dirty="0">
-              <a:solidFill>
-                <a:srgbClr val="000000"/>
-              </a:solidFill>
-              <a:latin typeface="メイリオ"/>
-              <a:ea typeface="メイリオ"/>
-              <a:cs typeface="メイリオ"/>
-            </a:endParaRPr>
-          </a:p>
-        </p:txBody>
-      </p:sp>
-      <p:sp>
-        <p:nvSpPr>
-          <p:cNvPr id="13" name="TextBox 12"/>
-          <p:cNvSpPr txBox="1"/>
-          <p:nvPr/>
-        </p:nvSpPr>
-        <p:spPr>
-          <a:xfrm>
-            <a:off x="2493825" y="3826706"/>
-            <a:ext cx="3185487" cy="369332"/>
-          </a:xfrm>
-          <a:prstGeom prst="rect">
-            <a:avLst/>
-          </a:prstGeom>
-          <a:solidFill>
-            <a:srgbClr val="FFFFFF"/>
-          </a:solidFill>
-        </p:spPr>
-        <p:txBody>
-          <a:bodyPr wrap="none" rtlCol="0">
-            <a:spAutoFit/>
-          </a:bodyPr>
-          <a:lstStyle/>
-          <a:p>
-            <a:r>
-              <a:rPr lang="ja-JP" altLang="en-US" b="1" dirty="0" smtClean="0">
-                <a:latin typeface="メイリオ"/>
-                <a:ea typeface="メイリオ"/>
-                <a:cs typeface="メイリオ"/>
-              </a:rPr>
-              <a:t>こんなお父さん、お母さんに</a:t>
-            </a:r>
-            <a:endParaRPr lang="en-US" b="1" dirty="0">
-              <a:latin typeface="メイリオ"/>
-              <a:ea typeface="メイリオ"/>
-              <a:cs typeface="メイリオ"/>
-            </a:endParaRPr>
-          </a:p>
-        </p:txBody>
-      </p:sp>
     </p:spTree>
     <p:extLst>
       <p:ext uri="{BB962C8B-B14F-4D97-AF65-F5344CB8AC3E}">
-        <p14:creationId xmlns:p14="http://schemas.microsoft.com/office/powerpoint/2010/main" val="3114795264"/>
+        <p14:creationId xmlns:p14="http://schemas.microsoft.com/office/powerpoint/2010/main" val="552738470"/>
       </p:ext>
     </p:extLst>
   </p:cSld>
@@ -8803,9 +7280,370 @@
           <a:chExt cx="0" cy="0"/>
         </a:xfrm>
       </p:grpSpPr>
+      <p:sp>
+        <p:nvSpPr>
+          <p:cNvPr id="10" name="Rectangle 9"/>
+          <p:cNvSpPr/>
+          <p:nvPr/>
+        </p:nvSpPr>
+        <p:spPr>
+          <a:xfrm>
+            <a:off x="298925" y="1143161"/>
+            <a:ext cx="7772630" cy="1991209"/>
+          </a:xfrm>
+          <a:prstGeom prst="rect">
+            <a:avLst/>
+          </a:prstGeom>
+          <a:solidFill>
+            <a:srgbClr val="FFFFFF"/>
+          </a:solidFill>
+          <a:ln w="9525" cmpd="sng">
+            <a:solidFill>
+              <a:srgbClr val="000000"/>
+            </a:solidFill>
+          </a:ln>
+        </p:spPr>
+        <p:style>
+          <a:lnRef idx="1">
+            <a:schemeClr val="accent1"/>
+          </a:lnRef>
+          <a:fillRef idx="3">
+            <a:schemeClr val="accent1"/>
+          </a:fillRef>
+          <a:effectRef idx="2">
+            <a:schemeClr val="accent1"/>
+          </a:effectRef>
+          <a:fontRef idx="minor">
+            <a:schemeClr val="lt1"/>
+          </a:fontRef>
+        </p:style>
+        <p:txBody>
+          <a:bodyPr rtlCol="0" anchor="ctr"/>
+          <a:lstStyle/>
+          <a:p>
+            <a:pPr marL="285750" indent="-285750">
+              <a:buFont typeface="Wingdings" charset="2"/>
+              <a:buChar char="ü"/>
+            </a:pPr>
+            <a:r>
+              <a:rPr lang="ja-JP" altLang="en-US" dirty="0" smtClean="0">
+                <a:solidFill>
+                  <a:schemeClr val="tx1"/>
+                </a:solidFill>
+              </a:rPr>
+              <a:t>年齢　</a:t>
+            </a:r>
+            <a:r>
+              <a:rPr lang="en-US" altLang="ja-JP" dirty="0" smtClean="0">
+                <a:solidFill>
+                  <a:schemeClr val="tx1"/>
+                </a:solidFill>
+              </a:rPr>
+              <a:t>3</a:t>
+            </a:r>
+            <a:r>
+              <a:rPr lang="ja-JP" altLang="en-US" dirty="0" smtClean="0">
+                <a:solidFill>
+                  <a:schemeClr val="tx1"/>
+                </a:solidFill>
+              </a:rPr>
+              <a:t> </a:t>
+            </a:r>
+            <a:r>
+              <a:rPr lang="en-US" altLang="ja-JP" dirty="0" smtClean="0">
+                <a:solidFill>
+                  <a:schemeClr val="tx1"/>
+                </a:solidFill>
+              </a:rPr>
+              <a:t>–</a:t>
+            </a:r>
+            <a:r>
+              <a:rPr lang="ja-JP" altLang="en-US" dirty="0" smtClean="0">
+                <a:solidFill>
+                  <a:schemeClr val="tx1"/>
+                </a:solidFill>
+              </a:rPr>
+              <a:t> </a:t>
+            </a:r>
+            <a:r>
+              <a:rPr lang="en-US" altLang="ja-JP" dirty="0" smtClean="0">
+                <a:solidFill>
+                  <a:schemeClr val="tx1"/>
+                </a:solidFill>
+              </a:rPr>
+              <a:t>12</a:t>
+            </a:r>
+            <a:r>
+              <a:rPr lang="ja-JP" altLang="en-US" dirty="0" smtClean="0">
+                <a:solidFill>
+                  <a:schemeClr val="tx1"/>
+                </a:solidFill>
+              </a:rPr>
+              <a:t>歳</a:t>
+            </a:r>
+            <a:endParaRPr lang="en-US" altLang="ja-JP" dirty="0" smtClean="0">
+              <a:solidFill>
+                <a:schemeClr val="tx1"/>
+              </a:solidFill>
+            </a:endParaRPr>
+          </a:p>
+          <a:p>
+            <a:pPr marL="285750" indent="-285750">
+              <a:buFont typeface="Wingdings" charset="2"/>
+              <a:buChar char="ü"/>
+            </a:pPr>
+            <a:endParaRPr lang="en-US" altLang="ja-JP" dirty="0">
+              <a:solidFill>
+                <a:schemeClr val="tx1"/>
+              </a:solidFill>
+            </a:endParaRPr>
+          </a:p>
+          <a:p>
+            <a:pPr marL="285750" indent="-285750">
+              <a:buFont typeface="Wingdings" charset="2"/>
+              <a:buChar char="ü"/>
+            </a:pPr>
+            <a:r>
+              <a:rPr lang="ja-JP" altLang="en-US" dirty="0" smtClean="0">
+                <a:solidFill>
+                  <a:schemeClr val="tx1"/>
+                </a:solidFill>
+              </a:rPr>
+              <a:t>親がインストール</a:t>
+            </a:r>
+            <a:endParaRPr lang="en-US" altLang="ja-JP" dirty="0" smtClean="0">
+              <a:solidFill>
+                <a:schemeClr val="tx1"/>
+              </a:solidFill>
+            </a:endParaRPr>
+          </a:p>
+          <a:p>
+            <a:pPr marL="285750" indent="-285750">
+              <a:buFont typeface="Wingdings" charset="2"/>
+              <a:buChar char="ü"/>
+            </a:pPr>
+            <a:endParaRPr lang="en-US" altLang="ja-JP" dirty="0">
+              <a:solidFill>
+                <a:schemeClr val="tx1"/>
+              </a:solidFill>
+            </a:endParaRPr>
+          </a:p>
+          <a:p>
+            <a:pPr marL="285750" indent="-285750">
+              <a:buFont typeface="Wingdings" charset="2"/>
+              <a:buChar char="ü"/>
+            </a:pPr>
+            <a:r>
+              <a:rPr lang="ja-JP" altLang="en-US" dirty="0" smtClean="0">
+                <a:solidFill>
+                  <a:schemeClr val="tx1"/>
+                </a:solidFill>
+              </a:rPr>
+              <a:t>文字でのコミュニケーションができない可能性があるので、</a:t>
+            </a:r>
+            <a:endParaRPr lang="en-US" altLang="ja-JP" dirty="0" smtClean="0">
+              <a:solidFill>
+                <a:schemeClr val="tx1"/>
+              </a:solidFill>
+            </a:endParaRPr>
+          </a:p>
+          <a:p>
+            <a:r>
+              <a:rPr lang="ja-JP" altLang="ja-JP" dirty="0">
+                <a:solidFill>
+                  <a:schemeClr val="tx1"/>
+                </a:solidFill>
+              </a:rPr>
+              <a:t>　</a:t>
+            </a:r>
+            <a:r>
+              <a:rPr lang="ja-JP" altLang="en-US" dirty="0" smtClean="0">
+                <a:solidFill>
+                  <a:schemeClr val="tx1"/>
+                </a:solidFill>
+              </a:rPr>
+              <a:t>　チャットの文章を読み上げる</a:t>
+            </a:r>
+            <a:endParaRPr lang="en-US" altLang="ja-JP" dirty="0" smtClean="0">
+              <a:solidFill>
+                <a:schemeClr val="tx1"/>
+              </a:solidFill>
+            </a:endParaRPr>
+          </a:p>
+        </p:txBody>
+      </p:sp>
+      <p:sp>
+        <p:nvSpPr>
+          <p:cNvPr id="11" name="Rectangle 10"/>
+          <p:cNvSpPr/>
+          <p:nvPr/>
+        </p:nvSpPr>
+        <p:spPr>
+          <a:xfrm>
+            <a:off x="298925" y="4360333"/>
+            <a:ext cx="7772630" cy="2047654"/>
+          </a:xfrm>
+          <a:prstGeom prst="rect">
+            <a:avLst/>
+          </a:prstGeom>
+          <a:solidFill>
+            <a:srgbClr val="FFFFFF"/>
+          </a:solidFill>
+          <a:ln w="9525" cmpd="sng">
+            <a:solidFill>
+              <a:srgbClr val="000000"/>
+            </a:solidFill>
+          </a:ln>
+        </p:spPr>
+        <p:style>
+          <a:lnRef idx="1">
+            <a:schemeClr val="accent1"/>
+          </a:lnRef>
+          <a:fillRef idx="3">
+            <a:schemeClr val="accent1"/>
+          </a:fillRef>
+          <a:effectRef idx="2">
+            <a:schemeClr val="accent1"/>
+          </a:effectRef>
+          <a:fontRef idx="minor">
+            <a:schemeClr val="lt1"/>
+          </a:fontRef>
+        </p:style>
+        <p:txBody>
+          <a:bodyPr rtlCol="0" anchor="ctr"/>
+          <a:lstStyle/>
+          <a:p>
+            <a:pPr marL="285750" indent="-285750">
+              <a:buFont typeface="Wingdings" charset="2"/>
+              <a:buChar char="ü"/>
+            </a:pPr>
+            <a:r>
+              <a:rPr lang="ja-JP" altLang="en-US" dirty="0" smtClean="0">
+                <a:solidFill>
+                  <a:schemeClr val="tx1"/>
+                </a:solidFill>
+              </a:rPr>
+              <a:t>年齢　</a:t>
+            </a:r>
+            <a:r>
+              <a:rPr lang="en-US" altLang="ja-JP" dirty="0" smtClean="0">
+                <a:solidFill>
+                  <a:schemeClr val="tx1"/>
+                </a:solidFill>
+              </a:rPr>
+              <a:t>13</a:t>
+            </a:r>
+            <a:r>
+              <a:rPr lang="ja-JP" altLang="en-US" dirty="0" smtClean="0">
+                <a:solidFill>
+                  <a:schemeClr val="tx1"/>
+                </a:solidFill>
+              </a:rPr>
+              <a:t>歳以上</a:t>
+            </a:r>
+            <a:endParaRPr lang="en-US" altLang="ja-JP" dirty="0" smtClean="0">
+              <a:solidFill>
+                <a:schemeClr val="tx1"/>
+              </a:solidFill>
+            </a:endParaRPr>
+          </a:p>
+          <a:p>
+            <a:pPr marL="285750" indent="-285750">
+              <a:buFont typeface="Wingdings" charset="2"/>
+              <a:buChar char="ü"/>
+            </a:pPr>
+            <a:endParaRPr lang="en-US" altLang="ja-JP" dirty="0">
+              <a:solidFill>
+                <a:schemeClr val="tx1"/>
+              </a:solidFill>
+            </a:endParaRPr>
+          </a:p>
+          <a:p>
+            <a:pPr marL="285750" indent="-285750">
+              <a:buFont typeface="Wingdings" charset="2"/>
+              <a:buChar char="ü"/>
+            </a:pPr>
+            <a:r>
+              <a:rPr lang="ja-JP" altLang="en-US" dirty="0" smtClean="0">
+                <a:solidFill>
+                  <a:schemeClr val="tx1"/>
+                </a:solidFill>
+              </a:rPr>
+              <a:t>自分でインストール（親がまだ</a:t>
+            </a:r>
+            <a:r>
+              <a:rPr lang="en-US" altLang="ja-JP" dirty="0" err="1" smtClean="0">
+                <a:solidFill>
+                  <a:schemeClr val="tx1"/>
+                </a:solidFill>
+              </a:rPr>
+              <a:t>SignUp</a:t>
+            </a:r>
+            <a:r>
+              <a:rPr lang="ja-JP" altLang="en-US" dirty="0" smtClean="0">
+                <a:solidFill>
+                  <a:schemeClr val="tx1"/>
+                </a:solidFill>
+              </a:rPr>
+              <a:t>していない場合）</a:t>
+            </a:r>
+            <a:endParaRPr lang="en-US" altLang="ja-JP" dirty="0" smtClean="0">
+              <a:solidFill>
+                <a:schemeClr val="tx1"/>
+              </a:solidFill>
+            </a:endParaRPr>
+          </a:p>
+          <a:p>
+            <a:pPr marL="285750" indent="-285750">
+              <a:buFont typeface="Wingdings" charset="2"/>
+              <a:buChar char="ü"/>
+            </a:pPr>
+            <a:endParaRPr lang="en-US" altLang="ja-JP" dirty="0">
+              <a:solidFill>
+                <a:schemeClr val="tx1"/>
+              </a:solidFill>
+            </a:endParaRPr>
+          </a:p>
+          <a:p>
+            <a:pPr marL="285750" indent="-285750">
+              <a:buFont typeface="Wingdings" charset="2"/>
+              <a:buChar char="ü"/>
+            </a:pPr>
+            <a:r>
+              <a:rPr lang="ja-JP" altLang="en-US" dirty="0" smtClean="0">
+                <a:solidFill>
+                  <a:schemeClr val="tx1"/>
+                </a:solidFill>
+              </a:rPr>
+              <a:t>住所、名前、</a:t>
+            </a:r>
+            <a:r>
+              <a:rPr lang="en-US" altLang="ja-JP" dirty="0" smtClean="0">
+                <a:solidFill>
+                  <a:schemeClr val="tx1"/>
+                </a:solidFill>
+              </a:rPr>
+              <a:t>e-mail</a:t>
+            </a:r>
+            <a:r>
+              <a:rPr lang="ja-JP" altLang="en-US" dirty="0" smtClean="0">
+                <a:solidFill>
+                  <a:schemeClr val="tx1"/>
+                </a:solidFill>
+              </a:rPr>
+              <a:t>から親を特定し、お知らせする</a:t>
+            </a:r>
+            <a:endParaRPr lang="en-US" altLang="ja-JP" dirty="0">
+              <a:solidFill>
+                <a:schemeClr val="tx1"/>
+              </a:solidFill>
+            </a:endParaRPr>
+          </a:p>
+        </p:txBody>
+      </p:sp>
       <p:pic>
         <p:nvPicPr>
-          <p:cNvPr id="2" name="Picture 1"/>
+          <p:cNvPr id="3" name="Picture 2"/>
           <p:cNvPicPr>
             <a:picLocks noChangeAspect="1"/>
           </p:cNvPicPr>
@@ -8819,22 +7657,17 @@
         </p:blipFill>
         <p:spPr>
           <a:xfrm>
-            <a:off x="1234586" y="125748"/>
-            <a:ext cx="7331635" cy="6531054"/>
+            <a:off x="6914444" y="1755229"/>
+            <a:ext cx="2130778" cy="1864431"/>
           </a:xfrm>
           <a:prstGeom prst="rect">
             <a:avLst/>
           </a:prstGeom>
-          <a:ln w="38100" cmpd="sng">
-            <a:solidFill>
-              <a:srgbClr val="404040"/>
-            </a:solidFill>
-          </a:ln>
         </p:spPr>
       </p:pic>
       <p:pic>
         <p:nvPicPr>
-          <p:cNvPr id="3" name="Picture 2"/>
+          <p:cNvPr id="5" name="Picture 4"/>
           <p:cNvPicPr>
             <a:picLocks noChangeAspect="1"/>
           </p:cNvPicPr>
@@ -8848,8 +7681,8 @@
         </p:blipFill>
         <p:spPr>
           <a:xfrm>
-            <a:off x="0" y="5223070"/>
-            <a:ext cx="1401368" cy="1634930"/>
+            <a:off x="6310524" y="5250039"/>
+            <a:ext cx="2734698" cy="1437922"/>
           </a:xfrm>
           <a:prstGeom prst="rect">
             <a:avLst/>
@@ -8859,7 +7692,7 @@
     </p:spTree>
     <p:extLst>
       <p:ext uri="{BB962C8B-B14F-4D97-AF65-F5344CB8AC3E}">
-        <p14:creationId xmlns:p14="http://schemas.microsoft.com/office/powerpoint/2010/main" val="552738470"/>
+        <p14:creationId xmlns:p14="http://schemas.microsoft.com/office/powerpoint/2010/main" val="2728280455"/>
       </p:ext>
     </p:extLst>
   </p:cSld>
@@ -8901,7 +7734,7 @@
         </p:nvSpPr>
         <p:spPr>
           <a:xfrm>
-            <a:off x="679947" y="500280"/>
+            <a:off x="1463395" y="518231"/>
             <a:ext cx="3309929" cy="5900734"/>
           </a:xfrm>
           <a:prstGeom prst="roundRect">
@@ -8945,7 +7778,7 @@
         </p:nvSpPr>
         <p:spPr>
           <a:xfrm>
-            <a:off x="782580" y="1093133"/>
+            <a:off x="1566028" y="1111084"/>
             <a:ext cx="3079004" cy="4399895"/>
           </a:xfrm>
           <a:prstGeom prst="rect">
@@ -8999,7 +7832,7 @@
         </p:blipFill>
         <p:spPr>
           <a:xfrm>
-            <a:off x="1315267" y="2745462"/>
+            <a:off x="2098715" y="2763413"/>
             <a:ext cx="2027011" cy="2550340"/>
           </a:xfrm>
           <a:prstGeom prst="rect">
@@ -9015,7 +7848,7 @@
         </p:nvSpPr>
         <p:spPr>
           <a:xfrm>
-            <a:off x="1013507" y="1195753"/>
+            <a:off x="1796955" y="1213704"/>
             <a:ext cx="2758274" cy="1308424"/>
           </a:xfrm>
           <a:prstGeom prst="wedgeEllipseCallout">
@@ -9120,7 +7953,7 @@
         </p:blipFill>
         <p:spPr>
           <a:xfrm>
-            <a:off x="4535654" y="3057025"/>
+            <a:off x="6090564" y="3074976"/>
             <a:ext cx="2178530" cy="3343989"/>
           </a:xfrm>
           <a:prstGeom prst="rect">
@@ -9136,7 +7969,7 @@
         </p:nvSpPr>
         <p:spPr>
           <a:xfrm>
-            <a:off x="2016757" y="5705556"/>
+            <a:off x="2800205" y="5723507"/>
             <a:ext cx="560785" cy="580944"/>
           </a:xfrm>
           <a:prstGeom prst="ellipse">
@@ -9183,8 +8016,8 @@
         </p:nvSpPr>
         <p:spPr>
           <a:xfrm>
-            <a:off x="4522867" y="518231"/>
-            <a:ext cx="2114055" cy="369332"/>
+            <a:off x="6077777" y="536182"/>
+            <a:ext cx="2264186" cy="369332"/>
           </a:xfrm>
           <a:prstGeom prst="rect">
             <a:avLst/>
@@ -9211,7 +8044,7 @@
                 <a:ea typeface="メイリオ"/>
                 <a:cs typeface="メイリオ"/>
               </a:rPr>
-              <a:t>○</a:t>
+              <a:t>1</a:t>
             </a:r>
             <a:r>
               <a:rPr lang="ja-JP" altLang="en-US" b="1" u="sng" dirty="0" smtClean="0">
@@ -9219,7 +8052,7 @@
                 <a:ea typeface="メイリオ"/>
                 <a:cs typeface="メイリオ"/>
               </a:rPr>
-              <a:t>日前</a:t>
+              <a:t>週間前</a:t>
             </a:r>
             <a:endParaRPr lang="en-US" b="1" u="sng" dirty="0">
               <a:latin typeface="メイリオ"/>
@@ -9237,8 +8070,8 @@
         </p:nvSpPr>
         <p:spPr>
           <a:xfrm>
-            <a:off x="4325248" y="1011087"/>
-            <a:ext cx="4818752" cy="369332"/>
+            <a:off x="5670375" y="1011087"/>
+            <a:ext cx="3473625" cy="369332"/>
           </a:xfrm>
           <a:prstGeom prst="rect">
             <a:avLst/>
@@ -9252,20 +8085,20 @@
           <a:lstStyle/>
           <a:p>
             <a:r>
+              <a:rPr lang="en-US" altLang="ja-JP" dirty="0" smtClean="0">
+                <a:latin typeface="メイリオ"/>
+                <a:ea typeface="メイリオ"/>
+                <a:cs typeface="メイリオ"/>
+              </a:rPr>
+              <a:t>YOU GIFT APP</a:t>
+            </a:r>
+            <a:r>
               <a:rPr lang="ja-JP" altLang="en-US" dirty="0" smtClean="0">
                 <a:latin typeface="メイリオ"/>
                 <a:ea typeface="メイリオ"/>
                 <a:cs typeface="メイリオ"/>
               </a:rPr>
-              <a:t>お父さんの設定した日に</a:t>
-            </a:r>
-            <a:r>
-              <a:rPr lang="en-US" altLang="ja-JP" dirty="0" smtClean="0">
-                <a:latin typeface="メイリオ"/>
-                <a:ea typeface="メイリオ"/>
-                <a:cs typeface="メイリオ"/>
-              </a:rPr>
-              <a:t>APP</a:t>
+              <a:t>が</a:t>
             </a:r>
             <a:r>
               <a:rPr lang="ja-JP" altLang="en-US" dirty="0" smtClean="0">
@@ -9273,7 +8106,7 @@
                 <a:ea typeface="メイリオ"/>
                 <a:cs typeface="メイリオ"/>
               </a:rPr>
-              <a:t>が自動的に起動</a:t>
+              <a:t>自動的に起動</a:t>
             </a:r>
             <a:endParaRPr lang="en-US" dirty="0">
               <a:latin typeface="メイリオ"/>
@@ -9283,6 +8116,78 @@
           </a:p>
         </p:txBody>
       </p:sp>
+      <p:sp>
+        <p:nvSpPr>
+          <p:cNvPr id="3" name="Cloud 2"/>
+          <p:cNvSpPr/>
+          <p:nvPr/>
+        </p:nvSpPr>
+        <p:spPr>
+          <a:xfrm>
+            <a:off x="105544" y="2267795"/>
+            <a:ext cx="2275865" cy="3455712"/>
+          </a:xfrm>
+          <a:prstGeom prst="cloud">
+            <a:avLst/>
+          </a:prstGeom>
+          <a:solidFill>
+            <a:srgbClr val="FFFFFF"/>
+          </a:solidFill>
+          <a:ln w="38100" cmpd="sng">
+            <a:solidFill>
+              <a:schemeClr val="bg1">
+                <a:lumMod val="75000"/>
+              </a:schemeClr>
+            </a:solidFill>
+          </a:ln>
+        </p:spPr>
+        <p:style>
+          <a:lnRef idx="1">
+            <a:schemeClr val="accent1"/>
+          </a:lnRef>
+          <a:fillRef idx="3">
+            <a:schemeClr val="accent1"/>
+          </a:fillRef>
+          <a:effectRef idx="2">
+            <a:schemeClr val="accent1"/>
+          </a:effectRef>
+          <a:fontRef idx="minor">
+            <a:schemeClr val="lt1"/>
+          </a:fontRef>
+        </p:style>
+        <p:txBody>
+          <a:bodyPr rtlCol="0" anchor="ctr"/>
+          <a:lstStyle/>
+          <a:p>
+            <a:pPr algn="ctr"/>
+            <a:endParaRPr lang="en-US"/>
+          </a:p>
+        </p:txBody>
+      </p:sp>
+      <p:pic>
+        <p:nvPicPr>
+          <p:cNvPr id="12" name="Picture 11"/>
+          <p:cNvPicPr>
+            <a:picLocks noChangeAspect="1"/>
+          </p:cNvPicPr>
+          <p:nvPr/>
+        </p:nvPicPr>
+        <p:blipFill>
+          <a:blip r:embed="rId4"/>
+          <a:stretch>
+            <a:fillRect/>
+          </a:stretch>
+        </p:blipFill>
+        <p:spPr>
+          <a:xfrm>
+            <a:off x="691933" y="3074976"/>
+            <a:ext cx="1105022" cy="1948500"/>
+          </a:xfrm>
+          <a:prstGeom prst="rect">
+            <a:avLst/>
+          </a:prstGeom>
+        </p:spPr>
+      </p:pic>
     </p:spTree>
     <p:extLst>
       <p:ext uri="{BB962C8B-B14F-4D97-AF65-F5344CB8AC3E}">

--- a/02_Requirement/Hackathon20161211.pptx
+++ b/02_Requirement/Hackathon20161211.pptx
@@ -3142,7 +3142,7 @@
         </p:nvSpPr>
         <p:spPr>
           <a:xfrm>
-            <a:off x="326009" y="1203362"/>
+            <a:off x="187702" y="1203362"/>
             <a:ext cx="7109639" cy="369332"/>
           </a:xfrm>
           <a:prstGeom prst="rect">
@@ -4527,29 +4527,7 @@
                 <a:ea typeface="メイリオ"/>
                 <a:cs typeface="メイリオ"/>
               </a:rPr>
-              <a:t>サンタ</a:t>
-            </a:r>
-            <a:r>
-              <a:rPr lang="ja-JP" altLang="en-US" dirty="0" smtClean="0">
-                <a:solidFill>
-                  <a:schemeClr val="tx1"/>
-                </a:solidFill>
-                <a:latin typeface="メイリオ"/>
-                <a:ea typeface="メイリオ"/>
-                <a:cs typeface="メイリオ"/>
-              </a:rPr>
-              <a:t>さん</a:t>
-            </a:r>
-            <a:r>
-              <a:rPr lang="ja-JP" altLang="en-US" dirty="0" smtClean="0">
-                <a:solidFill>
-                  <a:schemeClr val="tx1"/>
-                </a:solidFill>
-                <a:latin typeface="メイリオ"/>
-                <a:ea typeface="メイリオ"/>
-                <a:cs typeface="メイリオ"/>
-              </a:rPr>
-              <a:t>、</a:t>
+              <a:t>サンタさん、</a:t>
             </a:r>
             <a:endParaRPr lang="en-US" altLang="ja-JP" dirty="0" smtClean="0">
               <a:solidFill>
@@ -4717,18 +4695,7 @@
                 <a:ea typeface="メイリオ"/>
                 <a:cs typeface="メイリオ"/>
               </a:rPr>
-              <a:t>おかげ</a:t>
-            </a:r>
-            <a:r>
-              <a:rPr lang="ja-JP" altLang="en-US" dirty="0" smtClean="0">
-                <a:solidFill>
-                  <a:schemeClr val="tx1"/>
-                </a:solidFill>
-                <a:latin typeface="メイリオ"/>
-                <a:ea typeface="メイリオ"/>
-                <a:cs typeface="メイリオ"/>
-              </a:rPr>
-              <a:t>で欲しいものが聞けてよかったね。</a:t>
+              <a:t>おかげで欲しいものが聞けてよかったね。</a:t>
             </a:r>
             <a:endParaRPr lang="en-US" altLang="ja-JP" dirty="0" smtClean="0">
               <a:solidFill>
@@ -5662,7 +5629,7 @@
                 <a:ea typeface="メイリオ"/>
                 <a:cs typeface="メイリオ"/>
               </a:rPr>
-              <a:t>子供</a:t>
+              <a:t>事前に</a:t>
             </a:r>
             <a:r>
               <a:rPr lang="ja-JP" altLang="en-US" dirty="0" smtClean="0">
@@ -5673,7 +5640,29 @@
                 <a:ea typeface="メイリオ"/>
                 <a:cs typeface="メイリオ"/>
               </a:rPr>
-              <a:t>に気付かれないように、携帯電話に</a:t>
+              <a:t>携帯</a:t>
+            </a:r>
+            <a:r>
+              <a:rPr lang="ja-JP" altLang="en-US" dirty="0" smtClean="0">
+                <a:solidFill>
+                  <a:srgbClr val="000000"/>
+                </a:solidFill>
+                <a:latin typeface="メイリオ"/>
+                <a:ea typeface="メイリオ"/>
+                <a:cs typeface="メイリオ"/>
+              </a:rPr>
+              <a:t>電話</a:t>
+            </a:r>
+            <a:r>
+              <a:rPr lang="ja-JP" altLang="en-US" dirty="0" smtClean="0">
+                <a:solidFill>
+                  <a:srgbClr val="000000"/>
+                </a:solidFill>
+                <a:latin typeface="メイリオ"/>
+                <a:ea typeface="メイリオ"/>
+                <a:cs typeface="メイリオ"/>
+              </a:rPr>
+              <a:t>に</a:t>
             </a:r>
             <a:r>
               <a:rPr lang="en-US" altLang="ja-JP" dirty="0" smtClean="0">
@@ -5684,7 +5673,7 @@
                 <a:ea typeface="メイリオ"/>
                 <a:cs typeface="メイリオ"/>
               </a:rPr>
-              <a:t>SANTA</a:t>
+              <a:t>YOU GIFT</a:t>
             </a:r>
             <a:r>
               <a:rPr lang="ja-JP" altLang="en-US" dirty="0" smtClean="0">
@@ -5748,10 +5737,10 @@
                 <a:ea typeface="メイリオ"/>
                 <a:cs typeface="メイリオ"/>
               </a:rPr>
-              <a:t>クリスマス前に自動的に起動し、</a:t>
-            </a:r>
-            <a:r>
-              <a:rPr lang="en-US" altLang="ja-JP" dirty="0" smtClean="0">
+              <a:t>クリスマス前</a:t>
+            </a:r>
+            <a:r>
+              <a:rPr lang="ja-JP" altLang="en-US" dirty="0" smtClean="0">
                 <a:solidFill>
                   <a:srgbClr val="000000"/>
                 </a:solidFill>
@@ -5759,7 +5748,7 @@
                 <a:ea typeface="メイリオ"/>
                 <a:cs typeface="メイリオ"/>
               </a:rPr>
-              <a:t>SANTA</a:t>
+              <a:t>に起動</a:t>
             </a:r>
             <a:r>
               <a:rPr lang="ja-JP" altLang="en-US" dirty="0" smtClean="0">
@@ -5770,7 +5759,73 @@
                 <a:ea typeface="メイリオ"/>
                 <a:cs typeface="メイリオ"/>
               </a:rPr>
-              <a:t>が子供の欲しいプレゼントを</a:t>
+              <a:t>し</a:t>
+            </a:r>
+            <a:r>
+              <a:rPr lang="ja-JP" altLang="en-US" dirty="0" smtClean="0">
+                <a:solidFill>
+                  <a:srgbClr val="000000"/>
+                </a:solidFill>
+                <a:latin typeface="メイリオ"/>
+                <a:ea typeface="メイリオ"/>
+                <a:cs typeface="メイリオ"/>
+              </a:rPr>
+              <a:t>、</a:t>
+            </a:r>
+            <a:r>
+              <a:rPr lang="ja-JP" altLang="en-US" dirty="0" smtClean="0">
+                <a:solidFill>
+                  <a:srgbClr val="000000"/>
+                </a:solidFill>
+                <a:latin typeface="メイリオ"/>
+                <a:ea typeface="メイリオ"/>
+                <a:cs typeface="メイリオ"/>
+              </a:rPr>
+              <a:t>サンタ</a:t>
+            </a:r>
+            <a:r>
+              <a:rPr lang="ja-JP" altLang="en-US" dirty="0" smtClean="0">
+                <a:solidFill>
+                  <a:srgbClr val="000000"/>
+                </a:solidFill>
+                <a:latin typeface="メイリオ"/>
+                <a:ea typeface="メイリオ"/>
+                <a:cs typeface="メイリオ"/>
+              </a:rPr>
+              <a:t>が</a:t>
+            </a:r>
+            <a:r>
+              <a:rPr lang="ja-JP" altLang="en-US" dirty="0" smtClean="0">
+                <a:solidFill>
+                  <a:srgbClr val="000000"/>
+                </a:solidFill>
+                <a:latin typeface="メイリオ"/>
+                <a:ea typeface="メイリオ"/>
+                <a:cs typeface="メイリオ"/>
+              </a:rPr>
+              <a:t>子供の欲しいプレゼント</a:t>
+            </a:r>
+            <a:r>
+              <a:rPr lang="ja-JP" altLang="en-US" dirty="0" smtClean="0">
+                <a:solidFill>
+                  <a:srgbClr val="000000"/>
+                </a:solidFill>
+                <a:latin typeface="メイリオ"/>
+                <a:ea typeface="メイリオ"/>
+                <a:cs typeface="メイリオ"/>
+              </a:rPr>
+              <a:t>をヒアリング</a:t>
+            </a:r>
+            <a:r>
+              <a:rPr lang="ja-JP" altLang="en-US" dirty="0" smtClean="0">
+                <a:solidFill>
+                  <a:srgbClr val="000000"/>
+                </a:solidFill>
+                <a:latin typeface="メイリオ"/>
+                <a:ea typeface="メイリオ"/>
+                <a:cs typeface="メイリオ"/>
+              </a:rPr>
+              <a:t>します</a:t>
             </a:r>
             <a:endParaRPr lang="en-US" altLang="ja-JP" dirty="0" smtClean="0">
               <a:solidFill>
@@ -5782,17 +5837,6 @@
             </a:endParaRPr>
           </a:p>
           <a:p>
-            <a:r>
-              <a:rPr lang="ja-JP" altLang="en-US" dirty="0" smtClean="0">
-                <a:solidFill>
-                  <a:srgbClr val="000000"/>
-                </a:solidFill>
-                <a:latin typeface="メイリオ"/>
-                <a:ea typeface="メイリオ"/>
-                <a:cs typeface="メイリオ"/>
-              </a:rPr>
-              <a:t>ヒアリング</a:t>
-            </a:r>
             <a:endParaRPr lang="en-US" altLang="ja-JP" dirty="0" smtClean="0">
               <a:solidFill>
                 <a:srgbClr val="000000"/>
@@ -5803,16 +5847,6 @@
             </a:endParaRPr>
           </a:p>
           <a:p>
-            <a:endParaRPr lang="en-US" altLang="ja-JP" dirty="0" smtClean="0">
-              <a:solidFill>
-                <a:srgbClr val="000000"/>
-              </a:solidFill>
-              <a:latin typeface="メイリオ"/>
-              <a:ea typeface="メイリオ"/>
-              <a:cs typeface="メイリオ"/>
-            </a:endParaRPr>
-          </a:p>
-          <a:p>
             <a:r>
               <a:rPr lang="ja-JP" altLang="en-US" dirty="0" smtClean="0">
                 <a:solidFill>
@@ -5822,10 +5856,10 @@
                 <a:ea typeface="メイリオ"/>
                 <a:cs typeface="メイリオ"/>
               </a:rPr>
-              <a:t>子供から</a:t>
-            </a:r>
-            <a:r>
-              <a:rPr lang="en-US" altLang="ja-JP" dirty="0" smtClean="0">
+              <a:t>親には言わず、サンタだけに</a:t>
+            </a:r>
+            <a:r>
+              <a:rPr lang="ja-JP" altLang="en-US" dirty="0" smtClean="0">
                 <a:solidFill>
                   <a:srgbClr val="000000"/>
                 </a:solidFill>
@@ -5833,7 +5867,7 @@
                 <a:ea typeface="メイリオ"/>
                 <a:cs typeface="メイリオ"/>
               </a:rPr>
-              <a:t>SANTA</a:t>
+              <a:t>お願いした</a:t>
             </a:r>
             <a:r>
               <a:rPr lang="ja-JP" altLang="en-US" dirty="0" smtClean="0">
@@ -5844,18 +5878,8 @@
                 <a:ea typeface="メイリオ"/>
                 <a:cs typeface="メイリオ"/>
               </a:rPr>
-              <a:t>に内緒でお願いしたものが</a:t>
-            </a:r>
-            <a:endParaRPr lang="en-US" altLang="ja-JP" dirty="0" smtClean="0">
-              <a:solidFill>
-                <a:srgbClr val="000000"/>
-              </a:solidFill>
-              <a:latin typeface="メイリオ"/>
-              <a:ea typeface="メイリオ"/>
-              <a:cs typeface="メイリオ"/>
-            </a:endParaRPr>
-          </a:p>
-          <a:p>
+              <a:t>プレゼント</a:t>
+            </a:r>
             <a:r>
               <a:rPr lang="ja-JP" altLang="en-US" dirty="0" smtClean="0">
                 <a:solidFill>
@@ -5865,7 +5889,40 @@
                 <a:ea typeface="メイリオ"/>
                 <a:cs typeface="メイリオ"/>
               </a:rPr>
-              <a:t>クリスマスの夜には届いている</a:t>
+              <a:t>がクリスマス</a:t>
+            </a:r>
+            <a:r>
+              <a:rPr lang="ja-JP" altLang="en-US" dirty="0" smtClean="0">
+                <a:solidFill>
+                  <a:srgbClr val="000000"/>
+                </a:solidFill>
+                <a:latin typeface="メイリオ"/>
+                <a:ea typeface="メイリオ"/>
+                <a:cs typeface="メイリオ"/>
+              </a:rPr>
+              <a:t>の夜には</a:t>
+            </a:r>
+            <a:r>
+              <a:rPr lang="ja-JP" altLang="en-US" dirty="0" smtClean="0">
+                <a:solidFill>
+                  <a:srgbClr val="000000"/>
+                </a:solidFill>
+                <a:latin typeface="メイリオ"/>
+                <a:ea typeface="メイリオ"/>
+                <a:cs typeface="メイリオ"/>
+              </a:rPr>
+              <a:t>届</a:t>
+            </a:r>
+            <a:r>
+              <a:rPr lang="ja-JP" altLang="en-US" dirty="0" smtClean="0">
+                <a:solidFill>
+                  <a:srgbClr val="000000"/>
+                </a:solidFill>
+                <a:latin typeface="メイリオ"/>
+                <a:ea typeface="メイリオ"/>
+                <a:cs typeface="メイリオ"/>
+              </a:rPr>
+              <a:t>きます</a:t>
             </a:r>
             <a:endParaRPr lang="en-US" altLang="ja-JP" dirty="0" smtClean="0">
               <a:solidFill>
@@ -6916,29 +6973,7 @@
                 <a:ea typeface="メイリオ"/>
                 <a:cs typeface="メイリオ"/>
               </a:rPr>
-              <a:t>YOU GIFT</a:t>
-            </a:r>
-            <a:r>
-              <a:rPr lang="en-US" altLang="ja-JP" dirty="0" smtClean="0">
-                <a:solidFill>
-                  <a:schemeClr val="tx1"/>
-                </a:solidFill>
-                <a:latin typeface="メイリオ"/>
-                <a:ea typeface="メイリオ"/>
-                <a:cs typeface="メイリオ"/>
-              </a:rPr>
-              <a:t> </a:t>
-            </a:r>
-            <a:r>
-              <a:rPr lang="en-US" altLang="ja-JP" dirty="0" smtClean="0">
-                <a:solidFill>
-                  <a:schemeClr val="tx1"/>
-                </a:solidFill>
-                <a:latin typeface="メイリオ"/>
-                <a:ea typeface="メイリオ"/>
-                <a:cs typeface="メイリオ"/>
-              </a:rPr>
-              <a:t>APP</a:t>
+              <a:t>YOU GIFT APP</a:t>
             </a:r>
           </a:p>
           <a:p>
@@ -7569,23 +7604,15 @@
                   <a:schemeClr val="tx1"/>
                 </a:solidFill>
               </a:rPr>
-              <a:t>自分でインストール（親がまだ</a:t>
-            </a:r>
-            <a:r>
-              <a:rPr lang="en-US" altLang="ja-JP" dirty="0" err="1" smtClean="0">
+              <a:t>自分で</a:t>
+            </a:r>
+            <a:r>
+              <a:rPr lang="ja-JP" altLang="en-US" dirty="0" smtClean="0">
                 <a:solidFill>
                   <a:schemeClr val="tx1"/>
                 </a:solidFill>
               </a:rPr>
-              <a:t>SignUp</a:t>
-            </a:r>
-            <a:r>
-              <a:rPr lang="ja-JP" altLang="en-US" dirty="0" smtClean="0">
-                <a:solidFill>
-                  <a:schemeClr val="tx1"/>
-                </a:solidFill>
-              </a:rPr>
-              <a:t>していない場合）</a:t>
+              <a:t>インストール</a:t>
             </a:r>
             <a:endParaRPr lang="en-US" altLang="ja-JP" dirty="0" smtClean="0">
               <a:solidFill>
@@ -8098,15 +8125,7 @@
                 <a:ea typeface="メイリオ"/>
                 <a:cs typeface="メイリオ"/>
               </a:rPr>
-              <a:t>が</a:t>
-            </a:r>
-            <a:r>
-              <a:rPr lang="ja-JP" altLang="en-US" dirty="0" smtClean="0">
-                <a:latin typeface="メイリオ"/>
-                <a:ea typeface="メイリオ"/>
-                <a:cs typeface="メイリオ"/>
-              </a:rPr>
-              <a:t>自動的に起動</a:t>
+              <a:t>が自動的に起動</a:t>
             </a:r>
             <a:endParaRPr lang="en-US" dirty="0">
               <a:latin typeface="メイリオ"/>
